--- a/Lecture_Slides/PH 123 Lecture 31.pptx
+++ b/Lecture_Slides/PH 123 Lecture 31.pptx
@@ -5,7 +5,7 @@
     <p:sldMasterId id="2147483648" r:id="rId1"/>
   </p:sldMasterIdLst>
   <p:notesMasterIdLst>
-    <p:notesMasterId r:id="rId63"/>
+    <p:notesMasterId r:id="rId71"/>
   </p:notesMasterIdLst>
   <p:sldIdLst>
     <p:sldId id="256" r:id="rId2"/>
@@ -31,44 +31,52 @@
     <p:sldId id="290" r:id="rId22"/>
     <p:sldId id="291" r:id="rId23"/>
     <p:sldId id="292" r:id="rId24"/>
-    <p:sldId id="293" r:id="rId25"/>
-    <p:sldId id="294" r:id="rId26"/>
-    <p:sldId id="295" r:id="rId27"/>
-    <p:sldId id="296" r:id="rId28"/>
-    <p:sldId id="297" r:id="rId29"/>
-    <p:sldId id="298" r:id="rId30"/>
-    <p:sldId id="300" r:id="rId31"/>
-    <p:sldId id="301" r:id="rId32"/>
-    <p:sldId id="302" r:id="rId33"/>
-    <p:sldId id="303" r:id="rId34"/>
-    <p:sldId id="315" r:id="rId35"/>
-    <p:sldId id="316" r:id="rId36"/>
-    <p:sldId id="317" r:id="rId37"/>
-    <p:sldId id="304" r:id="rId38"/>
-    <p:sldId id="305" r:id="rId39"/>
-    <p:sldId id="306" r:id="rId40"/>
-    <p:sldId id="307" r:id="rId41"/>
-    <p:sldId id="308" r:id="rId42"/>
-    <p:sldId id="309" r:id="rId43"/>
-    <p:sldId id="310" r:id="rId44"/>
-    <p:sldId id="311" r:id="rId45"/>
-    <p:sldId id="312" r:id="rId46"/>
-    <p:sldId id="313" r:id="rId47"/>
-    <p:sldId id="314" r:id="rId48"/>
-    <p:sldId id="318" r:id="rId49"/>
-    <p:sldId id="270" r:id="rId50"/>
-    <p:sldId id="266" r:id="rId51"/>
-    <p:sldId id="267" r:id="rId52"/>
-    <p:sldId id="268" r:id="rId53"/>
-    <p:sldId id="269" r:id="rId54"/>
-    <p:sldId id="258" r:id="rId55"/>
-    <p:sldId id="259" r:id="rId56"/>
-    <p:sldId id="260" r:id="rId57"/>
-    <p:sldId id="261" r:id="rId58"/>
-    <p:sldId id="262" r:id="rId59"/>
-    <p:sldId id="263" r:id="rId60"/>
-    <p:sldId id="264" r:id="rId61"/>
-    <p:sldId id="265" r:id="rId62"/>
+    <p:sldId id="319" r:id="rId25"/>
+    <p:sldId id="321" r:id="rId26"/>
+    <p:sldId id="322" r:id="rId27"/>
+    <p:sldId id="325" r:id="rId28"/>
+    <p:sldId id="323" r:id="rId29"/>
+    <p:sldId id="293" r:id="rId30"/>
+    <p:sldId id="295" r:id="rId31"/>
+    <p:sldId id="296" r:id="rId32"/>
+    <p:sldId id="297" r:id="rId33"/>
+    <p:sldId id="294" r:id="rId34"/>
+    <p:sldId id="465" r:id="rId35"/>
+    <p:sldId id="300" r:id="rId36"/>
+    <p:sldId id="301" r:id="rId37"/>
+    <p:sldId id="302" r:id="rId38"/>
+    <p:sldId id="315" r:id="rId39"/>
+    <p:sldId id="316" r:id="rId40"/>
+    <p:sldId id="317" r:id="rId41"/>
+    <p:sldId id="304" r:id="rId42"/>
+    <p:sldId id="305" r:id="rId43"/>
+    <p:sldId id="306" r:id="rId44"/>
+    <p:sldId id="307" r:id="rId45"/>
+    <p:sldId id="308" r:id="rId46"/>
+    <p:sldId id="309" r:id="rId47"/>
+    <p:sldId id="310" r:id="rId48"/>
+    <p:sldId id="311" r:id="rId49"/>
+    <p:sldId id="312" r:id="rId50"/>
+    <p:sldId id="313" r:id="rId51"/>
+    <p:sldId id="314" r:id="rId52"/>
+    <p:sldId id="327" r:id="rId53"/>
+    <p:sldId id="326" r:id="rId54"/>
+    <p:sldId id="318" r:id="rId55"/>
+    <p:sldId id="270" r:id="rId56"/>
+    <p:sldId id="298" r:id="rId57"/>
+    <p:sldId id="303" r:id="rId58"/>
+    <p:sldId id="266" r:id="rId59"/>
+    <p:sldId id="267" r:id="rId60"/>
+    <p:sldId id="268" r:id="rId61"/>
+    <p:sldId id="269" r:id="rId62"/>
+    <p:sldId id="258" r:id="rId63"/>
+    <p:sldId id="259" r:id="rId64"/>
+    <p:sldId id="260" r:id="rId65"/>
+    <p:sldId id="261" r:id="rId66"/>
+    <p:sldId id="262" r:id="rId67"/>
+    <p:sldId id="263" r:id="rId68"/>
+    <p:sldId id="264" r:id="rId69"/>
+    <p:sldId id="265" r:id="rId70"/>
   </p:sldIdLst>
   <p:sldSz cx="9144000" cy="6858000" type="screen4x3"/>
   <p:notesSz cx="6858000" cy="9144000"/>
@@ -189,7 +197,7 @@
 <file path=ppt/revisionInfo.xml><?xml version="1.0" encoding="utf-8"?>
 <p1510:revInfo xmlns:a="http://schemas.openxmlformats.org/drawingml/2006/main" xmlns:r="http://schemas.openxmlformats.org/officeDocument/2006/relationships" xmlns:p1510="http://schemas.microsoft.com/office/powerpoint/2015/10/main">
   <p1510:revLst>
-    <p1510:client id="{E4F61A1E-E133-4318-A760-48BD8E5D6B9C}" v="27" dt="2025-06-24T18:41:04.866"/>
+    <p1510:client id="{E4F61A1E-E133-4318-A760-48BD8E5D6B9C}" v="59" dt="2025-07-01T20:50:01.083"/>
   </p1510:revLst>
 </p1510:revInfo>
 </file>
@@ -198,8 +206,8 @@
 <pc:chgInfo xmlns:a="http://schemas.openxmlformats.org/drawingml/2006/main" xmlns:r="http://schemas.openxmlformats.org/officeDocument/2006/relationships" xmlns:ac="http://schemas.microsoft.com/office/drawing/2013/main/command" xmlns:pc="http://schemas.microsoft.com/office/powerpoint/2013/main/command">
   <pc:docChgLst>
     <pc:chgData name="Lines, Todd" userId="afaf7c3a-e8aa-4568-882a-02ad8f9e19b0" providerId="ADAL" clId="{E4F61A1E-E133-4318-A760-48BD8E5D6B9C}"/>
-    <pc:docChg chg="custSel addSld delSld modSld">
-      <pc:chgData name="Lines, Todd" userId="afaf7c3a-e8aa-4568-882a-02ad8f9e19b0" providerId="ADAL" clId="{E4F61A1E-E133-4318-A760-48BD8E5D6B9C}" dt="2025-06-24T18:41:09.082" v="253" actId="21"/>
+    <pc:docChg chg="undo custSel addSld delSld modSld sldOrd">
+      <pc:chgData name="Lines, Todd" userId="afaf7c3a-e8aa-4568-882a-02ad8f9e19b0" providerId="ADAL" clId="{E4F61A1E-E133-4318-A760-48BD8E5D6B9C}" dt="2025-07-01T20:50:01.081" v="392"/>
       <pc:docMkLst>
         <pc:docMk/>
       </pc:docMkLst>
@@ -240,14 +248,6 @@
             <ac:spMk id="5" creationId="{EFEC5EAC-2E28-222C-1628-A3A56417C870}"/>
           </ac:spMkLst>
         </pc:spChg>
-        <pc:picChg chg="add del">
-          <ac:chgData name="Lines, Todd" userId="afaf7c3a-e8aa-4568-882a-02ad8f9e19b0" providerId="ADAL" clId="{E4F61A1E-E133-4318-A760-48BD8E5D6B9C}" dt="2025-06-24T18:37:26.004" v="77" actId="478"/>
-          <ac:picMkLst>
-            <pc:docMk/>
-            <pc:sldMk cId="666363481" sldId="270"/>
-            <ac:picMk id="3" creationId="{36B74F1F-E46F-E89A-CB08-3DA1EF81FF46}"/>
-          </ac:picMkLst>
-        </pc:picChg>
       </pc:sldChg>
       <pc:sldChg chg="add">
         <pc:chgData name="Lines, Todd" userId="afaf7c3a-e8aa-4568-882a-02ad8f9e19b0" providerId="ADAL" clId="{E4F61A1E-E133-4318-A760-48BD8E5D6B9C}" dt="2025-06-20T22:14:47.837" v="15"/>
@@ -412,12 +412,28 @@
           <pc:sldMk cId="0" sldId="283"/>
         </pc:sldMkLst>
       </pc:sldChg>
-      <pc:sldChg chg="add">
-        <pc:chgData name="Lines, Todd" userId="afaf7c3a-e8aa-4568-882a-02ad8f9e19b0" providerId="ADAL" clId="{E4F61A1E-E133-4318-A760-48BD8E5D6B9C}" dt="2025-06-20T22:14:47.837" v="15"/>
+      <pc:sldChg chg="addSp delSp modSp add mod">
+        <pc:chgData name="Lines, Todd" userId="afaf7c3a-e8aa-4568-882a-02ad8f9e19b0" providerId="ADAL" clId="{E4F61A1E-E133-4318-A760-48BD8E5D6B9C}" dt="2025-06-26T19:16:33.752" v="291" actId="21"/>
         <pc:sldMkLst>
           <pc:docMk/>
           <pc:sldMk cId="0" sldId="284"/>
         </pc:sldMkLst>
+        <pc:spChg chg="add mod">
+          <ac:chgData name="Lines, Todd" userId="afaf7c3a-e8aa-4568-882a-02ad8f9e19b0" providerId="ADAL" clId="{E4F61A1E-E133-4318-A760-48BD8E5D6B9C}" dt="2025-06-26T19:16:03.675" v="286" actId="1076"/>
+          <ac:spMkLst>
+            <pc:docMk/>
+            <pc:sldMk cId="0" sldId="284"/>
+            <ac:spMk id="5" creationId="{FAA125CE-E28A-F4CD-57BC-39B638091605}"/>
+          </ac:spMkLst>
+        </pc:spChg>
+        <pc:spChg chg="add mod">
+          <ac:chgData name="Lines, Todd" userId="afaf7c3a-e8aa-4568-882a-02ad8f9e19b0" providerId="ADAL" clId="{E4F61A1E-E133-4318-A760-48BD8E5D6B9C}" dt="2025-06-26T19:16:00.202" v="285" actId="1076"/>
+          <ac:spMkLst>
+            <pc:docMk/>
+            <pc:sldMk cId="0" sldId="284"/>
+            <ac:spMk id="6" creationId="{C2AD90A3-3F04-EDDB-5593-D0D2D7CA07A5}"/>
+          </ac:spMkLst>
+        </pc:spChg>
       </pc:sldChg>
       <pc:sldChg chg="add">
         <pc:chgData name="Lines, Todd" userId="afaf7c3a-e8aa-4568-882a-02ad8f9e19b0" providerId="ADAL" clId="{E4F61A1E-E133-4318-A760-48BD8E5D6B9C}" dt="2025-06-20T22:14:47.837" v="15"/>
@@ -498,15 +514,15 @@
           <pc:sldMk cId="0" sldId="293"/>
         </pc:sldMkLst>
       </pc:sldChg>
-      <pc:sldChg chg="add">
-        <pc:chgData name="Lines, Todd" userId="afaf7c3a-e8aa-4568-882a-02ad8f9e19b0" providerId="ADAL" clId="{E4F61A1E-E133-4318-A760-48BD8E5D6B9C}" dt="2025-06-20T22:14:47.837" v="15"/>
+      <pc:sldChg chg="add ord">
+        <pc:chgData name="Lines, Todd" userId="afaf7c3a-e8aa-4568-882a-02ad8f9e19b0" providerId="ADAL" clId="{E4F61A1E-E133-4318-A760-48BD8E5D6B9C}" dt="2025-06-27T15:39:16.406" v="341"/>
         <pc:sldMkLst>
           <pc:docMk/>
           <pc:sldMk cId="0" sldId="294"/>
         </pc:sldMkLst>
       </pc:sldChg>
-      <pc:sldChg chg="add">
-        <pc:chgData name="Lines, Todd" userId="afaf7c3a-e8aa-4568-882a-02ad8f9e19b0" providerId="ADAL" clId="{E4F61A1E-E133-4318-A760-48BD8E5D6B9C}" dt="2025-06-20T22:14:47.837" v="15"/>
+      <pc:sldChg chg="add ord">
+        <pc:chgData name="Lines, Todd" userId="afaf7c3a-e8aa-4568-882a-02ad8f9e19b0" providerId="ADAL" clId="{E4F61A1E-E133-4318-A760-48BD8E5D6B9C}" dt="2025-06-27T15:39:07.932" v="339"/>
         <pc:sldMkLst>
           <pc:docMk/>
           <pc:sldMk cId="0" sldId="295"/>
@@ -526,8 +542,8 @@
           <pc:sldMk cId="3526645629" sldId="297"/>
         </pc:sldMkLst>
       </pc:sldChg>
-      <pc:sldChg chg="add">
-        <pc:chgData name="Lines, Todd" userId="afaf7c3a-e8aa-4568-882a-02ad8f9e19b0" providerId="ADAL" clId="{E4F61A1E-E133-4318-A760-48BD8E5D6B9C}" dt="2025-06-20T22:14:47.837" v="15"/>
+      <pc:sldChg chg="add ord">
+        <pc:chgData name="Lines, Todd" userId="afaf7c3a-e8aa-4568-882a-02ad8f9e19b0" providerId="ADAL" clId="{E4F61A1E-E133-4318-A760-48BD8E5D6B9C}" dt="2025-06-27T15:39:24.847" v="343"/>
         <pc:sldMkLst>
           <pc:docMk/>
           <pc:sldMk cId="0" sldId="298"/>
@@ -539,22 +555,6 @@
           <pc:docMk/>
           <pc:sldMk cId="18341271" sldId="299"/>
         </pc:sldMkLst>
-        <pc:picChg chg="add del mod">
-          <ac:chgData name="Lines, Todd" userId="afaf7c3a-e8aa-4568-882a-02ad8f9e19b0" providerId="ADAL" clId="{E4F61A1E-E133-4318-A760-48BD8E5D6B9C}" dt="2025-06-24T18:23:02.907" v="45" actId="478"/>
-          <ac:picMkLst>
-            <pc:docMk/>
-            <pc:sldMk cId="18341271" sldId="299"/>
-            <ac:picMk id="5" creationId="{D08FE307-8301-8931-FAB8-0DFCC4F1D34A}"/>
-          </ac:picMkLst>
-        </pc:picChg>
-        <pc:picChg chg="add mod">
-          <ac:chgData name="Lines, Todd" userId="afaf7c3a-e8aa-4568-882a-02ad8f9e19b0" providerId="ADAL" clId="{E4F61A1E-E133-4318-A760-48BD8E5D6B9C}" dt="2025-06-24T18:25:47.654" v="47" actId="1076"/>
-          <ac:picMkLst>
-            <pc:docMk/>
-            <pc:sldMk cId="18341271" sldId="299"/>
-            <ac:picMk id="7" creationId="{4A3EB108-A4D5-A634-DC78-701D49AA26B9}"/>
-          </ac:picMkLst>
-        </pc:picChg>
       </pc:sldChg>
       <pc:sldChg chg="add">
         <pc:chgData name="Lines, Todd" userId="afaf7c3a-e8aa-4568-882a-02ad8f9e19b0" providerId="ADAL" clId="{E4F61A1E-E133-4318-A760-48BD8E5D6B9C}" dt="2025-06-24T18:29:47.119" v="48"/>
@@ -577,8 +577,8 @@
           <pc:sldMk cId="2664515775" sldId="302"/>
         </pc:sldMkLst>
       </pc:sldChg>
-      <pc:sldChg chg="add">
-        <pc:chgData name="Lines, Todd" userId="afaf7c3a-e8aa-4568-882a-02ad8f9e19b0" providerId="ADAL" clId="{E4F61A1E-E133-4318-A760-48BD8E5D6B9C}" dt="2025-06-24T18:29:47.119" v="48"/>
+      <pc:sldChg chg="add ord">
+        <pc:chgData name="Lines, Todd" userId="afaf7c3a-e8aa-4568-882a-02ad8f9e19b0" providerId="ADAL" clId="{E4F61A1E-E133-4318-A760-48BD8E5D6B9C}" dt="2025-06-26T20:48:47.613" v="319"/>
         <pc:sldMkLst>
           <pc:docMk/>
           <pc:sldMk cId="0" sldId="303"/>
@@ -667,22 +667,6 @@
           <pc:docMk/>
           <pc:sldMk cId="4023657050" sldId="315"/>
         </pc:sldMkLst>
-        <pc:spChg chg="del">
-          <ac:chgData name="Lines, Todd" userId="afaf7c3a-e8aa-4568-882a-02ad8f9e19b0" providerId="ADAL" clId="{E4F61A1E-E133-4318-A760-48BD8E5D6B9C}" dt="2025-06-24T18:30:39.628" v="50" actId="478"/>
-          <ac:spMkLst>
-            <pc:docMk/>
-            <pc:sldMk cId="4023657050" sldId="315"/>
-            <ac:spMk id="2" creationId="{BC576D98-64F3-4387-C59B-F77B409E6B18}"/>
-          </ac:spMkLst>
-        </pc:spChg>
-        <pc:spChg chg="del">
-          <ac:chgData name="Lines, Todd" userId="afaf7c3a-e8aa-4568-882a-02ad8f9e19b0" providerId="ADAL" clId="{E4F61A1E-E133-4318-A760-48BD8E5D6B9C}" dt="2025-06-24T18:30:39.628" v="50" actId="478"/>
-          <ac:spMkLst>
-            <pc:docMk/>
-            <pc:sldMk cId="4023657050" sldId="315"/>
-            <ac:spMk id="3" creationId="{A5E9A01A-1000-BD10-6062-0D683100CA52}"/>
-          </ac:spMkLst>
-        </pc:spChg>
         <pc:spChg chg="add mod">
           <ac:chgData name="Lines, Todd" userId="afaf7c3a-e8aa-4568-882a-02ad8f9e19b0" providerId="ADAL" clId="{E4F61A1E-E133-4318-A760-48BD8E5D6B9C}" dt="2025-06-24T18:31:11.143" v="63" actId="403"/>
           <ac:spMkLst>
@@ -722,22 +706,6 @@
           <pc:docMk/>
           <pc:sldMk cId="3116191251" sldId="316"/>
         </pc:sldMkLst>
-        <pc:spChg chg="del">
-          <ac:chgData name="Lines, Todd" userId="afaf7c3a-e8aa-4568-882a-02ad8f9e19b0" providerId="ADAL" clId="{E4F61A1E-E133-4318-A760-48BD8E5D6B9C}" dt="2025-06-24T18:32:05.022" v="65" actId="478"/>
-          <ac:spMkLst>
-            <pc:docMk/>
-            <pc:sldMk cId="3116191251" sldId="316"/>
-            <ac:spMk id="2" creationId="{B3286D73-6C88-E3D2-4F2D-F6B58D38F55C}"/>
-          </ac:spMkLst>
-        </pc:spChg>
-        <pc:spChg chg="del">
-          <ac:chgData name="Lines, Todd" userId="afaf7c3a-e8aa-4568-882a-02ad8f9e19b0" providerId="ADAL" clId="{E4F61A1E-E133-4318-A760-48BD8E5D6B9C}" dt="2025-06-24T18:32:05.022" v="65" actId="478"/>
-          <ac:spMkLst>
-            <pc:docMk/>
-            <pc:sldMk cId="3116191251" sldId="316"/>
-            <ac:spMk id="3" creationId="{3BED437E-6069-34C6-F074-0C2AFB975036}"/>
-          </ac:spMkLst>
-        </pc:spChg>
         <pc:picChg chg="add mod">
           <ac:chgData name="Lines, Todd" userId="afaf7c3a-e8aa-4568-882a-02ad8f9e19b0" providerId="ADAL" clId="{E4F61A1E-E133-4318-A760-48BD8E5D6B9C}" dt="2025-06-24T18:32:12.600" v="68" actId="1076"/>
           <ac:picMkLst>
@@ -753,22 +721,6 @@
           <pc:docMk/>
           <pc:sldMk cId="2785678226" sldId="317"/>
         </pc:sldMkLst>
-        <pc:spChg chg="del">
-          <ac:chgData name="Lines, Todd" userId="afaf7c3a-e8aa-4568-882a-02ad8f9e19b0" providerId="ADAL" clId="{E4F61A1E-E133-4318-A760-48BD8E5D6B9C}" dt="2025-06-24T18:32:19.037" v="70" actId="478"/>
-          <ac:spMkLst>
-            <pc:docMk/>
-            <pc:sldMk cId="2785678226" sldId="317"/>
-            <ac:spMk id="2" creationId="{9251266C-FD8F-A362-547B-09DC9F785CEC}"/>
-          </ac:spMkLst>
-        </pc:spChg>
-        <pc:spChg chg="del">
-          <ac:chgData name="Lines, Todd" userId="afaf7c3a-e8aa-4568-882a-02ad8f9e19b0" providerId="ADAL" clId="{E4F61A1E-E133-4318-A760-48BD8E5D6B9C}" dt="2025-06-24T18:32:19.037" v="70" actId="478"/>
-          <ac:spMkLst>
-            <pc:docMk/>
-            <pc:sldMk cId="2785678226" sldId="317"/>
-            <ac:spMk id="3" creationId="{05C901BF-8D37-649A-707E-1304CEDADA76}"/>
-          </ac:spMkLst>
-        </pc:spChg>
         <pc:picChg chg="add mod">
           <ac:chgData name="Lines, Todd" userId="afaf7c3a-e8aa-4568-882a-02ad8f9e19b0" providerId="ADAL" clId="{E4F61A1E-E133-4318-A760-48BD8E5D6B9C}" dt="2025-06-24T18:32:50.029" v="74" actId="1076"/>
           <ac:picMkLst>
@@ -784,22 +736,6 @@
           <pc:docMk/>
           <pc:sldMk cId="3232158416" sldId="318"/>
         </pc:sldMkLst>
-        <pc:spChg chg="del">
-          <ac:chgData name="Lines, Todd" userId="afaf7c3a-e8aa-4568-882a-02ad8f9e19b0" providerId="ADAL" clId="{E4F61A1E-E133-4318-A760-48BD8E5D6B9C}" dt="2025-06-24T18:40:24.497" v="251" actId="478"/>
-          <ac:spMkLst>
-            <pc:docMk/>
-            <pc:sldMk cId="3232158416" sldId="318"/>
-            <ac:spMk id="2" creationId="{D52FB60C-B05D-C9C5-745B-EBA47B4295D2}"/>
-          </ac:spMkLst>
-        </pc:spChg>
-        <pc:spChg chg="del">
-          <ac:chgData name="Lines, Todd" userId="afaf7c3a-e8aa-4568-882a-02ad8f9e19b0" providerId="ADAL" clId="{E4F61A1E-E133-4318-A760-48BD8E5D6B9C}" dt="2025-06-24T18:40:22.894" v="250" actId="478"/>
-          <ac:spMkLst>
-            <pc:docMk/>
-            <pc:sldMk cId="3232158416" sldId="318"/>
-            <ac:spMk id="3" creationId="{83D2D590-B9BB-5350-3D5C-021BB315CBA0}"/>
-          </ac:spMkLst>
-        </pc:spChg>
         <pc:spChg chg="add mod">
           <ac:chgData name="Lines, Todd" userId="afaf7c3a-e8aa-4568-882a-02ad8f9e19b0" providerId="ADAL" clId="{E4F61A1E-E133-4318-A760-48BD8E5D6B9C}" dt="2025-06-24T18:39:08.398" v="157" actId="1076"/>
           <ac:spMkLst>
@@ -832,14 +768,6 @@
             <ac:picMk id="5" creationId="{CE447034-93A3-1264-8299-9517AB6CBAEA}"/>
           </ac:picMkLst>
         </pc:picChg>
-        <pc:picChg chg="del mod">
-          <ac:chgData name="Lines, Todd" userId="afaf7c3a-e8aa-4568-882a-02ad8f9e19b0" providerId="ADAL" clId="{E4F61A1E-E133-4318-A760-48BD8E5D6B9C}" dt="2025-06-24T18:41:09.082" v="253" actId="21"/>
-          <ac:picMkLst>
-            <pc:docMk/>
-            <pc:sldMk cId="3232158416" sldId="318"/>
-            <ac:picMk id="17" creationId="{C714D99A-767A-5844-75D6-80CBAF538806}"/>
-          </ac:picMkLst>
-        </pc:picChg>
         <pc:cxnChg chg="add mod">
           <ac:chgData name="Lines, Todd" userId="afaf7c3a-e8aa-4568-882a-02ad8f9e19b0" providerId="ADAL" clId="{E4F61A1E-E133-4318-A760-48BD8E5D6B9C}" dt="2025-06-24T18:39:10.218" v="158" actId="1076"/>
           <ac:cxnSpMkLst>
@@ -864,6 +792,195 @@
             <ac:cxnSpMk id="15" creationId="{F3E323C9-D769-9BB3-1754-D64494198ED2}"/>
           </ac:cxnSpMkLst>
         </pc:cxnChg>
+      </pc:sldChg>
+      <pc:sldChg chg="addSp delSp modSp new mod">
+        <pc:chgData name="Lines, Todd" userId="afaf7c3a-e8aa-4568-882a-02ad8f9e19b0" providerId="ADAL" clId="{E4F61A1E-E133-4318-A760-48BD8E5D6B9C}" dt="2025-06-26T20:30:46.817" v="299" actId="21"/>
+        <pc:sldMkLst>
+          <pc:docMk/>
+          <pc:sldMk cId="1084085587" sldId="319"/>
+        </pc:sldMkLst>
+        <pc:picChg chg="add">
+          <ac:chgData name="Lines, Todd" userId="afaf7c3a-e8aa-4568-882a-02ad8f9e19b0" providerId="ADAL" clId="{E4F61A1E-E133-4318-A760-48BD8E5D6B9C}" dt="2025-06-26T20:26:37.922" v="293" actId="22"/>
+          <ac:picMkLst>
+            <pc:docMk/>
+            <pc:sldMk cId="1084085587" sldId="319"/>
+            <ac:picMk id="5" creationId="{3F3492FC-9AC3-7EA2-56EB-2D2F1DFD4849}"/>
+          </ac:picMkLst>
+        </pc:picChg>
+      </pc:sldChg>
+      <pc:sldChg chg="addSp delSp modSp new del mod">
+        <pc:chgData name="Lines, Todd" userId="afaf7c3a-e8aa-4568-882a-02ad8f9e19b0" providerId="ADAL" clId="{E4F61A1E-E133-4318-A760-48BD8E5D6B9C}" dt="2025-06-26T20:39:00.305" v="306" actId="47"/>
+        <pc:sldMkLst>
+          <pc:docMk/>
+          <pc:sldMk cId="200666680" sldId="320"/>
+        </pc:sldMkLst>
+      </pc:sldChg>
+      <pc:sldChg chg="addSp delSp modSp new mod">
+        <pc:chgData name="Lines, Todd" userId="afaf7c3a-e8aa-4568-882a-02ad8f9e19b0" providerId="ADAL" clId="{E4F61A1E-E133-4318-A760-48BD8E5D6B9C}" dt="2025-06-26T20:39:17.071" v="309" actId="21"/>
+        <pc:sldMkLst>
+          <pc:docMk/>
+          <pc:sldMk cId="2132777228" sldId="321"/>
+        </pc:sldMkLst>
+        <pc:picChg chg="add">
+          <ac:chgData name="Lines, Todd" userId="afaf7c3a-e8aa-4568-882a-02ad8f9e19b0" providerId="ADAL" clId="{E4F61A1E-E133-4318-A760-48BD8E5D6B9C}" dt="2025-06-26T20:38:40.515" v="305" actId="22"/>
+          <ac:picMkLst>
+            <pc:docMk/>
+            <pc:sldMk cId="2132777228" sldId="321"/>
+            <ac:picMk id="8" creationId="{52A92F10-6B02-6EC7-F49B-28FC9EB7D9D1}"/>
+          </ac:picMkLst>
+        </pc:picChg>
+        <pc:picChg chg="add">
+          <ac:chgData name="Lines, Todd" userId="afaf7c3a-e8aa-4568-882a-02ad8f9e19b0" providerId="ADAL" clId="{E4F61A1E-E133-4318-A760-48BD8E5D6B9C}" dt="2025-06-26T20:39:00.757" v="307" actId="22"/>
+          <ac:picMkLst>
+            <pc:docMk/>
+            <pc:sldMk cId="2132777228" sldId="321"/>
+            <ac:picMk id="10" creationId="{54EE3DDA-CE94-20E8-93A0-5FFADCB12E26}"/>
+          </ac:picMkLst>
+        </pc:picChg>
+      </pc:sldChg>
+      <pc:sldChg chg="addSp delSp modSp new mod">
+        <pc:chgData name="Lines, Todd" userId="afaf7c3a-e8aa-4568-882a-02ad8f9e19b0" providerId="ADAL" clId="{E4F61A1E-E133-4318-A760-48BD8E5D6B9C}" dt="2025-06-26T20:40:10.860" v="313" actId="21"/>
+        <pc:sldMkLst>
+          <pc:docMk/>
+          <pc:sldMk cId="3931262058" sldId="322"/>
+        </pc:sldMkLst>
+        <pc:picChg chg="add">
+          <ac:chgData name="Lines, Todd" userId="afaf7c3a-e8aa-4568-882a-02ad8f9e19b0" providerId="ADAL" clId="{E4F61A1E-E133-4318-A760-48BD8E5D6B9C}" dt="2025-06-26T20:39:59.812" v="311" actId="22"/>
+          <ac:picMkLst>
+            <pc:docMk/>
+            <pc:sldMk cId="3931262058" sldId="322"/>
+            <ac:picMk id="5" creationId="{BC132914-2EDA-C9E5-B8C8-4D7374087DF4}"/>
+          </ac:picMkLst>
+        </pc:picChg>
+      </pc:sldChg>
+      <pc:sldChg chg="addSp modSp new mod">
+        <pc:chgData name="Lines, Todd" userId="afaf7c3a-e8aa-4568-882a-02ad8f9e19b0" providerId="ADAL" clId="{E4F61A1E-E133-4318-A760-48BD8E5D6B9C}" dt="2025-06-26T20:42:30.794" v="317" actId="1076"/>
+        <pc:sldMkLst>
+          <pc:docMk/>
+          <pc:sldMk cId="148952240" sldId="323"/>
+        </pc:sldMkLst>
+        <pc:picChg chg="add mod">
+          <ac:chgData name="Lines, Todd" userId="afaf7c3a-e8aa-4568-882a-02ad8f9e19b0" providerId="ADAL" clId="{E4F61A1E-E133-4318-A760-48BD8E5D6B9C}" dt="2025-06-26T20:42:30.794" v="317" actId="1076"/>
+          <ac:picMkLst>
+            <pc:docMk/>
+            <pc:sldMk cId="148952240" sldId="323"/>
+            <ac:picMk id="5" creationId="{1E9AE7CA-61DB-7B33-A675-173DF424BD67}"/>
+          </ac:picMkLst>
+        </pc:picChg>
+      </pc:sldChg>
+      <pc:sldChg chg="add del">
+        <pc:chgData name="Lines, Todd" userId="afaf7c3a-e8aa-4568-882a-02ad8f9e19b0" providerId="ADAL" clId="{E4F61A1E-E133-4318-A760-48BD8E5D6B9C}" dt="2025-06-27T15:36:29.453" v="337" actId="47"/>
+        <pc:sldMkLst>
+          <pc:docMk/>
+          <pc:sldMk cId="1094709690" sldId="324"/>
+        </pc:sldMkLst>
+      </pc:sldChg>
+      <pc:sldChg chg="addSp modSp add mod">
+        <pc:chgData name="Lines, Todd" userId="afaf7c3a-e8aa-4568-882a-02ad8f9e19b0" providerId="ADAL" clId="{E4F61A1E-E133-4318-A760-48BD8E5D6B9C}" dt="2025-06-27T15:36:19.261" v="336" actId="14100"/>
+        <pc:sldMkLst>
+          <pc:docMk/>
+          <pc:sldMk cId="897264754" sldId="325"/>
+        </pc:sldMkLst>
+        <pc:picChg chg="add mod">
+          <ac:chgData name="Lines, Todd" userId="afaf7c3a-e8aa-4568-882a-02ad8f9e19b0" providerId="ADAL" clId="{E4F61A1E-E133-4318-A760-48BD8E5D6B9C}" dt="2025-06-27T15:36:09.398" v="333" actId="1076"/>
+          <ac:picMkLst>
+            <pc:docMk/>
+            <pc:sldMk cId="897264754" sldId="325"/>
+            <ac:picMk id="4" creationId="{8085895F-348D-A2DA-D362-36E45400892E}"/>
+          </ac:picMkLst>
+        </pc:picChg>
+        <pc:picChg chg="add mod">
+          <ac:chgData name="Lines, Todd" userId="afaf7c3a-e8aa-4568-882a-02ad8f9e19b0" providerId="ADAL" clId="{E4F61A1E-E133-4318-A760-48BD8E5D6B9C}" dt="2025-06-27T15:36:03.506" v="331" actId="1076"/>
+          <ac:picMkLst>
+            <pc:docMk/>
+            <pc:sldMk cId="897264754" sldId="325"/>
+            <ac:picMk id="8" creationId="{FE25E81E-632E-AFD6-B513-0B1AE0699A04}"/>
+          </ac:picMkLst>
+        </pc:picChg>
+        <pc:cxnChg chg="add mod">
+          <ac:chgData name="Lines, Todd" userId="afaf7c3a-e8aa-4568-882a-02ad8f9e19b0" providerId="ADAL" clId="{E4F61A1E-E133-4318-A760-48BD8E5D6B9C}" dt="2025-06-27T15:35:37.099" v="327" actId="208"/>
+          <ac:cxnSpMkLst>
+            <pc:docMk/>
+            <pc:sldMk cId="897264754" sldId="325"/>
+            <ac:cxnSpMk id="7" creationId="{E75C954E-FF12-8EC6-56A4-6C62C9964D69}"/>
+          </ac:cxnSpMkLst>
+        </pc:cxnChg>
+        <pc:cxnChg chg="add mod">
+          <ac:chgData name="Lines, Todd" userId="afaf7c3a-e8aa-4568-882a-02ad8f9e19b0" providerId="ADAL" clId="{E4F61A1E-E133-4318-A760-48BD8E5D6B9C}" dt="2025-06-27T15:36:19.261" v="336" actId="14100"/>
+          <ac:cxnSpMkLst>
+            <pc:docMk/>
+            <pc:sldMk cId="897264754" sldId="325"/>
+            <ac:cxnSpMk id="9" creationId="{497ED4B6-0D66-6C15-2781-37D2165155F7}"/>
+          </ac:cxnSpMkLst>
+        </pc:cxnChg>
+      </pc:sldChg>
+      <pc:sldChg chg="addSp delSp modSp new mod">
+        <pc:chgData name="Lines, Todd" userId="afaf7c3a-e8aa-4568-882a-02ad8f9e19b0" providerId="ADAL" clId="{E4F61A1E-E133-4318-A760-48BD8E5D6B9C}" dt="2025-06-27T15:42:56.780" v="349" actId="1076"/>
+        <pc:sldMkLst>
+          <pc:docMk/>
+          <pc:sldMk cId="1891487831" sldId="326"/>
+        </pc:sldMkLst>
+        <pc:picChg chg="add mod">
+          <ac:chgData name="Lines, Todd" userId="afaf7c3a-e8aa-4568-882a-02ad8f9e19b0" providerId="ADAL" clId="{E4F61A1E-E133-4318-A760-48BD8E5D6B9C}" dt="2025-06-27T15:42:56.780" v="349" actId="1076"/>
+          <ac:picMkLst>
+            <pc:docMk/>
+            <pc:sldMk cId="1891487831" sldId="326"/>
+            <ac:picMk id="5" creationId="{3C99C0E4-FA7F-AFA9-2839-D7AB8090D955}"/>
+          </ac:picMkLst>
+        </pc:picChg>
+      </pc:sldChg>
+      <pc:sldChg chg="addSp modSp add mod">
+        <pc:chgData name="Lines, Todd" userId="afaf7c3a-e8aa-4568-882a-02ad8f9e19b0" providerId="ADAL" clId="{E4F61A1E-E133-4318-A760-48BD8E5D6B9C}" dt="2025-06-27T15:43:49.443" v="390" actId="1076"/>
+        <pc:sldMkLst>
+          <pc:docMk/>
+          <pc:sldMk cId="809896653" sldId="327"/>
+        </pc:sldMkLst>
+        <pc:spChg chg="add mod">
+          <ac:chgData name="Lines, Todd" userId="afaf7c3a-e8aa-4568-882a-02ad8f9e19b0" providerId="ADAL" clId="{E4F61A1E-E133-4318-A760-48BD8E5D6B9C}" dt="2025-06-27T15:43:38.483" v="379" actId="1076"/>
+          <ac:spMkLst>
+            <pc:docMk/>
+            <pc:sldMk cId="809896653" sldId="327"/>
+            <ac:spMk id="3" creationId="{811AED89-54DE-36A0-11FA-DD94290D13BA}"/>
+          </ac:spMkLst>
+        </pc:spChg>
+        <pc:spChg chg="add mod">
+          <ac:chgData name="Lines, Todd" userId="afaf7c3a-e8aa-4568-882a-02ad8f9e19b0" providerId="ADAL" clId="{E4F61A1E-E133-4318-A760-48BD8E5D6B9C}" dt="2025-06-27T15:43:49.443" v="390" actId="1076"/>
+          <ac:spMkLst>
+            <pc:docMk/>
+            <pc:sldMk cId="809896653" sldId="327"/>
+            <ac:spMk id="4" creationId="{22964DDF-B3B6-2C2B-61DB-ED7E38B71B1F}"/>
+          </ac:spMkLst>
+        </pc:spChg>
+        <pc:picChg chg="add mod">
+          <ac:chgData name="Lines, Todd" userId="afaf7c3a-e8aa-4568-882a-02ad8f9e19b0" providerId="ADAL" clId="{E4F61A1E-E133-4318-A760-48BD8E5D6B9C}" dt="2025-06-27T15:43:27.869" v="357" actId="14100"/>
+          <ac:picMkLst>
+            <pc:docMk/>
+            <pc:sldMk cId="809896653" sldId="327"/>
+            <ac:picMk id="2" creationId="{BE6A1B23-2511-3B38-738A-7C0FE99F73E5}"/>
+          </ac:picMkLst>
+        </pc:picChg>
+        <pc:picChg chg="mod">
+          <ac:chgData name="Lines, Todd" userId="afaf7c3a-e8aa-4568-882a-02ad8f9e19b0" providerId="ADAL" clId="{E4F61A1E-E133-4318-A760-48BD8E5D6B9C}" dt="2025-06-27T15:43:17.020" v="353" actId="14100"/>
+          <ac:picMkLst>
+            <pc:docMk/>
+            <pc:sldMk cId="809896653" sldId="327"/>
+            <ac:picMk id="5" creationId="{3568ACAE-F1B7-EBD1-6703-F7AAE8E64662}"/>
+          </ac:picMkLst>
+        </pc:picChg>
+      </pc:sldChg>
+      <pc:sldChg chg="add del">
+        <pc:chgData name="Lines, Todd" userId="afaf7c3a-e8aa-4568-882a-02ad8f9e19b0" providerId="ADAL" clId="{E4F61A1E-E133-4318-A760-48BD8E5D6B9C}" dt="2025-06-27T15:43:51.308" v="391" actId="47"/>
+        <pc:sldMkLst>
+          <pc:docMk/>
+          <pc:sldMk cId="382612236" sldId="328"/>
+        </pc:sldMkLst>
+      </pc:sldChg>
+      <pc:sldChg chg="add">
+        <pc:chgData name="Lines, Todd" userId="afaf7c3a-e8aa-4568-882a-02ad8f9e19b0" providerId="ADAL" clId="{E4F61A1E-E133-4318-A760-48BD8E5D6B9C}" dt="2025-07-01T20:50:01.081" v="392"/>
+        <pc:sldMkLst>
+          <pc:docMk/>
+          <pc:sldMk cId="0" sldId="465"/>
+        </pc:sldMkLst>
       </pc:sldChg>
     </pc:docChg>
   </pc:docChgLst>
@@ -1972,7 +2089,7 @@
           <a:p>
             <a:fld id="{696DF908-8D4D-4D2B-BE37-A5217D55DA10}" type="datetimeFigureOut">
               <a:rPr lang="en-US" smtClean="0"/>
-              <a:t>6/24/2025</a:t>
+              <a:t>7/1/2025</a:t>
             </a:fld>
             <a:endParaRPr lang="en-US"/>
           </a:p>
@@ -2276,7 +2393,7 @@
             <a:fld id="{66C5C2A6-FBC2-4BE8-90C1-8B149DE96E12}" type="slidenum">
               <a:rPr lang="en-US" smtClean="0"/>
               <a:pPr/>
-              <a:t>37</a:t>
+              <a:t>41</a:t>
             </a:fld>
             <a:endParaRPr lang="en-US"/>
           </a:p>
@@ -2377,7 +2494,7 @@
             <a:fld id="{E7E75C7B-00DA-47C7-95B8-7995CB2FF18A}" type="slidenum">
               <a:rPr lang="en-US" smtClean="0"/>
               <a:pPr/>
-              <a:t>46</a:t>
+              <a:t>50</a:t>
             </a:fld>
             <a:endParaRPr lang="en-US"/>
           </a:p>
@@ -2478,7 +2595,7 @@
             <a:fld id="{734141E6-B89B-40F7-8A4C-D3DAEB9F0411}" type="slidenum">
               <a:rPr lang="en-US" smtClean="0"/>
               <a:pPr/>
-              <a:t>38</a:t>
+              <a:t>42</a:t>
             </a:fld>
             <a:endParaRPr lang="en-US"/>
           </a:p>
@@ -2579,7 +2696,7 @@
             <a:fld id="{FD670CD8-B2EB-4402-A64B-5618E9DE0105}" type="slidenum">
               <a:rPr lang="en-US" smtClean="0"/>
               <a:pPr/>
-              <a:t>39</a:t>
+              <a:t>43</a:t>
             </a:fld>
             <a:endParaRPr lang="en-US"/>
           </a:p>
@@ -2680,7 +2797,7 @@
             <a:fld id="{C7997063-81A1-4AB5-BD98-3CD45E7415B9}" type="slidenum">
               <a:rPr lang="en-US" smtClean="0"/>
               <a:pPr/>
-              <a:t>40</a:t>
+              <a:t>44</a:t>
             </a:fld>
             <a:endParaRPr lang="en-US"/>
           </a:p>
@@ -2781,7 +2898,7 @@
             <a:fld id="{327DD535-A77A-4BB1-A11D-33130CE92299}" type="slidenum">
               <a:rPr lang="en-US" smtClean="0"/>
               <a:pPr/>
-              <a:t>41</a:t>
+              <a:t>45</a:t>
             </a:fld>
             <a:endParaRPr lang="en-US"/>
           </a:p>
@@ -2882,7 +2999,7 @@
             <a:fld id="{7AD8E650-7544-4AF3-B80E-FECE43F450A4}" type="slidenum">
               <a:rPr lang="en-US" smtClean="0"/>
               <a:pPr/>
-              <a:t>42</a:t>
+              <a:t>46</a:t>
             </a:fld>
             <a:endParaRPr lang="en-US"/>
           </a:p>
@@ -2983,7 +3100,7 @@
             <a:fld id="{38AE4021-ADA8-43FA-B0F7-ACE2974DE57C}" type="slidenum">
               <a:rPr lang="en-US" smtClean="0"/>
               <a:pPr/>
-              <a:t>43</a:t>
+              <a:t>47</a:t>
             </a:fld>
             <a:endParaRPr lang="en-US"/>
           </a:p>
@@ -3084,7 +3201,7 @@
             <a:fld id="{FAC7A7F6-8404-434B-BD09-BD5241E8E1AD}" type="slidenum">
               <a:rPr lang="en-US" smtClean="0"/>
               <a:pPr/>
-              <a:t>44</a:t>
+              <a:t>48</a:t>
             </a:fld>
             <a:endParaRPr lang="en-US"/>
           </a:p>
@@ -3185,7 +3302,7 @@
             <a:fld id="{55493913-ABF9-48E0-ACBA-FA04659BC467}" type="slidenum">
               <a:rPr lang="en-US" smtClean="0"/>
               <a:pPr/>
-              <a:t>45</a:t>
+              <a:t>49</a:t>
             </a:fld>
             <a:endParaRPr lang="en-US"/>
           </a:p>
@@ -3428,7 +3545,7 @@
           <a:p>
             <a:fld id="{9B4E884C-4632-44AB-ABC2-E2F7AFE7F411}" type="datetimeFigureOut">
               <a:rPr lang="en-US" smtClean="0"/>
-              <a:t>6/24/2025</a:t>
+              <a:t>7/1/2025</a:t>
             </a:fld>
             <a:endParaRPr lang="en-US"/>
           </a:p>
@@ -3591,7 +3708,7 @@
           <a:p>
             <a:fld id="{9B4E884C-4632-44AB-ABC2-E2F7AFE7F411}" type="datetimeFigureOut">
               <a:rPr lang="en-US" smtClean="0"/>
-              <a:t>6/24/2025</a:t>
+              <a:t>7/1/2025</a:t>
             </a:fld>
             <a:endParaRPr lang="en-US"/>
           </a:p>
@@ -3764,7 +3881,7 @@
           <a:p>
             <a:fld id="{9B4E884C-4632-44AB-ABC2-E2F7AFE7F411}" type="datetimeFigureOut">
               <a:rPr lang="en-US" smtClean="0"/>
-              <a:t>6/24/2025</a:t>
+              <a:t>7/1/2025</a:t>
             </a:fld>
             <a:endParaRPr lang="en-US"/>
           </a:p>
@@ -4428,7 +4545,7 @@
           <a:p>
             <a:fld id="{9B4E884C-4632-44AB-ABC2-E2F7AFE7F411}" type="datetimeFigureOut">
               <a:rPr lang="en-US" smtClean="0"/>
-              <a:t>6/24/2025</a:t>
+              <a:t>7/1/2025</a:t>
             </a:fld>
             <a:endParaRPr lang="en-US"/>
           </a:p>
@@ -4668,7 +4785,7 @@
           <a:p>
             <a:fld id="{9B4E884C-4632-44AB-ABC2-E2F7AFE7F411}" type="datetimeFigureOut">
               <a:rPr lang="en-US" smtClean="0"/>
-              <a:t>6/24/2025</a:t>
+              <a:t>7/1/2025</a:t>
             </a:fld>
             <a:endParaRPr lang="en-US"/>
           </a:p>
@@ -4948,7 +5065,7 @@
           <a:p>
             <a:fld id="{9B4E884C-4632-44AB-ABC2-E2F7AFE7F411}" type="datetimeFigureOut">
               <a:rPr lang="en-US" smtClean="0"/>
-              <a:t>6/24/2025</a:t>
+              <a:t>7/1/2025</a:t>
             </a:fld>
             <a:endParaRPr lang="en-US"/>
           </a:p>
@@ -5362,7 +5479,7 @@
           <a:p>
             <a:fld id="{9B4E884C-4632-44AB-ABC2-E2F7AFE7F411}" type="datetimeFigureOut">
               <a:rPr lang="en-US" smtClean="0"/>
-              <a:t>6/24/2025</a:t>
+              <a:t>7/1/2025</a:t>
             </a:fld>
             <a:endParaRPr lang="en-US"/>
           </a:p>
@@ -5474,7 +5591,7 @@
           <a:p>
             <a:fld id="{9B4E884C-4632-44AB-ABC2-E2F7AFE7F411}" type="datetimeFigureOut">
               <a:rPr lang="en-US" smtClean="0"/>
-              <a:t>6/24/2025</a:t>
+              <a:t>7/1/2025</a:t>
             </a:fld>
             <a:endParaRPr lang="en-US"/>
           </a:p>
@@ -5564,7 +5681,7 @@
           <a:p>
             <a:fld id="{9B4E884C-4632-44AB-ABC2-E2F7AFE7F411}" type="datetimeFigureOut">
               <a:rPr lang="en-US" smtClean="0"/>
-              <a:t>6/24/2025</a:t>
+              <a:t>7/1/2025</a:t>
             </a:fld>
             <a:endParaRPr lang="en-US"/>
           </a:p>
@@ -5834,7 +5951,7 @@
           <a:p>
             <a:fld id="{9B4E884C-4632-44AB-ABC2-E2F7AFE7F411}" type="datetimeFigureOut">
               <a:rPr lang="en-US" smtClean="0"/>
-              <a:t>6/24/2025</a:t>
+              <a:t>7/1/2025</a:t>
             </a:fld>
             <a:endParaRPr lang="en-US"/>
           </a:p>
@@ -6081,7 +6198,7 @@
           <a:p>
             <a:fld id="{9B4E884C-4632-44AB-ABC2-E2F7AFE7F411}" type="datetimeFigureOut">
               <a:rPr lang="en-US" smtClean="0"/>
-              <a:t>6/24/2025</a:t>
+              <a:t>7/1/2025</a:t>
             </a:fld>
             <a:endParaRPr lang="en-US"/>
           </a:p>
@@ -6287,7 +6404,7 @@
           <a:p>
             <a:fld id="{9B4E884C-4632-44AB-ABC2-E2F7AFE7F411}" type="datetimeFigureOut">
               <a:rPr lang="en-US" smtClean="0"/>
-              <a:t>6/24/2025</a:t>
+              <a:t>7/1/2025</a:t>
             </a:fld>
             <a:endParaRPr lang="en-US"/>
           </a:p>
@@ -7590,26 +7707,6 @@
           </a:p>
         </p:txBody>
       </p:sp>
-      <p:sp>
-        <p:nvSpPr>
-          <p:cNvPr id="37891" name="Rectangle 3"/>
-          <p:cNvSpPr>
-            <a:spLocks noGrp="1" noChangeArrowheads="1"/>
-          </p:cNvSpPr>
-          <p:nvPr>
-            <p:ph type="body" idx="1"/>
-          </p:nvPr>
-        </p:nvSpPr>
-        <p:spPr/>
-        <p:txBody>
-          <a:bodyPr/>
-          <a:lstStyle/>
-          <a:p>
-            <a:pPr eaLnBrk="1" hangingPunct="1"/>
-            <a:endParaRPr lang="en-US"/>
-          </a:p>
-        </p:txBody>
-      </p:sp>
       <p:pic>
         <p:nvPicPr>
           <p:cNvPr id="2" name="Graphic 1">
@@ -7646,6 +7743,210 @@
           </a:prstGeom>
         </p:spPr>
       </p:pic>
+      <p:sp>
+        <p:nvSpPr>
+          <p:cNvPr id="5" name="Freeform: Shape 4">
+            <a:extLst>
+              <a:ext uri="{FF2B5EF4-FFF2-40B4-BE49-F238E27FC236}">
+                <a16:creationId xmlns:a16="http://schemas.microsoft.com/office/drawing/2014/main" id="{FAA125CE-E28A-F4CD-57BC-39B638091605}"/>
+              </a:ext>
+            </a:extLst>
+          </p:cNvPr>
+          <p:cNvSpPr/>
+          <p:nvPr/>
+        </p:nvSpPr>
+        <p:spPr>
+          <a:xfrm rot="19756084">
+            <a:off x="5993130" y="3620859"/>
+            <a:ext cx="152400" cy="316992"/>
+          </a:xfrm>
+          <a:custGeom>
+            <a:avLst/>
+            <a:gdLst>
+              <a:gd name="connsiteX0" fmla="*/ 685800 w 685800"/>
+              <a:gd name="connsiteY0" fmla="*/ 621792 h 621792"/>
+              <a:gd name="connsiteX1" fmla="*/ 530352 w 685800"/>
+              <a:gd name="connsiteY1" fmla="*/ 310896 h 621792"/>
+              <a:gd name="connsiteX2" fmla="*/ 164592 w 685800"/>
+              <a:gd name="connsiteY2" fmla="*/ 301752 h 621792"/>
+              <a:gd name="connsiteX3" fmla="*/ 0 w 685800"/>
+              <a:gd name="connsiteY3" fmla="*/ 0 h 621792"/>
+            </a:gdLst>
+            <a:ahLst/>
+            <a:cxnLst>
+              <a:cxn ang="0">
+                <a:pos x="connsiteX0" y="connsiteY0"/>
+              </a:cxn>
+              <a:cxn ang="0">
+                <a:pos x="connsiteX1" y="connsiteY1"/>
+              </a:cxn>
+              <a:cxn ang="0">
+                <a:pos x="connsiteX2" y="connsiteY2"/>
+              </a:cxn>
+              <a:cxn ang="0">
+                <a:pos x="connsiteX3" y="connsiteY3"/>
+              </a:cxn>
+            </a:cxnLst>
+            <a:rect l="l" t="t" r="r" b="b"/>
+            <a:pathLst>
+              <a:path w="685800" h="621792">
+                <a:moveTo>
+                  <a:pt x="685800" y="621792"/>
+                </a:moveTo>
+                <a:cubicBezTo>
+                  <a:pt x="651510" y="493014"/>
+                  <a:pt x="617220" y="364236"/>
+                  <a:pt x="530352" y="310896"/>
+                </a:cubicBezTo>
+                <a:cubicBezTo>
+                  <a:pt x="443484" y="257556"/>
+                  <a:pt x="252984" y="353568"/>
+                  <a:pt x="164592" y="301752"/>
+                </a:cubicBezTo>
+                <a:cubicBezTo>
+                  <a:pt x="76200" y="249936"/>
+                  <a:pt x="38100" y="124968"/>
+                  <a:pt x="0" y="0"/>
+                </a:cubicBezTo>
+              </a:path>
+            </a:pathLst>
+          </a:custGeom>
+          <a:noFill/>
+          <a:ln w="9525">
+            <a:solidFill>
+              <a:srgbClr val="FFFF00"/>
+            </a:solidFill>
+            <a:headEnd type="none" w="med" len="med"/>
+            <a:tailEnd type="arrow" w="med" len="med"/>
+          </a:ln>
+        </p:spPr>
+        <p:style>
+          <a:lnRef idx="2">
+            <a:schemeClr val="accent1">
+              <a:shade val="15000"/>
+            </a:schemeClr>
+          </a:lnRef>
+          <a:fillRef idx="1">
+            <a:schemeClr val="accent1"/>
+          </a:fillRef>
+          <a:effectRef idx="0">
+            <a:schemeClr val="accent1"/>
+          </a:effectRef>
+          <a:fontRef idx="minor">
+            <a:schemeClr val="lt1"/>
+          </a:fontRef>
+        </p:style>
+        <p:txBody>
+          <a:bodyPr rtlCol="0" anchor="ctr"/>
+          <a:lstStyle/>
+          <a:p>
+            <a:pPr algn="ctr"/>
+            <a:endParaRPr lang="en-US"/>
+          </a:p>
+        </p:txBody>
+      </p:sp>
+      <p:sp>
+        <p:nvSpPr>
+          <p:cNvPr id="6" name="Freeform: Shape 5">
+            <a:extLst>
+              <a:ext uri="{FF2B5EF4-FFF2-40B4-BE49-F238E27FC236}">
+                <a16:creationId xmlns:a16="http://schemas.microsoft.com/office/drawing/2014/main" id="{C2AD90A3-3F04-EDDB-5593-D0D2D7CA07A5}"/>
+              </a:ext>
+            </a:extLst>
+          </p:cNvPr>
+          <p:cNvSpPr/>
+          <p:nvPr/>
+        </p:nvSpPr>
+        <p:spPr>
+          <a:xfrm rot="19756084">
+            <a:off x="5993132" y="3270504"/>
+            <a:ext cx="152400" cy="316992"/>
+          </a:xfrm>
+          <a:custGeom>
+            <a:avLst/>
+            <a:gdLst>
+              <a:gd name="connsiteX0" fmla="*/ 685800 w 685800"/>
+              <a:gd name="connsiteY0" fmla="*/ 621792 h 621792"/>
+              <a:gd name="connsiteX1" fmla="*/ 530352 w 685800"/>
+              <a:gd name="connsiteY1" fmla="*/ 310896 h 621792"/>
+              <a:gd name="connsiteX2" fmla="*/ 164592 w 685800"/>
+              <a:gd name="connsiteY2" fmla="*/ 301752 h 621792"/>
+              <a:gd name="connsiteX3" fmla="*/ 0 w 685800"/>
+              <a:gd name="connsiteY3" fmla="*/ 0 h 621792"/>
+            </a:gdLst>
+            <a:ahLst/>
+            <a:cxnLst>
+              <a:cxn ang="0">
+                <a:pos x="connsiteX0" y="connsiteY0"/>
+              </a:cxn>
+              <a:cxn ang="0">
+                <a:pos x="connsiteX1" y="connsiteY1"/>
+              </a:cxn>
+              <a:cxn ang="0">
+                <a:pos x="connsiteX2" y="connsiteY2"/>
+              </a:cxn>
+              <a:cxn ang="0">
+                <a:pos x="connsiteX3" y="connsiteY3"/>
+              </a:cxn>
+            </a:cxnLst>
+            <a:rect l="l" t="t" r="r" b="b"/>
+            <a:pathLst>
+              <a:path w="685800" h="621792">
+                <a:moveTo>
+                  <a:pt x="685800" y="621792"/>
+                </a:moveTo>
+                <a:cubicBezTo>
+                  <a:pt x="651510" y="493014"/>
+                  <a:pt x="617220" y="364236"/>
+                  <a:pt x="530352" y="310896"/>
+                </a:cubicBezTo>
+                <a:cubicBezTo>
+                  <a:pt x="443484" y="257556"/>
+                  <a:pt x="252984" y="353568"/>
+                  <a:pt x="164592" y="301752"/>
+                </a:cubicBezTo>
+                <a:cubicBezTo>
+                  <a:pt x="76200" y="249936"/>
+                  <a:pt x="38100" y="124968"/>
+                  <a:pt x="0" y="0"/>
+                </a:cubicBezTo>
+              </a:path>
+            </a:pathLst>
+          </a:custGeom>
+          <a:noFill/>
+          <a:ln w="9525">
+            <a:solidFill>
+              <a:srgbClr val="FFFF00"/>
+            </a:solidFill>
+            <a:headEnd type="none" w="med" len="med"/>
+            <a:tailEnd type="arrow" w="med" len="med"/>
+          </a:ln>
+        </p:spPr>
+        <p:style>
+          <a:lnRef idx="2">
+            <a:schemeClr val="accent1">
+              <a:shade val="15000"/>
+            </a:schemeClr>
+          </a:lnRef>
+          <a:fillRef idx="1">
+            <a:schemeClr val="accent1"/>
+          </a:fillRef>
+          <a:effectRef idx="0">
+            <a:schemeClr val="accent1"/>
+          </a:effectRef>
+          <a:fontRef idx="minor">
+            <a:schemeClr val="lt1"/>
+          </a:fontRef>
+        </p:style>
+        <p:txBody>
+          <a:bodyPr rtlCol="0" anchor="ctr"/>
+          <a:lstStyle/>
+          <a:p>
+            <a:pPr algn="ctr"/>
+            <a:endParaRPr lang="en-US"/>
+          </a:p>
+        </p:txBody>
+      </p:sp>
     </p:spTree>
   </p:cSld>
   <p:clrMapOvr>
@@ -8932,6 +9233,772 @@
       </p:grpSpPr>
       <p:sp>
         <p:nvSpPr>
+          <p:cNvPr id="2" name="Title 1">
+            <a:extLst>
+              <a:ext uri="{FF2B5EF4-FFF2-40B4-BE49-F238E27FC236}">
+                <a16:creationId xmlns:a16="http://schemas.microsoft.com/office/drawing/2014/main" id="{316657F1-D687-6E90-9D17-338635966905}"/>
+              </a:ext>
+            </a:extLst>
+          </p:cNvPr>
+          <p:cNvSpPr>
+            <a:spLocks noGrp="1"/>
+          </p:cNvSpPr>
+          <p:nvPr>
+            <p:ph type="title"/>
+          </p:nvPr>
+        </p:nvSpPr>
+        <p:spPr/>
+        <p:txBody>
+          <a:bodyPr/>
+          <a:lstStyle/>
+          <a:p>
+            <a:endParaRPr lang="en-US"/>
+          </a:p>
+        </p:txBody>
+      </p:sp>
+      <p:sp>
+        <p:nvSpPr>
+          <p:cNvPr id="3" name="Content Placeholder 2">
+            <a:extLst>
+              <a:ext uri="{FF2B5EF4-FFF2-40B4-BE49-F238E27FC236}">
+                <a16:creationId xmlns:a16="http://schemas.microsoft.com/office/drawing/2014/main" id="{57F81C94-BDAA-DF83-AE2C-0C2418FB70A0}"/>
+              </a:ext>
+            </a:extLst>
+          </p:cNvPr>
+          <p:cNvSpPr>
+            <a:spLocks noGrp="1"/>
+          </p:cNvSpPr>
+          <p:nvPr>
+            <p:ph idx="1"/>
+          </p:nvPr>
+        </p:nvSpPr>
+        <p:spPr/>
+        <p:txBody>
+          <a:bodyPr/>
+          <a:lstStyle/>
+          <a:p>
+            <a:endParaRPr lang="en-US"/>
+          </a:p>
+        </p:txBody>
+      </p:sp>
+      <p:pic>
+        <p:nvPicPr>
+          <p:cNvPr id="5" name="Picture 4">
+            <a:extLst>
+              <a:ext uri="{FF2B5EF4-FFF2-40B4-BE49-F238E27FC236}">
+                <a16:creationId xmlns:a16="http://schemas.microsoft.com/office/drawing/2014/main" id="{3F3492FC-9AC3-7EA2-56EB-2D2F1DFD4849}"/>
+              </a:ext>
+            </a:extLst>
+          </p:cNvPr>
+          <p:cNvPicPr>
+            <a:picLocks noChangeAspect="1"/>
+          </p:cNvPicPr>
+          <p:nvPr/>
+        </p:nvPicPr>
+        <p:blipFill>
+          <a:blip r:embed="rId2"/>
+          <a:stretch>
+            <a:fillRect/>
+          </a:stretch>
+        </p:blipFill>
+        <p:spPr>
+          <a:xfrm>
+            <a:off x="1412741" y="1028695"/>
+            <a:ext cx="6318517" cy="4800610"/>
+          </a:xfrm>
+          <a:prstGeom prst="rect">
+            <a:avLst/>
+          </a:prstGeom>
+        </p:spPr>
+      </p:pic>
+    </p:spTree>
+    <p:extLst>
+      <p:ext uri="{BB962C8B-B14F-4D97-AF65-F5344CB8AC3E}">
+        <p14:creationId xmlns:p14="http://schemas.microsoft.com/office/powerpoint/2010/main" val="1084085587"/>
+      </p:ext>
+    </p:extLst>
+  </p:cSld>
+  <p:clrMapOvr>
+    <a:masterClrMapping/>
+  </p:clrMapOvr>
+</p:sld>
+</file>
+
+<file path=ppt/slides/slide25.xml><?xml version="1.0" encoding="utf-8"?>
+<p:sld xmlns:a="http://schemas.openxmlformats.org/drawingml/2006/main" xmlns:r="http://schemas.openxmlformats.org/officeDocument/2006/relationships" xmlns:p="http://schemas.openxmlformats.org/presentationml/2006/main">
+  <p:cSld>
+    <p:spTree>
+      <p:nvGrpSpPr>
+        <p:cNvPr id="1" name=""/>
+        <p:cNvGrpSpPr/>
+        <p:nvPr/>
+      </p:nvGrpSpPr>
+      <p:grpSpPr>
+        <a:xfrm>
+          <a:off x="0" y="0"/>
+          <a:ext cx="0" cy="0"/>
+          <a:chOff x="0" y="0"/>
+          <a:chExt cx="0" cy="0"/>
+        </a:xfrm>
+      </p:grpSpPr>
+      <p:sp>
+        <p:nvSpPr>
+          <p:cNvPr id="2" name="Title 1">
+            <a:extLst>
+              <a:ext uri="{FF2B5EF4-FFF2-40B4-BE49-F238E27FC236}">
+                <a16:creationId xmlns:a16="http://schemas.microsoft.com/office/drawing/2014/main" id="{6A87FCA6-54DB-134B-824C-AA78C57717CE}"/>
+              </a:ext>
+            </a:extLst>
+          </p:cNvPr>
+          <p:cNvSpPr>
+            <a:spLocks noGrp="1"/>
+          </p:cNvSpPr>
+          <p:nvPr>
+            <p:ph type="title"/>
+          </p:nvPr>
+        </p:nvSpPr>
+        <p:spPr/>
+        <p:txBody>
+          <a:bodyPr/>
+          <a:lstStyle/>
+          <a:p>
+            <a:endParaRPr lang="en-US"/>
+          </a:p>
+        </p:txBody>
+      </p:sp>
+      <p:sp>
+        <p:nvSpPr>
+          <p:cNvPr id="3" name="Content Placeholder 2">
+            <a:extLst>
+              <a:ext uri="{FF2B5EF4-FFF2-40B4-BE49-F238E27FC236}">
+                <a16:creationId xmlns:a16="http://schemas.microsoft.com/office/drawing/2014/main" id="{BAAD2793-7118-7D8D-2EB8-7C15BE24448F}"/>
+              </a:ext>
+            </a:extLst>
+          </p:cNvPr>
+          <p:cNvSpPr>
+            <a:spLocks noGrp="1"/>
+          </p:cNvSpPr>
+          <p:nvPr>
+            <p:ph idx="1"/>
+          </p:nvPr>
+        </p:nvSpPr>
+        <p:spPr/>
+        <p:txBody>
+          <a:bodyPr/>
+          <a:lstStyle/>
+          <a:p>
+            <a:endParaRPr lang="en-US"/>
+          </a:p>
+        </p:txBody>
+      </p:sp>
+      <p:pic>
+        <p:nvPicPr>
+          <p:cNvPr id="8" name="Picture 7">
+            <a:extLst>
+              <a:ext uri="{FF2B5EF4-FFF2-40B4-BE49-F238E27FC236}">
+                <a16:creationId xmlns:a16="http://schemas.microsoft.com/office/drawing/2014/main" id="{52A92F10-6B02-6EC7-F49B-28FC9EB7D9D1}"/>
+              </a:ext>
+            </a:extLst>
+          </p:cNvPr>
+          <p:cNvPicPr>
+            <a:picLocks noChangeAspect="1"/>
+          </p:cNvPicPr>
+          <p:nvPr/>
+        </p:nvPicPr>
+        <p:blipFill>
+          <a:blip r:embed="rId2"/>
+          <a:stretch>
+            <a:fillRect/>
+          </a:stretch>
+        </p:blipFill>
+        <p:spPr>
+          <a:xfrm>
+            <a:off x="1412741" y="1028695"/>
+            <a:ext cx="6318517" cy="4800610"/>
+          </a:xfrm>
+          <a:prstGeom prst="rect">
+            <a:avLst/>
+          </a:prstGeom>
+        </p:spPr>
+      </p:pic>
+      <p:pic>
+        <p:nvPicPr>
+          <p:cNvPr id="10" name="Picture 9">
+            <a:extLst>
+              <a:ext uri="{FF2B5EF4-FFF2-40B4-BE49-F238E27FC236}">
+                <a16:creationId xmlns:a16="http://schemas.microsoft.com/office/drawing/2014/main" id="{54EE3DDA-CE94-20E8-93A0-5FFADCB12E26}"/>
+              </a:ext>
+            </a:extLst>
+          </p:cNvPr>
+          <p:cNvPicPr>
+            <a:picLocks noChangeAspect="1"/>
+          </p:cNvPicPr>
+          <p:nvPr/>
+        </p:nvPicPr>
+        <p:blipFill>
+          <a:blip r:embed="rId3"/>
+          <a:stretch>
+            <a:fillRect/>
+          </a:stretch>
+        </p:blipFill>
+        <p:spPr>
+          <a:xfrm>
+            <a:off x="1412741" y="1028695"/>
+            <a:ext cx="6318517" cy="4800610"/>
+          </a:xfrm>
+          <a:prstGeom prst="rect">
+            <a:avLst/>
+          </a:prstGeom>
+        </p:spPr>
+      </p:pic>
+    </p:spTree>
+    <p:extLst>
+      <p:ext uri="{BB962C8B-B14F-4D97-AF65-F5344CB8AC3E}">
+        <p14:creationId xmlns:p14="http://schemas.microsoft.com/office/powerpoint/2010/main" val="2132777228"/>
+      </p:ext>
+    </p:extLst>
+  </p:cSld>
+  <p:clrMapOvr>
+    <a:masterClrMapping/>
+  </p:clrMapOvr>
+</p:sld>
+</file>
+
+<file path=ppt/slides/slide26.xml><?xml version="1.0" encoding="utf-8"?>
+<p:sld xmlns:a="http://schemas.openxmlformats.org/drawingml/2006/main" xmlns:r="http://schemas.openxmlformats.org/officeDocument/2006/relationships" xmlns:p="http://schemas.openxmlformats.org/presentationml/2006/main">
+  <p:cSld>
+    <p:spTree>
+      <p:nvGrpSpPr>
+        <p:cNvPr id="1" name=""/>
+        <p:cNvGrpSpPr/>
+        <p:nvPr/>
+      </p:nvGrpSpPr>
+      <p:grpSpPr>
+        <a:xfrm>
+          <a:off x="0" y="0"/>
+          <a:ext cx="0" cy="0"/>
+          <a:chOff x="0" y="0"/>
+          <a:chExt cx="0" cy="0"/>
+        </a:xfrm>
+      </p:grpSpPr>
+      <p:sp>
+        <p:nvSpPr>
+          <p:cNvPr id="2" name="Title 1">
+            <a:extLst>
+              <a:ext uri="{FF2B5EF4-FFF2-40B4-BE49-F238E27FC236}">
+                <a16:creationId xmlns:a16="http://schemas.microsoft.com/office/drawing/2014/main" id="{14532F94-F4AD-30A0-1D11-C6672E654B8D}"/>
+              </a:ext>
+            </a:extLst>
+          </p:cNvPr>
+          <p:cNvSpPr>
+            <a:spLocks noGrp="1"/>
+          </p:cNvSpPr>
+          <p:nvPr>
+            <p:ph type="title"/>
+          </p:nvPr>
+        </p:nvSpPr>
+        <p:spPr/>
+        <p:txBody>
+          <a:bodyPr/>
+          <a:lstStyle/>
+          <a:p>
+            <a:endParaRPr lang="en-US"/>
+          </a:p>
+        </p:txBody>
+      </p:sp>
+      <p:sp>
+        <p:nvSpPr>
+          <p:cNvPr id="3" name="Content Placeholder 2">
+            <a:extLst>
+              <a:ext uri="{FF2B5EF4-FFF2-40B4-BE49-F238E27FC236}">
+                <a16:creationId xmlns:a16="http://schemas.microsoft.com/office/drawing/2014/main" id="{97E4FA34-D568-AF79-C818-FD3392DDA6DA}"/>
+              </a:ext>
+            </a:extLst>
+          </p:cNvPr>
+          <p:cNvSpPr>
+            <a:spLocks noGrp="1"/>
+          </p:cNvSpPr>
+          <p:nvPr>
+            <p:ph idx="1"/>
+          </p:nvPr>
+        </p:nvSpPr>
+        <p:spPr/>
+        <p:txBody>
+          <a:bodyPr/>
+          <a:lstStyle/>
+          <a:p>
+            <a:endParaRPr lang="en-US"/>
+          </a:p>
+        </p:txBody>
+      </p:sp>
+      <p:pic>
+        <p:nvPicPr>
+          <p:cNvPr id="5" name="Picture 4">
+            <a:extLst>
+              <a:ext uri="{FF2B5EF4-FFF2-40B4-BE49-F238E27FC236}">
+                <a16:creationId xmlns:a16="http://schemas.microsoft.com/office/drawing/2014/main" id="{BC132914-2EDA-C9E5-B8C8-4D7374087DF4}"/>
+              </a:ext>
+            </a:extLst>
+          </p:cNvPr>
+          <p:cNvPicPr>
+            <a:picLocks noChangeAspect="1"/>
+          </p:cNvPicPr>
+          <p:nvPr/>
+        </p:nvPicPr>
+        <p:blipFill>
+          <a:blip r:embed="rId2"/>
+          <a:stretch>
+            <a:fillRect/>
+          </a:stretch>
+        </p:blipFill>
+        <p:spPr>
+          <a:xfrm>
+            <a:off x="1412741" y="1028695"/>
+            <a:ext cx="6318517" cy="4800610"/>
+          </a:xfrm>
+          <a:prstGeom prst="rect">
+            <a:avLst/>
+          </a:prstGeom>
+        </p:spPr>
+      </p:pic>
+    </p:spTree>
+    <p:extLst>
+      <p:ext uri="{BB962C8B-B14F-4D97-AF65-F5344CB8AC3E}">
+        <p14:creationId xmlns:p14="http://schemas.microsoft.com/office/powerpoint/2010/main" val="3931262058"/>
+      </p:ext>
+    </p:extLst>
+  </p:cSld>
+  <p:clrMapOvr>
+    <a:masterClrMapping/>
+  </p:clrMapOvr>
+</p:sld>
+</file>
+
+<file path=ppt/slides/slide27.xml><?xml version="1.0" encoding="utf-8"?>
+<p:sld xmlns:a="http://schemas.openxmlformats.org/drawingml/2006/main" xmlns:r="http://schemas.openxmlformats.org/officeDocument/2006/relationships" xmlns:p="http://schemas.openxmlformats.org/presentationml/2006/main">
+  <p:cSld>
+    <p:spTree>
+      <p:nvGrpSpPr>
+        <p:cNvPr id="1" name="">
+          <a:extLst>
+            <a:ext uri="{FF2B5EF4-FFF2-40B4-BE49-F238E27FC236}">
+              <a16:creationId xmlns:a16="http://schemas.microsoft.com/office/drawing/2014/main" id="{30BBFCBE-B3E4-80E9-CCA6-8CEDFCEABF18}"/>
+            </a:ext>
+          </a:extLst>
+        </p:cNvPr>
+        <p:cNvGrpSpPr/>
+        <p:nvPr/>
+      </p:nvGrpSpPr>
+      <p:grpSpPr>
+        <a:xfrm>
+          <a:off x="0" y="0"/>
+          <a:ext cx="0" cy="0"/>
+          <a:chOff x="0" y="0"/>
+          <a:chExt cx="0" cy="0"/>
+        </a:xfrm>
+      </p:grpSpPr>
+      <p:sp>
+        <p:nvSpPr>
+          <p:cNvPr id="2" name="Title 1">
+            <a:extLst>
+              <a:ext uri="{FF2B5EF4-FFF2-40B4-BE49-F238E27FC236}">
+                <a16:creationId xmlns:a16="http://schemas.microsoft.com/office/drawing/2014/main" id="{B1FA1055-27E5-52DF-A1B9-47AFC96DCA8C}"/>
+              </a:ext>
+            </a:extLst>
+          </p:cNvPr>
+          <p:cNvSpPr>
+            <a:spLocks noGrp="1"/>
+          </p:cNvSpPr>
+          <p:nvPr>
+            <p:ph type="title"/>
+          </p:nvPr>
+        </p:nvSpPr>
+        <p:spPr/>
+        <p:txBody>
+          <a:bodyPr/>
+          <a:lstStyle/>
+          <a:p>
+            <a:endParaRPr lang="en-US"/>
+          </a:p>
+        </p:txBody>
+      </p:sp>
+      <p:sp>
+        <p:nvSpPr>
+          <p:cNvPr id="3" name="Content Placeholder 2">
+            <a:extLst>
+              <a:ext uri="{FF2B5EF4-FFF2-40B4-BE49-F238E27FC236}">
+                <a16:creationId xmlns:a16="http://schemas.microsoft.com/office/drawing/2014/main" id="{02127546-6FF9-8A31-72BC-A2030D894F36}"/>
+              </a:ext>
+            </a:extLst>
+          </p:cNvPr>
+          <p:cNvSpPr>
+            <a:spLocks noGrp="1"/>
+          </p:cNvSpPr>
+          <p:nvPr>
+            <p:ph idx="1"/>
+          </p:nvPr>
+        </p:nvSpPr>
+        <p:spPr/>
+        <p:txBody>
+          <a:bodyPr/>
+          <a:lstStyle/>
+          <a:p>
+            <a:endParaRPr lang="en-US"/>
+          </a:p>
+        </p:txBody>
+      </p:sp>
+      <p:pic>
+        <p:nvPicPr>
+          <p:cNvPr id="5" name="Picture 4">
+            <a:extLst>
+              <a:ext uri="{FF2B5EF4-FFF2-40B4-BE49-F238E27FC236}">
+                <a16:creationId xmlns:a16="http://schemas.microsoft.com/office/drawing/2014/main" id="{D154016A-2513-762F-F6F5-EB1525357E5F}"/>
+              </a:ext>
+            </a:extLst>
+          </p:cNvPr>
+          <p:cNvPicPr>
+            <a:picLocks noChangeAspect="1"/>
+          </p:cNvPicPr>
+          <p:nvPr/>
+        </p:nvPicPr>
+        <p:blipFill>
+          <a:blip r:embed="rId2"/>
+          <a:stretch>
+            <a:fillRect/>
+          </a:stretch>
+        </p:blipFill>
+        <p:spPr>
+          <a:xfrm>
+            <a:off x="1412741" y="1028695"/>
+            <a:ext cx="6318517" cy="4800610"/>
+          </a:xfrm>
+          <a:prstGeom prst="rect">
+            <a:avLst/>
+          </a:prstGeom>
+        </p:spPr>
+      </p:pic>
+      <p:pic>
+        <p:nvPicPr>
+          <p:cNvPr id="4" name="Picture 2">
+            <a:extLst>
+              <a:ext uri="{FF2B5EF4-FFF2-40B4-BE49-F238E27FC236}">
+                <a16:creationId xmlns:a16="http://schemas.microsoft.com/office/drawing/2014/main" id="{8085895F-348D-A2DA-D362-36E45400892E}"/>
+              </a:ext>
+            </a:extLst>
+          </p:cNvPr>
+          <p:cNvPicPr>
+            <a:picLocks noChangeAspect="1" noChangeArrowheads="1"/>
+          </p:cNvPicPr>
+          <p:nvPr/>
+        </p:nvPicPr>
+        <p:blipFill>
+          <a:blip r:embed="rId3">
+            <a:extLst>
+              <a:ext uri="{28A0092B-C50C-407E-A947-70E740481C1C}">
+                <a14:useLocalDpi xmlns:a14="http://schemas.microsoft.com/office/drawing/2010/main" val="0"/>
+              </a:ext>
+            </a:extLst>
+          </a:blip>
+          <a:srcRect/>
+          <a:stretch>
+            <a:fillRect/>
+          </a:stretch>
+        </p:blipFill>
+        <p:spPr bwMode="auto">
+          <a:xfrm>
+            <a:off x="303398" y="1143000"/>
+            <a:ext cx="2218685" cy="1104905"/>
+          </a:xfrm>
+          <a:prstGeom prst="rect">
+            <a:avLst/>
+          </a:prstGeom>
+          <a:noFill/>
+          <a:extLst>
+            <a:ext uri="{909E8E84-426E-40DD-AFC4-6F175D3DCCD1}">
+              <a14:hiddenFill xmlns:a14="http://schemas.microsoft.com/office/drawing/2010/main">
+                <a:solidFill>
+                  <a:srgbClr val="FFFFFF"/>
+                </a:solidFill>
+              </a14:hiddenFill>
+            </a:ext>
+          </a:extLst>
+        </p:spPr>
+      </p:pic>
+      <p:cxnSp>
+        <p:nvCxnSpPr>
+          <p:cNvPr id="7" name="Straight Arrow Connector 6">
+            <a:extLst>
+              <a:ext uri="{FF2B5EF4-FFF2-40B4-BE49-F238E27FC236}">
+                <a16:creationId xmlns:a16="http://schemas.microsoft.com/office/drawing/2014/main" id="{E75C954E-FF12-8EC6-56A4-6C62C9964D69}"/>
+              </a:ext>
+            </a:extLst>
+          </p:cNvPr>
+          <p:cNvCxnSpPr/>
+          <p:nvPr/>
+        </p:nvCxnSpPr>
+        <p:spPr>
+          <a:xfrm flipV="1">
+            <a:off x="1600200" y="1295400"/>
+            <a:ext cx="2133600" cy="609600"/>
+          </a:xfrm>
+          <a:prstGeom prst="straightConnector1">
+            <a:avLst/>
+          </a:prstGeom>
+          <a:ln>
+            <a:solidFill>
+              <a:srgbClr val="FF0000"/>
+            </a:solidFill>
+            <a:tailEnd type="triangle"/>
+          </a:ln>
+        </p:spPr>
+        <p:style>
+          <a:lnRef idx="1">
+            <a:schemeClr val="accent1"/>
+          </a:lnRef>
+          <a:fillRef idx="0">
+            <a:schemeClr val="accent1"/>
+          </a:fillRef>
+          <a:effectRef idx="0">
+            <a:schemeClr val="accent1"/>
+          </a:effectRef>
+          <a:fontRef idx="minor">
+            <a:schemeClr val="tx1"/>
+          </a:fontRef>
+        </p:style>
+      </p:cxnSp>
+      <p:pic>
+        <p:nvPicPr>
+          <p:cNvPr id="8" name="Picture 2">
+            <a:extLst>
+              <a:ext uri="{FF2B5EF4-FFF2-40B4-BE49-F238E27FC236}">
+                <a16:creationId xmlns:a16="http://schemas.microsoft.com/office/drawing/2014/main" id="{FE25E81E-632E-AFD6-B513-0B1AE0699A04}"/>
+              </a:ext>
+            </a:extLst>
+          </p:cNvPr>
+          <p:cNvPicPr>
+            <a:picLocks noChangeAspect="1" noChangeArrowheads="1"/>
+          </p:cNvPicPr>
+          <p:nvPr/>
+        </p:nvPicPr>
+        <p:blipFill>
+          <a:blip r:embed="rId4">
+            <a:extLst>
+              <a:ext uri="{28A0092B-C50C-407E-A947-70E740481C1C}">
+                <a14:useLocalDpi xmlns:a14="http://schemas.microsoft.com/office/drawing/2010/main" val="0"/>
+              </a:ext>
+            </a:extLst>
+          </a:blip>
+          <a:srcRect/>
+          <a:stretch>
+            <a:fillRect/>
+          </a:stretch>
+        </p:blipFill>
+        <p:spPr bwMode="auto">
+          <a:xfrm>
+            <a:off x="3924299" y="3048000"/>
+            <a:ext cx="1295400" cy="1295400"/>
+          </a:xfrm>
+          <a:prstGeom prst="rect">
+            <a:avLst/>
+          </a:prstGeom>
+          <a:noFill/>
+          <a:extLst>
+            <a:ext uri="{909E8E84-426E-40DD-AFC4-6F175D3DCCD1}">
+              <a14:hiddenFill xmlns:a14="http://schemas.microsoft.com/office/drawing/2010/main">
+                <a:solidFill>
+                  <a:srgbClr val="FFFFFF"/>
+                </a:solidFill>
+              </a14:hiddenFill>
+            </a:ext>
+          </a:extLst>
+        </p:spPr>
+      </p:pic>
+      <p:cxnSp>
+        <p:nvCxnSpPr>
+          <p:cNvPr id="9" name="Straight Arrow Connector 8">
+            <a:extLst>
+              <a:ext uri="{FF2B5EF4-FFF2-40B4-BE49-F238E27FC236}">
+                <a16:creationId xmlns:a16="http://schemas.microsoft.com/office/drawing/2014/main" id="{497ED4B6-0D66-6C15-2781-37D2165155F7}"/>
+              </a:ext>
+            </a:extLst>
+          </p:cNvPr>
+          <p:cNvCxnSpPr>
+            <a:cxnSpLocks/>
+          </p:cNvCxnSpPr>
+          <p:nvPr/>
+        </p:nvCxnSpPr>
+        <p:spPr>
+          <a:xfrm>
+            <a:off x="4630670" y="3505200"/>
+            <a:ext cx="1698372" cy="112617"/>
+          </a:xfrm>
+          <a:prstGeom prst="straightConnector1">
+            <a:avLst/>
+          </a:prstGeom>
+          <a:ln>
+            <a:solidFill>
+              <a:srgbClr val="FF0000"/>
+            </a:solidFill>
+            <a:tailEnd type="triangle"/>
+          </a:ln>
+        </p:spPr>
+        <p:style>
+          <a:lnRef idx="1">
+            <a:schemeClr val="accent1"/>
+          </a:lnRef>
+          <a:fillRef idx="0">
+            <a:schemeClr val="accent1"/>
+          </a:fillRef>
+          <a:effectRef idx="0">
+            <a:schemeClr val="accent1"/>
+          </a:effectRef>
+          <a:fontRef idx="minor">
+            <a:schemeClr val="tx1"/>
+          </a:fontRef>
+        </p:style>
+      </p:cxnSp>
+    </p:spTree>
+    <p:extLst>
+      <p:ext uri="{BB962C8B-B14F-4D97-AF65-F5344CB8AC3E}">
+        <p14:creationId xmlns:p14="http://schemas.microsoft.com/office/powerpoint/2010/main" val="897264754"/>
+      </p:ext>
+    </p:extLst>
+  </p:cSld>
+  <p:clrMapOvr>
+    <a:masterClrMapping/>
+  </p:clrMapOvr>
+</p:sld>
+</file>
+
+<file path=ppt/slides/slide28.xml><?xml version="1.0" encoding="utf-8"?>
+<p:sld xmlns:a="http://schemas.openxmlformats.org/drawingml/2006/main" xmlns:r="http://schemas.openxmlformats.org/officeDocument/2006/relationships" xmlns:p="http://schemas.openxmlformats.org/presentationml/2006/main">
+  <p:cSld>
+    <p:spTree>
+      <p:nvGrpSpPr>
+        <p:cNvPr id="1" name=""/>
+        <p:cNvGrpSpPr/>
+        <p:nvPr/>
+      </p:nvGrpSpPr>
+      <p:grpSpPr>
+        <a:xfrm>
+          <a:off x="0" y="0"/>
+          <a:ext cx="0" cy="0"/>
+          <a:chOff x="0" y="0"/>
+          <a:chExt cx="0" cy="0"/>
+        </a:xfrm>
+      </p:grpSpPr>
+      <p:sp>
+        <p:nvSpPr>
+          <p:cNvPr id="2" name="Title 1">
+            <a:extLst>
+              <a:ext uri="{FF2B5EF4-FFF2-40B4-BE49-F238E27FC236}">
+                <a16:creationId xmlns:a16="http://schemas.microsoft.com/office/drawing/2014/main" id="{6671AD59-F979-E3FA-9282-1C99F946FD8C}"/>
+              </a:ext>
+            </a:extLst>
+          </p:cNvPr>
+          <p:cNvSpPr>
+            <a:spLocks noGrp="1"/>
+          </p:cNvSpPr>
+          <p:nvPr>
+            <p:ph type="title"/>
+          </p:nvPr>
+        </p:nvSpPr>
+        <p:spPr/>
+        <p:txBody>
+          <a:bodyPr/>
+          <a:lstStyle/>
+          <a:p>
+            <a:endParaRPr lang="en-US"/>
+          </a:p>
+        </p:txBody>
+      </p:sp>
+      <p:sp>
+        <p:nvSpPr>
+          <p:cNvPr id="3" name="Content Placeholder 2">
+            <a:extLst>
+              <a:ext uri="{FF2B5EF4-FFF2-40B4-BE49-F238E27FC236}">
+                <a16:creationId xmlns:a16="http://schemas.microsoft.com/office/drawing/2014/main" id="{6AAA6DB1-9B2D-BF4E-3DA8-A0FA2801B28B}"/>
+              </a:ext>
+            </a:extLst>
+          </p:cNvPr>
+          <p:cNvSpPr>
+            <a:spLocks noGrp="1"/>
+          </p:cNvSpPr>
+          <p:nvPr>
+            <p:ph idx="1"/>
+          </p:nvPr>
+        </p:nvSpPr>
+        <p:spPr/>
+        <p:txBody>
+          <a:bodyPr/>
+          <a:lstStyle/>
+          <a:p>
+            <a:endParaRPr lang="en-US"/>
+          </a:p>
+        </p:txBody>
+      </p:sp>
+      <p:pic>
+        <p:nvPicPr>
+          <p:cNvPr id="5" name="Picture 4">
+            <a:extLst>
+              <a:ext uri="{FF2B5EF4-FFF2-40B4-BE49-F238E27FC236}">
+                <a16:creationId xmlns:a16="http://schemas.microsoft.com/office/drawing/2014/main" id="{1E9AE7CA-61DB-7B33-A675-173DF424BD67}"/>
+              </a:ext>
+            </a:extLst>
+          </p:cNvPr>
+          <p:cNvPicPr>
+            <a:picLocks noChangeAspect="1"/>
+          </p:cNvPicPr>
+          <p:nvPr/>
+        </p:nvPicPr>
+        <p:blipFill>
+          <a:blip r:embed="rId2"/>
+          <a:stretch>
+            <a:fillRect/>
+          </a:stretch>
+        </p:blipFill>
+        <p:spPr>
+          <a:xfrm>
+            <a:off x="2286000" y="1752600"/>
+            <a:ext cx="3933825" cy="3933825"/>
+          </a:xfrm>
+          <a:prstGeom prst="rect">
+            <a:avLst/>
+          </a:prstGeom>
+        </p:spPr>
+      </p:pic>
+    </p:spTree>
+    <p:extLst>
+      <p:ext uri="{BB962C8B-B14F-4D97-AF65-F5344CB8AC3E}">
+        <p14:creationId xmlns:p14="http://schemas.microsoft.com/office/powerpoint/2010/main" val="148952240"/>
+      </p:ext>
+    </p:extLst>
+  </p:cSld>
+  <p:clrMapOvr>
+    <a:masterClrMapping/>
+  </p:clrMapOvr>
+</p:sld>
+</file>
+
+<file path=ppt/slides/slide29.xml><?xml version="1.0" encoding="utf-8"?>
+<p:sld xmlns:a="http://schemas.openxmlformats.org/drawingml/2006/main" xmlns:r="http://schemas.openxmlformats.org/officeDocument/2006/relationships" xmlns:p="http://schemas.openxmlformats.org/presentationml/2006/main">
+  <p:cSld>
+    <p:spTree>
+      <p:nvGrpSpPr>
+        <p:cNvPr id="1" name=""/>
+        <p:cNvGrpSpPr/>
+        <p:nvPr/>
+      </p:nvGrpSpPr>
+      <p:grpSpPr>
+        <a:xfrm>
+          <a:off x="0" y="0"/>
+          <a:ext cx="0" cy="0"/>
+          <a:chOff x="0" y="0"/>
+          <a:chExt cx="0" cy="0"/>
+        </a:xfrm>
+      </p:grpSpPr>
+      <p:sp>
+        <p:nvSpPr>
           <p:cNvPr id="45058" name="Rectangle 2"/>
           <p:cNvSpPr>
             <a:spLocks noGrp="1" noChangeArrowheads="1"/>
@@ -9054,7 +10121,575 @@
 </p:sld>
 </file>
 
-<file path=ppt/slides/slide25.xml><?xml version="1.0" encoding="utf-8"?>
+<file path=ppt/slides/slide3.xml><?xml version="1.0" encoding="utf-8"?>
+<p:sld xmlns:a="http://schemas.openxmlformats.org/drawingml/2006/main" xmlns:r="http://schemas.openxmlformats.org/officeDocument/2006/relationships" xmlns:p="http://schemas.openxmlformats.org/presentationml/2006/main">
+  <p:cSld>
+    <p:spTree>
+      <p:nvGrpSpPr>
+        <p:cNvPr id="1" name=""/>
+        <p:cNvGrpSpPr/>
+        <p:nvPr/>
+      </p:nvGrpSpPr>
+      <p:grpSpPr>
+        <a:xfrm>
+          <a:off x="0" y="0"/>
+          <a:ext cx="0" cy="0"/>
+          <a:chOff x="0" y="0"/>
+          <a:chExt cx="0" cy="0"/>
+        </a:xfrm>
+      </p:grpSpPr>
+      <p:sp>
+        <p:nvSpPr>
+          <p:cNvPr id="27650" name="Rectangle 2"/>
+          <p:cNvSpPr>
+            <a:spLocks noGrp="1" noChangeArrowheads="1"/>
+          </p:cNvSpPr>
+          <p:nvPr>
+            <p:ph type="title"/>
+          </p:nvPr>
+        </p:nvSpPr>
+        <p:spPr/>
+        <p:txBody>
+          <a:bodyPr/>
+          <a:lstStyle/>
+          <a:p>
+            <a:pPr eaLnBrk="1" hangingPunct="1"/>
+            <a:r>
+              <a:rPr lang="en-US"/>
+              <a:t>Methods of Heat Transfer</a:t>
+            </a:r>
+          </a:p>
+        </p:txBody>
+      </p:sp>
+      <p:sp>
+        <p:nvSpPr>
+          <p:cNvPr id="27651" name="Rectangle 3"/>
+          <p:cNvSpPr>
+            <a:spLocks noGrp="1" noChangeArrowheads="1"/>
+          </p:cNvSpPr>
+          <p:nvPr>
+            <p:ph type="body" idx="1"/>
+          </p:nvPr>
+        </p:nvSpPr>
+        <p:spPr/>
+        <p:txBody>
+          <a:bodyPr/>
+          <a:lstStyle/>
+          <a:p>
+            <a:pPr eaLnBrk="1" hangingPunct="1">
+              <a:lnSpc>
+                <a:spcPct val="90000"/>
+              </a:lnSpc>
+            </a:pPr>
+            <a:r>
+              <a:rPr lang="en-US"/>
+              <a:t>Need to know the rate at which energy is transferred</a:t>
+            </a:r>
+          </a:p>
+          <a:p>
+            <a:pPr eaLnBrk="1" hangingPunct="1">
+              <a:lnSpc>
+                <a:spcPct val="90000"/>
+              </a:lnSpc>
+            </a:pPr>
+            <a:r>
+              <a:rPr lang="en-US"/>
+              <a:t>Need to know the mechanisms responsible for the transfer</a:t>
+            </a:r>
+          </a:p>
+          <a:p>
+            <a:pPr eaLnBrk="1" hangingPunct="1">
+              <a:lnSpc>
+                <a:spcPct val="90000"/>
+              </a:lnSpc>
+            </a:pPr>
+            <a:r>
+              <a:rPr lang="en-US"/>
+              <a:t>Methods include</a:t>
+            </a:r>
+          </a:p>
+          <a:p>
+            <a:pPr lvl="1" eaLnBrk="1" hangingPunct="1">
+              <a:lnSpc>
+                <a:spcPct val="90000"/>
+              </a:lnSpc>
+            </a:pPr>
+            <a:r>
+              <a:rPr lang="en-US"/>
+              <a:t>Conduction</a:t>
+            </a:r>
+          </a:p>
+          <a:p>
+            <a:pPr lvl="1" eaLnBrk="1" hangingPunct="1">
+              <a:lnSpc>
+                <a:spcPct val="90000"/>
+              </a:lnSpc>
+            </a:pPr>
+            <a:r>
+              <a:rPr lang="en-US"/>
+              <a:t>Convection</a:t>
+            </a:r>
+          </a:p>
+          <a:p>
+            <a:pPr lvl="1" eaLnBrk="1" hangingPunct="1">
+              <a:lnSpc>
+                <a:spcPct val="90000"/>
+              </a:lnSpc>
+            </a:pPr>
+            <a:r>
+              <a:rPr lang="en-US"/>
+              <a:t>Radiation</a:t>
+            </a:r>
+          </a:p>
+        </p:txBody>
+      </p:sp>
+    </p:spTree>
+  </p:cSld>
+  <p:clrMapOvr>
+    <a:masterClrMapping/>
+  </p:clrMapOvr>
+</p:sld>
+</file>
+
+<file path=ppt/slides/slide30.xml><?xml version="1.0" encoding="utf-8"?>
+<p:sld xmlns:a="http://schemas.openxmlformats.org/drawingml/2006/main" xmlns:r="http://schemas.openxmlformats.org/officeDocument/2006/relationships" xmlns:p="http://schemas.openxmlformats.org/presentationml/2006/main">
+  <p:cSld>
+    <p:spTree>
+      <p:nvGrpSpPr>
+        <p:cNvPr id="1" name=""/>
+        <p:cNvGrpSpPr/>
+        <p:nvPr/>
+      </p:nvGrpSpPr>
+      <p:grpSpPr>
+        <a:xfrm>
+          <a:off x="0" y="0"/>
+          <a:ext cx="0" cy="0"/>
+          <a:chOff x="0" y="0"/>
+          <a:chExt cx="0" cy="0"/>
+        </a:xfrm>
+      </p:grpSpPr>
+      <p:sp>
+        <p:nvSpPr>
+          <p:cNvPr id="47106" name="Rectangle 2"/>
+          <p:cNvSpPr>
+            <a:spLocks noGrp="1" noChangeArrowheads="1"/>
+          </p:cNvSpPr>
+          <p:nvPr>
+            <p:ph type="title"/>
+          </p:nvPr>
+        </p:nvSpPr>
+        <p:spPr/>
+        <p:txBody>
+          <a:bodyPr/>
+          <a:lstStyle/>
+          <a:p>
+            <a:pPr eaLnBrk="1" hangingPunct="1"/>
+            <a:r>
+              <a:rPr lang="en-US"/>
+              <a:t>Radiation Example</a:t>
+            </a:r>
+          </a:p>
+        </p:txBody>
+      </p:sp>
+      <p:sp>
+        <p:nvSpPr>
+          <p:cNvPr id="47107" name="Rectangle 3"/>
+          <p:cNvSpPr>
+            <a:spLocks noGrp="1" noChangeArrowheads="1"/>
+          </p:cNvSpPr>
+          <p:nvPr>
+            <p:ph type="body" idx="1"/>
+          </p:nvPr>
+        </p:nvSpPr>
+        <p:spPr>
+          <a:xfrm>
+            <a:off x="457200" y="1600200"/>
+            <a:ext cx="3746500" cy="4525963"/>
+          </a:xfrm>
+        </p:spPr>
+        <p:txBody>
+          <a:bodyPr/>
+          <a:lstStyle/>
+          <a:p>
+            <a:pPr eaLnBrk="1" hangingPunct="1">
+              <a:buFontTx/>
+              <a:buNone/>
+            </a:pPr>
+            <a:r>
+              <a:rPr lang="en-US" sz="2000"/>
+              <a:t>Developed by the Air Force, the so-called "</a:t>
+            </a:r>
+            <a:r>
+              <a:rPr lang="en-US" sz="2000">
+                <a:hlinkClick r:id="rId2"/>
+              </a:rPr>
+              <a:t>Active Denial System</a:t>
+            </a:r>
+            <a:r>
+              <a:rPr lang="en-US" sz="2000"/>
+              <a:t>" (ADS) fires out milimeter waves -- a sort of cousin of microwaves, in the 95 GHz range. The invisible beams penetrate just a 64th of inch beneath the skin. But that's deep enough to heat up the water inside a person. Which is enough to cause excruciating pain. </a:t>
+            </a:r>
+          </a:p>
+        </p:txBody>
+      </p:sp>
+      <p:sp>
+        <p:nvSpPr>
+          <p:cNvPr id="47108" name="Rectangle 4"/>
+          <p:cNvSpPr>
+            <a:spLocks noChangeArrowheads="1"/>
+          </p:cNvSpPr>
+          <p:nvPr/>
+        </p:nvSpPr>
+        <p:spPr bwMode="auto">
+          <a:xfrm>
+            <a:off x="1749425" y="5595938"/>
+            <a:ext cx="5187950" cy="366712"/>
+          </a:xfrm>
+          <a:prstGeom prst="rect">
+            <a:avLst/>
+          </a:prstGeom>
+          <a:noFill/>
+          <a:ln w="9525" algn="ctr">
+            <a:noFill/>
+            <a:miter lim="800000"/>
+            <a:headEnd/>
+            <a:tailEnd/>
+          </a:ln>
+        </p:spPr>
+        <p:txBody>
+          <a:bodyPr wrap="none">
+            <a:spAutoFit/>
+          </a:bodyPr>
+          <a:lstStyle/>
+          <a:p>
+            <a:r>
+              <a:rPr lang="en-US"/>
+              <a:t>http://www.defensetech.org/archives/002035.html</a:t>
+            </a:r>
+          </a:p>
+        </p:txBody>
+      </p:sp>
+      <p:pic>
+        <p:nvPicPr>
+          <p:cNvPr id="47109" name="Picture 5" descr="active_denial_system"/>
+          <p:cNvPicPr>
+            <a:picLocks noChangeAspect="1" noChangeArrowheads="1"/>
+          </p:cNvPicPr>
+          <p:nvPr/>
+        </p:nvPicPr>
+        <p:blipFill>
+          <a:blip r:embed="rId3" cstate="print"/>
+          <a:srcRect/>
+          <a:stretch>
+            <a:fillRect/>
+          </a:stretch>
+        </p:blipFill>
+        <p:spPr bwMode="auto">
+          <a:xfrm>
+            <a:off x="5400675" y="1681163"/>
+            <a:ext cx="2838450" cy="3267075"/>
+          </a:xfrm>
+          <a:prstGeom prst="rect">
+            <a:avLst/>
+          </a:prstGeom>
+          <a:noFill/>
+          <a:ln w="9525">
+            <a:noFill/>
+            <a:miter lim="800000"/>
+            <a:headEnd/>
+            <a:tailEnd/>
+          </a:ln>
+        </p:spPr>
+      </p:pic>
+    </p:spTree>
+  </p:cSld>
+  <p:clrMapOvr>
+    <a:masterClrMapping/>
+  </p:clrMapOvr>
+</p:sld>
+</file>
+
+<file path=ppt/slides/slide31.xml><?xml version="1.0" encoding="utf-8"?>
+<p:sld xmlns:a="http://schemas.openxmlformats.org/drawingml/2006/main" xmlns:r="http://schemas.openxmlformats.org/officeDocument/2006/relationships" xmlns:p="http://schemas.openxmlformats.org/presentationml/2006/main">
+  <p:cSld>
+    <p:spTree>
+      <p:nvGrpSpPr>
+        <p:cNvPr id="1" name=""/>
+        <p:cNvGrpSpPr/>
+        <p:nvPr/>
+      </p:nvGrpSpPr>
+      <p:grpSpPr>
+        <a:xfrm>
+          <a:off x="0" y="0"/>
+          <a:ext cx="0" cy="0"/>
+          <a:chOff x="0" y="0"/>
+          <a:chExt cx="0" cy="0"/>
+        </a:xfrm>
+      </p:grpSpPr>
+      <p:sp>
+        <p:nvSpPr>
+          <p:cNvPr id="48130" name="Rectangle 2"/>
+          <p:cNvSpPr>
+            <a:spLocks noGrp="1" noChangeArrowheads="1"/>
+          </p:cNvSpPr>
+          <p:nvPr>
+            <p:ph type="title"/>
+          </p:nvPr>
+        </p:nvSpPr>
+        <p:spPr/>
+        <p:txBody>
+          <a:bodyPr/>
+          <a:lstStyle/>
+          <a:p>
+            <a:pPr eaLnBrk="1" hangingPunct="1"/>
+            <a:r>
+              <a:rPr lang="en-US"/>
+              <a:t>Global Warming</a:t>
+            </a:r>
+          </a:p>
+        </p:txBody>
+      </p:sp>
+      <p:sp>
+        <p:nvSpPr>
+          <p:cNvPr id="48131" name="Rectangle 3"/>
+          <p:cNvSpPr>
+            <a:spLocks noGrp="1" noChangeArrowheads="1"/>
+          </p:cNvSpPr>
+          <p:nvPr>
+            <p:ph type="body" idx="1"/>
+          </p:nvPr>
+        </p:nvSpPr>
+        <p:spPr>
+          <a:xfrm>
+            <a:off x="442913" y="1339850"/>
+            <a:ext cx="8229600" cy="4525963"/>
+          </a:xfrm>
+        </p:spPr>
+        <p:txBody>
+          <a:bodyPr/>
+          <a:lstStyle/>
+          <a:p>
+            <a:pPr eaLnBrk="1" hangingPunct="1"/>
+            <a:r>
+              <a:rPr lang="en-US" sz="2800"/>
+              <a:t>Greenhouse example</a:t>
+            </a:r>
+          </a:p>
+          <a:p>
+            <a:pPr lvl="1" eaLnBrk="1" hangingPunct="1"/>
+            <a:r>
+              <a:rPr lang="en-US" sz="2400"/>
+              <a:t>Visible light is absorbed and re-emitted as infrared radiation</a:t>
+            </a:r>
+          </a:p>
+          <a:p>
+            <a:pPr lvl="1" eaLnBrk="1" hangingPunct="1"/>
+            <a:r>
+              <a:rPr lang="en-US" sz="2400"/>
+              <a:t>Convection currents are inhibited by the glass</a:t>
+            </a:r>
+          </a:p>
+          <a:p>
+            <a:pPr eaLnBrk="1" hangingPunct="1"/>
+            <a:r>
+              <a:rPr lang="en-US" sz="2800"/>
+              <a:t>Earth’s atmosphere is also a good transmitter of visible light and a good absorber of infrared radiation</a:t>
+            </a:r>
+          </a:p>
+          <a:p>
+            <a:pPr eaLnBrk="1" hangingPunct="1"/>
+            <a:r>
+              <a:rPr lang="en-US" sz="2800"/>
+              <a:t>The Earth’s radiation budget (whether we have a positive or negative amount of energy transfer is hotly debated</a:t>
+            </a:r>
+          </a:p>
+        </p:txBody>
+      </p:sp>
+    </p:spTree>
+  </p:cSld>
+  <p:clrMapOvr>
+    <a:masterClrMapping/>
+  </p:clrMapOvr>
+</p:sld>
+</file>
+
+<file path=ppt/slides/slide32.xml><?xml version="1.0" encoding="utf-8"?>
+<p:sld xmlns:a="http://schemas.openxmlformats.org/drawingml/2006/main" xmlns:r="http://schemas.openxmlformats.org/officeDocument/2006/relationships" xmlns:p="http://schemas.openxmlformats.org/presentationml/2006/main">
+  <p:cSld>
+    <p:spTree>
+      <p:nvGrpSpPr>
+        <p:cNvPr id="1" name=""/>
+        <p:cNvGrpSpPr/>
+        <p:nvPr/>
+      </p:nvGrpSpPr>
+      <p:grpSpPr>
+        <a:xfrm>
+          <a:off x="0" y="0"/>
+          <a:ext cx="0" cy="0"/>
+          <a:chOff x="0" y="0"/>
+          <a:chExt cx="0" cy="0"/>
+        </a:xfrm>
+      </p:grpSpPr>
+      <p:sp>
+        <p:nvSpPr>
+          <p:cNvPr id="2" name="Title 1"/>
+          <p:cNvSpPr>
+            <a:spLocks noGrp="1"/>
+          </p:cNvSpPr>
+          <p:nvPr>
+            <p:ph type="title"/>
+          </p:nvPr>
+        </p:nvSpPr>
+        <p:spPr/>
+        <p:txBody>
+          <a:bodyPr/>
+          <a:lstStyle/>
+          <a:p>
+            <a:r>
+              <a:rPr lang="en-US" dirty="0"/>
+              <a:t>Question 123.13.5</a:t>
+            </a:r>
+          </a:p>
+        </p:txBody>
+      </p:sp>
+      <p:sp>
+        <p:nvSpPr>
+          <p:cNvPr id="3" name="Content Placeholder 2"/>
+          <p:cNvSpPr>
+            <a:spLocks noGrp="1"/>
+          </p:cNvSpPr>
+          <p:nvPr>
+            <p:ph idx="1"/>
+          </p:nvPr>
+        </p:nvSpPr>
+        <p:spPr>
+          <a:xfrm>
+            <a:off x="174172" y="1280886"/>
+            <a:ext cx="5080000" cy="4525963"/>
+          </a:xfrm>
+        </p:spPr>
+        <p:txBody>
+          <a:bodyPr/>
+          <a:lstStyle/>
+          <a:p>
+            <a:pPr>
+              <a:buNone/>
+            </a:pPr>
+            <a:r>
+              <a:rPr lang="en-US" sz="2000" dirty="0"/>
+              <a:t>You go outside on a cold spring morning in Rexburg. You see a leaf in the snow</a:t>
+            </a:r>
+          </a:p>
+          <a:p>
+            <a:pPr>
+              <a:buNone/>
+            </a:pPr>
+            <a:r>
+              <a:rPr lang="en-US" sz="2000" dirty="0"/>
+              <a:t>The leaf seems to have sunk in the snow. What is the most likely reason for this?</a:t>
+            </a:r>
+          </a:p>
+          <a:p>
+            <a:pPr marL="457200" indent="-457200">
+              <a:buFont typeface="+mj-lt"/>
+              <a:buAutoNum type="alphaLcParenR"/>
+            </a:pPr>
+            <a:r>
+              <a:rPr lang="en-US" sz="2000" dirty="0"/>
+              <a:t>The leaf is very massive so the force of gravity pulls it through the snow</a:t>
+            </a:r>
+          </a:p>
+          <a:p>
+            <a:pPr marL="457200" indent="-457200">
+              <a:buFont typeface="+mj-lt"/>
+              <a:buAutoNum type="alphaLcParenR"/>
+            </a:pPr>
+            <a:r>
+              <a:rPr lang="en-US" sz="2000" dirty="0"/>
+              <a:t>The leaf has a different emissivity than the snow, so it absorbs more radiation from the sun, the temperature of the leaf rises and it melts the snow around it.</a:t>
+            </a:r>
+          </a:p>
+          <a:p>
+            <a:pPr marL="457200" indent="-457200">
+              <a:buFont typeface="+mj-lt"/>
+              <a:buAutoNum type="alphaLcParenR"/>
+            </a:pPr>
+            <a:r>
+              <a:rPr lang="en-US" sz="2000" dirty="0"/>
+              <a:t>There was a very carful dog that stepped on the leaf, smashing it into the snow.</a:t>
+            </a:r>
+          </a:p>
+        </p:txBody>
+      </p:sp>
+      <p:sp>
+        <p:nvSpPr>
+          <p:cNvPr id="4" name="Slide Number Placeholder 3"/>
+          <p:cNvSpPr>
+            <a:spLocks noGrp="1"/>
+          </p:cNvSpPr>
+          <p:nvPr>
+            <p:ph type="sldNum" sz="quarter" idx="12"/>
+          </p:nvPr>
+        </p:nvSpPr>
+        <p:spPr/>
+        <p:txBody>
+          <a:bodyPr/>
+          <a:lstStyle/>
+          <a:p>
+            <a:pPr>
+              <a:defRPr/>
+            </a:pPr>
+            <a:fld id="{4E87D1FB-7ED3-4D53-B026-4508F19EE3B8}" type="slidenum">
+              <a:rPr lang="en-US" smtClean="0"/>
+              <a:pPr>
+                <a:defRPr/>
+              </a:pPr>
+              <a:t>32</a:t>
+            </a:fld>
+            <a:endParaRPr lang="en-US"/>
+          </a:p>
+        </p:txBody>
+      </p:sp>
+      <p:pic>
+        <p:nvPicPr>
+          <p:cNvPr id="512002" name="Picture 2" descr="c:\Users\rtlines\Pictures\Leaf in Snow\100_8557.JPG"/>
+          <p:cNvPicPr>
+            <a:picLocks noChangeAspect="1" noChangeArrowheads="1"/>
+          </p:cNvPicPr>
+          <p:nvPr/>
+        </p:nvPicPr>
+        <p:blipFill>
+          <a:blip r:embed="rId2" cstate="print"/>
+          <a:srcRect l="33275" r="23791" b="22173"/>
+          <a:stretch>
+            <a:fillRect/>
+          </a:stretch>
+        </p:blipFill>
+        <p:spPr bwMode="auto">
+          <a:xfrm>
+            <a:off x="5152572" y="1394052"/>
+            <a:ext cx="3686628" cy="4455205"/>
+          </a:xfrm>
+          <a:prstGeom prst="rect">
+            <a:avLst/>
+          </a:prstGeom>
+          <a:noFill/>
+        </p:spPr>
+      </p:pic>
+    </p:spTree>
+    <p:extLst>
+      <p:ext uri="{BB962C8B-B14F-4D97-AF65-F5344CB8AC3E}">
+        <p14:creationId xmlns:p14="http://schemas.microsoft.com/office/powerpoint/2010/main" val="3526645629"/>
+      </p:ext>
+    </p:extLst>
+  </p:cSld>
+  <p:clrMapOvr>
+    <a:masterClrMapping/>
+  </p:clrMapOvr>
+</p:sld>
+</file>
+
+<file path=ppt/slides/slide33.xml><?xml version="1.0" encoding="utf-8"?>
 <p:sld xmlns:a="http://schemas.openxmlformats.org/drawingml/2006/main" xmlns:r="http://schemas.openxmlformats.org/officeDocument/2006/relationships" xmlns:p="http://schemas.openxmlformats.org/presentationml/2006/main">
   <p:cSld>
     <p:spTree>
@@ -9222,7 +10857,7 @@
 </p:sld>
 </file>
 
-<file path=ppt/slides/slide26.xml><?xml version="1.0" encoding="utf-8"?>
+<file path=ppt/slides/slide34.xml><?xml version="1.0" encoding="utf-8"?>
 <p:sld xmlns:a="http://schemas.openxmlformats.org/drawingml/2006/main" xmlns:r="http://schemas.openxmlformats.org/officeDocument/2006/relationships" xmlns:p="http://schemas.openxmlformats.org/presentationml/2006/main">
   <p:cSld>
     <p:spTree>
@@ -9241,7 +10876,13 @@
       </p:grpSpPr>
       <p:sp>
         <p:nvSpPr>
-          <p:cNvPr id="47106" name="Rectangle 2"/>
+          <p:cNvPr id="29698" name="Title 1">
+            <a:extLst>
+              <a:ext uri="{FF2B5EF4-FFF2-40B4-BE49-F238E27FC236}">
+                <a16:creationId xmlns:a16="http://schemas.microsoft.com/office/drawing/2014/main" id="{748863C9-2114-1C2F-FEDB-722995270941}"/>
+              </a:ext>
+            </a:extLst>
+          </p:cNvPr>
           <p:cNvSpPr>
             <a:spLocks noGrp="1" noChangeArrowheads="1"/>
           </p:cNvSpPr>
@@ -9254,102 +10895,32 @@
           <a:bodyPr/>
           <a:lstStyle/>
           <a:p>
-            <a:pPr eaLnBrk="1" hangingPunct="1"/>
-            <a:r>
-              <a:rPr lang="en-US"/>
-              <a:t>Radiation Example</a:t>
-            </a:r>
-          </a:p>
-        </p:txBody>
-      </p:sp>
-      <p:sp>
-        <p:nvSpPr>
-          <p:cNvPr id="47107" name="Rectangle 3"/>
-          <p:cNvSpPr>
-            <a:spLocks noGrp="1" noChangeArrowheads="1"/>
-          </p:cNvSpPr>
-          <p:nvPr>
-            <p:ph type="body" idx="1"/>
-          </p:nvPr>
-        </p:nvSpPr>
-        <p:spPr>
-          <a:xfrm>
-            <a:off x="457200" y="1600200"/>
-            <a:ext cx="3746500" cy="4525963"/>
-          </a:xfrm>
-        </p:spPr>
-        <p:txBody>
-          <a:bodyPr/>
-          <a:lstStyle/>
-          <a:p>
-            <a:pPr eaLnBrk="1" hangingPunct="1">
-              <a:buFontTx/>
-              <a:buNone/>
-            </a:pPr>
-            <a:r>
-              <a:rPr lang="en-US" sz="2000"/>
-              <a:t>Developed by the Air Force, the so-called "</a:t>
-            </a:r>
-            <a:r>
-              <a:rPr lang="en-US" sz="2000">
-                <a:hlinkClick r:id="rId2"/>
-              </a:rPr>
-              <a:t>Active Denial System</a:t>
-            </a:r>
-            <a:r>
-              <a:rPr lang="en-US" sz="2000"/>
-              <a:t>" (ADS) fires out milimeter waves -- a sort of cousin of microwaves, in the 95 GHz range. The invisible beams penetrate just a 64th of inch beneath the skin. But that's deep enough to heat up the water inside a person. Which is enough to cause excruciating pain. </a:t>
-            </a:r>
-          </a:p>
-        </p:txBody>
-      </p:sp>
-      <p:sp>
-        <p:nvSpPr>
-          <p:cNvPr id="47108" name="Rectangle 4"/>
-          <p:cNvSpPr>
-            <a:spLocks noChangeArrowheads="1"/>
-          </p:cNvSpPr>
-          <p:nvPr/>
-        </p:nvSpPr>
-        <p:spPr bwMode="auto">
-          <a:xfrm>
-            <a:off x="1749425" y="5595938"/>
-            <a:ext cx="5187950" cy="366712"/>
-          </a:xfrm>
-          <a:prstGeom prst="rect">
-            <a:avLst/>
-          </a:prstGeom>
-          <a:noFill/>
-          <a:ln w="9525" algn="ctr">
-            <a:noFill/>
-            <a:miter lim="800000"/>
-            <a:headEnd/>
-            <a:tailEnd/>
-          </a:ln>
-        </p:spPr>
-        <p:txBody>
-          <a:bodyPr wrap="none">
-            <a:spAutoFit/>
-          </a:bodyPr>
-          <a:lstStyle/>
-          <a:p>
-            <a:r>
-              <a:rPr lang="en-US"/>
-              <a:t>http://www.defensetech.org/archives/002035.html</a:t>
-            </a:r>
+            <a:endParaRPr lang="en-US" altLang="en-US"/>
           </a:p>
         </p:txBody>
       </p:sp>
       <p:pic>
         <p:nvPicPr>
-          <p:cNvPr id="47109" name="Picture 5" descr="active_denial_system"/>
+          <p:cNvPr id="29699" name="Picture 5">
+            <a:extLst>
+              <a:ext uri="{FF2B5EF4-FFF2-40B4-BE49-F238E27FC236}">
+                <a16:creationId xmlns:a16="http://schemas.microsoft.com/office/drawing/2014/main" id="{E0BADB7D-118E-ACA9-3462-C86F87389C5D}"/>
+              </a:ext>
+            </a:extLst>
+          </p:cNvPr>
           <p:cNvPicPr>
             <a:picLocks noChangeAspect="1" noChangeArrowheads="1"/>
           </p:cNvPicPr>
           <p:nvPr/>
         </p:nvPicPr>
         <p:blipFill>
-          <a:blip r:embed="rId3" cstate="print"/>
+          <a:blip r:embed="rId2">
+            <a:extLst>
+              <a:ext uri="{28A0092B-C50C-407E-A947-70E740481C1C}">
+                <a14:useLocalDpi xmlns:a14="http://schemas.microsoft.com/office/drawing/2010/main" val="0"/>
+              </a:ext>
+            </a:extLst>
+          </a:blip>
           <a:srcRect/>
           <a:stretch>
             <a:fillRect/>
@@ -9357,121 +10928,845 @@
         </p:blipFill>
         <p:spPr bwMode="auto">
           <a:xfrm>
-            <a:off x="5400675" y="1681163"/>
-            <a:ext cx="2838450" cy="3267075"/>
+            <a:off x="1954213" y="1770063"/>
+            <a:ext cx="1703387" cy="2525712"/>
           </a:xfrm>
           <a:prstGeom prst="rect">
             <a:avLst/>
           </a:prstGeom>
           <a:noFill/>
-          <a:ln w="9525">
+          <a:ln>
             <a:noFill/>
-            <a:miter lim="800000"/>
+          </a:ln>
+          <a:effectLst/>
+          <a:extLst>
+            <a:ext uri="{909E8E84-426E-40DD-AFC4-6F175D3DCCD1}">
+              <a14:hiddenFill xmlns:a14="http://schemas.microsoft.com/office/drawing/2010/main">
+                <a:solidFill>
+                  <a:schemeClr val="accent1"/>
+                </a:solidFill>
+              </a14:hiddenFill>
+            </a:ext>
+            <a:ext uri="{91240B29-F687-4F45-9708-019B960494DF}">
+              <a14:hiddenLine xmlns:a14="http://schemas.microsoft.com/office/drawing/2010/main" w="9525" algn="ctr">
+                <a:solidFill>
+                  <a:schemeClr val="tx1"/>
+                </a:solidFill>
+                <a:miter lim="800000"/>
+                <a:headEnd/>
+                <a:tailEnd/>
+              </a14:hiddenLine>
+            </a:ext>
+            <a:ext uri="{AF507438-7753-43E0-B8FC-AC1667EBCBE1}">
+              <a14:hiddenEffects xmlns:a14="http://schemas.microsoft.com/office/drawing/2010/main">
+                <a:effectLst>
+                  <a:outerShdw dist="35921" dir="2700000" algn="ctr" rotWithShape="0">
+                    <a:schemeClr val="bg2"/>
+                  </a:outerShdw>
+                </a:effectLst>
+              </a14:hiddenEffects>
+            </a:ext>
+          </a:extLst>
+        </p:spPr>
+      </p:pic>
+      <p:pic>
+        <p:nvPicPr>
+          <p:cNvPr id="29700" name="Picture 2" descr="Bunsen burner by gsagri04">
+            <a:extLst>
+              <a:ext uri="{FF2B5EF4-FFF2-40B4-BE49-F238E27FC236}">
+                <a16:creationId xmlns:a16="http://schemas.microsoft.com/office/drawing/2014/main" id="{D6FB6D9C-B6EA-E0EF-CCE9-D3B708DA3D31}"/>
+              </a:ext>
+            </a:extLst>
+          </p:cNvPr>
+          <p:cNvPicPr>
+            <a:picLocks noChangeAspect="1" noChangeArrowheads="1"/>
+          </p:cNvPicPr>
+          <p:nvPr/>
+        </p:nvPicPr>
+        <p:blipFill>
+          <a:blip r:embed="rId3">
+            <a:extLst>
+              <a:ext uri="{28A0092B-C50C-407E-A947-70E740481C1C}">
+                <a14:useLocalDpi xmlns:a14="http://schemas.microsoft.com/office/drawing/2010/main" val="0"/>
+              </a:ext>
+            </a:extLst>
+          </a:blip>
+          <a:srcRect/>
+          <a:stretch>
+            <a:fillRect/>
+          </a:stretch>
+        </p:blipFill>
+        <p:spPr bwMode="auto">
+          <a:xfrm>
+            <a:off x="2293938" y="4843463"/>
+            <a:ext cx="1363662" cy="1717675"/>
+          </a:xfrm>
+          <a:prstGeom prst="rect">
+            <a:avLst/>
+          </a:prstGeom>
+          <a:noFill/>
+          <a:ln>
+            <a:noFill/>
+          </a:ln>
+          <a:extLst>
+            <a:ext uri="{909E8E84-426E-40DD-AFC4-6F175D3DCCD1}">
+              <a14:hiddenFill xmlns:a14="http://schemas.microsoft.com/office/drawing/2010/main">
+                <a:solidFill>
+                  <a:srgbClr val="FFFFFF"/>
+                </a:solidFill>
+              </a14:hiddenFill>
+            </a:ext>
+            <a:ext uri="{91240B29-F687-4F45-9708-019B960494DF}">
+              <a14:hiddenLine xmlns:a14="http://schemas.microsoft.com/office/drawing/2010/main" w="9525">
+                <a:solidFill>
+                  <a:srgbClr val="000000"/>
+                </a:solidFill>
+                <a:miter lim="800000"/>
+                <a:headEnd/>
+                <a:tailEnd/>
+              </a14:hiddenLine>
+            </a:ext>
+          </a:extLst>
+        </p:spPr>
+      </p:pic>
+      <p:sp>
+        <p:nvSpPr>
+          <p:cNvPr id="29701" name="Down Arrow 6">
+            <a:extLst>
+              <a:ext uri="{FF2B5EF4-FFF2-40B4-BE49-F238E27FC236}">
+                <a16:creationId xmlns:a16="http://schemas.microsoft.com/office/drawing/2014/main" id="{BFB9C00F-3865-1F52-2370-0059B10BA55E}"/>
+              </a:ext>
+            </a:extLst>
+          </p:cNvPr>
+          <p:cNvSpPr>
+            <a:spLocks noChangeArrowheads="1"/>
+          </p:cNvSpPr>
+          <p:nvPr/>
+        </p:nvSpPr>
+        <p:spPr bwMode="auto">
+          <a:xfrm flipV="1">
+            <a:off x="2308225" y="3832225"/>
+            <a:ext cx="957263" cy="855663"/>
+          </a:xfrm>
+          <a:prstGeom prst="downArrow">
+            <a:avLst>
+              <a:gd name="adj1" fmla="val 50000"/>
+              <a:gd name="adj2" fmla="val 50000"/>
+            </a:avLst>
+          </a:prstGeom>
+          <a:gradFill rotWithShape="1">
+            <a:gsLst>
+              <a:gs pos="0">
+                <a:srgbClr val="9E5710"/>
+              </a:gs>
+              <a:gs pos="50000">
+                <a:srgbClr val="E3801C"/>
+              </a:gs>
+              <a:gs pos="100000">
+                <a:srgbClr val="FF9924"/>
+              </a:gs>
+            </a:gsLst>
+            <a:lin ang="16200000" scaled="1"/>
+          </a:gradFill>
+          <a:ln w="9525" algn="ctr">
+            <a:solidFill>
+              <a:schemeClr val="tx1"/>
+            </a:solidFill>
+            <a:round/>
             <a:headEnd/>
             <a:tailEnd/>
           </a:ln>
         </p:spPr>
-      </p:pic>
-    </p:spTree>
-  </p:cSld>
-  <p:clrMapOvr>
-    <a:masterClrMapping/>
-  </p:clrMapOvr>
-</p:sld>
-</file>
-
-<file path=ppt/slides/slide27.xml><?xml version="1.0" encoding="utf-8"?>
-<p:sld xmlns:a="http://schemas.openxmlformats.org/drawingml/2006/main" xmlns:r="http://schemas.openxmlformats.org/officeDocument/2006/relationships" xmlns:p="http://schemas.openxmlformats.org/presentationml/2006/main">
-  <p:cSld>
-    <p:spTree>
-      <p:nvGrpSpPr>
-        <p:cNvPr id="1" name=""/>
-        <p:cNvGrpSpPr/>
-        <p:nvPr/>
-      </p:nvGrpSpPr>
-      <p:grpSpPr>
-        <a:xfrm>
-          <a:off x="0" y="0"/>
-          <a:ext cx="0" cy="0"/>
-          <a:chOff x="0" y="0"/>
-          <a:chExt cx="0" cy="0"/>
-        </a:xfrm>
-      </p:grpSpPr>
-      <p:sp>
-        <p:nvSpPr>
-          <p:cNvPr id="48130" name="Rectangle 2"/>
-          <p:cNvSpPr>
-            <a:spLocks noGrp="1" noChangeArrowheads="1"/>
-          </p:cNvSpPr>
-          <p:nvPr>
-            <p:ph type="title"/>
-          </p:nvPr>
-        </p:nvSpPr>
-        <p:spPr/>
         <p:txBody>
-          <a:bodyPr/>
-          <a:lstStyle/>
-          <a:p>
-            <a:pPr eaLnBrk="1" hangingPunct="1"/>
-            <a:r>
-              <a:rPr lang="en-US"/>
-              <a:t>Global Warming</a:t>
-            </a:r>
+          <a:bodyPr wrap="none" anchor="ctr"/>
+          <a:lstStyle>
+            <a:lvl1pPr>
+              <a:spcBef>
+                <a:spcPct val="20000"/>
+              </a:spcBef>
+              <a:buChar char="•"/>
+              <a:defRPr sz="3200">
+                <a:solidFill>
+                  <a:schemeClr val="tx1"/>
+                </a:solidFill>
+                <a:latin typeface="Arial" panose="020B0604020202020204" pitchFamily="34" charset="0"/>
+              </a:defRPr>
+            </a:lvl1pPr>
+            <a:lvl2pPr marL="742950" indent="-285750">
+              <a:spcBef>
+                <a:spcPct val="20000"/>
+              </a:spcBef>
+              <a:buChar char="–"/>
+              <a:defRPr sz="2800">
+                <a:solidFill>
+                  <a:schemeClr val="tx1"/>
+                </a:solidFill>
+                <a:latin typeface="Arial" panose="020B0604020202020204" pitchFamily="34" charset="0"/>
+              </a:defRPr>
+            </a:lvl2pPr>
+            <a:lvl3pPr marL="1143000" indent="-228600">
+              <a:spcBef>
+                <a:spcPct val="20000"/>
+              </a:spcBef>
+              <a:buChar char="•"/>
+              <a:defRPr sz="2400">
+                <a:solidFill>
+                  <a:schemeClr val="tx1"/>
+                </a:solidFill>
+                <a:latin typeface="Arial" panose="020B0604020202020204" pitchFamily="34" charset="0"/>
+              </a:defRPr>
+            </a:lvl3pPr>
+            <a:lvl4pPr marL="1600200" indent="-228600">
+              <a:spcBef>
+                <a:spcPct val="20000"/>
+              </a:spcBef>
+              <a:buChar char="–"/>
+              <a:defRPr sz="2000">
+                <a:solidFill>
+                  <a:schemeClr val="tx1"/>
+                </a:solidFill>
+                <a:latin typeface="Arial" panose="020B0604020202020204" pitchFamily="34" charset="0"/>
+              </a:defRPr>
+            </a:lvl4pPr>
+            <a:lvl5pPr marL="2057400" indent="-228600">
+              <a:spcBef>
+                <a:spcPct val="20000"/>
+              </a:spcBef>
+              <a:buChar char="»"/>
+              <a:defRPr sz="2000">
+                <a:solidFill>
+                  <a:schemeClr val="tx1"/>
+                </a:solidFill>
+                <a:latin typeface="Arial" panose="020B0604020202020204" pitchFamily="34" charset="0"/>
+              </a:defRPr>
+            </a:lvl5pPr>
+            <a:lvl6pPr marL="2514600" indent="-228600" eaLnBrk="0" fontAlgn="base" hangingPunct="0">
+              <a:spcBef>
+                <a:spcPct val="20000"/>
+              </a:spcBef>
+              <a:spcAft>
+                <a:spcPct val="0"/>
+              </a:spcAft>
+              <a:buChar char="»"/>
+              <a:defRPr sz="2000">
+                <a:solidFill>
+                  <a:schemeClr val="tx1"/>
+                </a:solidFill>
+                <a:latin typeface="Arial" panose="020B0604020202020204" pitchFamily="34" charset="0"/>
+              </a:defRPr>
+            </a:lvl6pPr>
+            <a:lvl7pPr marL="2971800" indent="-228600" eaLnBrk="0" fontAlgn="base" hangingPunct="0">
+              <a:spcBef>
+                <a:spcPct val="20000"/>
+              </a:spcBef>
+              <a:spcAft>
+                <a:spcPct val="0"/>
+              </a:spcAft>
+              <a:buChar char="»"/>
+              <a:defRPr sz="2000">
+                <a:solidFill>
+                  <a:schemeClr val="tx1"/>
+                </a:solidFill>
+                <a:latin typeface="Arial" panose="020B0604020202020204" pitchFamily="34" charset="0"/>
+              </a:defRPr>
+            </a:lvl7pPr>
+            <a:lvl8pPr marL="3429000" indent="-228600" eaLnBrk="0" fontAlgn="base" hangingPunct="0">
+              <a:spcBef>
+                <a:spcPct val="20000"/>
+              </a:spcBef>
+              <a:spcAft>
+                <a:spcPct val="0"/>
+              </a:spcAft>
+              <a:buChar char="»"/>
+              <a:defRPr sz="2000">
+                <a:solidFill>
+                  <a:schemeClr val="tx1"/>
+                </a:solidFill>
+                <a:latin typeface="Arial" panose="020B0604020202020204" pitchFamily="34" charset="0"/>
+              </a:defRPr>
+            </a:lvl8pPr>
+            <a:lvl9pPr marL="3886200" indent="-228600" eaLnBrk="0" fontAlgn="base" hangingPunct="0">
+              <a:spcBef>
+                <a:spcPct val="20000"/>
+              </a:spcBef>
+              <a:spcAft>
+                <a:spcPct val="0"/>
+              </a:spcAft>
+              <a:buChar char="»"/>
+              <a:defRPr sz="2000">
+                <a:solidFill>
+                  <a:schemeClr val="tx1"/>
+                </a:solidFill>
+                <a:latin typeface="Arial" panose="020B0604020202020204" pitchFamily="34" charset="0"/>
+              </a:defRPr>
+            </a:lvl9pPr>
+          </a:lstStyle>
+          <a:p>
+            <a:pPr algn="ctr" eaLnBrk="1" hangingPunct="1">
+              <a:spcBef>
+                <a:spcPct val="0"/>
+              </a:spcBef>
+              <a:buFontTx/>
+              <a:buNone/>
+            </a:pPr>
+            <a:endParaRPr lang="en-US" altLang="en-US" sz="1800"/>
           </a:p>
         </p:txBody>
       </p:sp>
       <p:sp>
         <p:nvSpPr>
-          <p:cNvPr id="48131" name="Rectangle 3"/>
-          <p:cNvSpPr>
-            <a:spLocks noGrp="1" noChangeArrowheads="1"/>
+          <p:cNvPr id="29702" name="TextBox 7">
+            <a:extLst>
+              <a:ext uri="{FF2B5EF4-FFF2-40B4-BE49-F238E27FC236}">
+                <a16:creationId xmlns:a16="http://schemas.microsoft.com/office/drawing/2014/main" id="{21955B6F-89F9-561B-F500-7331EDC9AA97}"/>
+              </a:ext>
+            </a:extLst>
+          </p:cNvPr>
+          <p:cNvSpPr txBox="1">
+            <a:spLocks noChangeArrowheads="1"/>
           </p:cNvSpPr>
-          <p:nvPr>
-            <p:ph type="body" idx="1"/>
-          </p:nvPr>
+          <p:nvPr/>
         </p:nvSpPr>
-        <p:spPr>
+        <p:spPr bwMode="auto">
           <a:xfrm>
-            <a:off x="442913" y="1339850"/>
-            <a:ext cx="8229600" cy="4525963"/>
+            <a:off x="2978150" y="4427538"/>
+            <a:ext cx="2276475" cy="584200"/>
           </a:xfrm>
+          <a:prstGeom prst="rect">
+            <a:avLst/>
+          </a:prstGeom>
+          <a:noFill/>
+          <a:ln>
+            <a:noFill/>
+          </a:ln>
+          <a:extLst>
+            <a:ext uri="{909E8E84-426E-40DD-AFC4-6F175D3DCCD1}">
+              <a14:hiddenFill xmlns:a14="http://schemas.microsoft.com/office/drawing/2010/main">
+                <a:solidFill>
+                  <a:srgbClr val="FFFFFF"/>
+                </a:solidFill>
+              </a14:hiddenFill>
+            </a:ext>
+            <a:ext uri="{91240B29-F687-4F45-9708-019B960494DF}">
+              <a14:hiddenLine xmlns:a14="http://schemas.microsoft.com/office/drawing/2010/main" w="9525">
+                <a:solidFill>
+                  <a:srgbClr val="000000"/>
+                </a:solidFill>
+                <a:miter lim="800000"/>
+                <a:headEnd/>
+                <a:tailEnd/>
+              </a14:hiddenLine>
+            </a:ext>
+          </a:extLst>
         </p:spPr>
         <p:txBody>
-          <a:bodyPr/>
-          <a:lstStyle/>
-          <a:p>
-            <a:pPr eaLnBrk="1" hangingPunct="1"/>
-            <a:r>
-              <a:rPr lang="en-US" sz="2800"/>
-              <a:t>Greenhouse example</a:t>
-            </a:r>
-          </a:p>
-          <a:p>
-            <a:pPr lvl="1" eaLnBrk="1" hangingPunct="1"/>
-            <a:r>
-              <a:rPr lang="en-US" sz="2400"/>
-              <a:t>Visible light is absorbed and re-emitted as infrared radiation</a:t>
-            </a:r>
-          </a:p>
-          <a:p>
-            <a:pPr lvl="1" eaLnBrk="1" hangingPunct="1"/>
-            <a:r>
-              <a:rPr lang="en-US" sz="2400"/>
-              <a:t>Convection currents are inhibited by the glass</a:t>
-            </a:r>
-          </a:p>
-          <a:p>
-            <a:pPr eaLnBrk="1" hangingPunct="1"/>
-            <a:r>
-              <a:rPr lang="en-US" sz="2800"/>
-              <a:t>Earth’s atmosphere is also a good transmitter of visible light and a good absorber of infrared radiation</a:t>
-            </a:r>
-          </a:p>
-          <a:p>
-            <a:pPr eaLnBrk="1" hangingPunct="1"/>
-            <a:r>
-              <a:rPr lang="en-US" sz="2800"/>
-              <a:t>The Earth’s radiation budget (whether we have a positive or negative amount of energy transfer is hotly debated</a:t>
+          <a:bodyPr>
+            <a:spAutoFit/>
+          </a:bodyPr>
+          <a:lstStyle>
+            <a:lvl1pPr>
+              <a:spcBef>
+                <a:spcPct val="20000"/>
+              </a:spcBef>
+              <a:buChar char="•"/>
+              <a:defRPr sz="3200">
+                <a:solidFill>
+                  <a:schemeClr val="tx1"/>
+                </a:solidFill>
+                <a:latin typeface="Arial" panose="020B0604020202020204" pitchFamily="34" charset="0"/>
+              </a:defRPr>
+            </a:lvl1pPr>
+            <a:lvl2pPr marL="742950" indent="-285750">
+              <a:spcBef>
+                <a:spcPct val="20000"/>
+              </a:spcBef>
+              <a:buChar char="–"/>
+              <a:defRPr sz="2800">
+                <a:solidFill>
+                  <a:schemeClr val="tx1"/>
+                </a:solidFill>
+                <a:latin typeface="Arial" panose="020B0604020202020204" pitchFamily="34" charset="0"/>
+              </a:defRPr>
+            </a:lvl2pPr>
+            <a:lvl3pPr marL="1143000" indent="-228600">
+              <a:spcBef>
+                <a:spcPct val="20000"/>
+              </a:spcBef>
+              <a:buChar char="•"/>
+              <a:defRPr sz="2400">
+                <a:solidFill>
+                  <a:schemeClr val="tx1"/>
+                </a:solidFill>
+                <a:latin typeface="Arial" panose="020B0604020202020204" pitchFamily="34" charset="0"/>
+              </a:defRPr>
+            </a:lvl3pPr>
+            <a:lvl4pPr marL="1600200" indent="-228600">
+              <a:spcBef>
+                <a:spcPct val="20000"/>
+              </a:spcBef>
+              <a:buChar char="–"/>
+              <a:defRPr sz="2000">
+                <a:solidFill>
+                  <a:schemeClr val="tx1"/>
+                </a:solidFill>
+                <a:latin typeface="Arial" panose="020B0604020202020204" pitchFamily="34" charset="0"/>
+              </a:defRPr>
+            </a:lvl4pPr>
+            <a:lvl5pPr marL="2057400" indent="-228600">
+              <a:spcBef>
+                <a:spcPct val="20000"/>
+              </a:spcBef>
+              <a:buChar char="»"/>
+              <a:defRPr sz="2000">
+                <a:solidFill>
+                  <a:schemeClr val="tx1"/>
+                </a:solidFill>
+                <a:latin typeface="Arial" panose="020B0604020202020204" pitchFamily="34" charset="0"/>
+              </a:defRPr>
+            </a:lvl5pPr>
+            <a:lvl6pPr marL="2514600" indent="-228600" eaLnBrk="0" fontAlgn="base" hangingPunct="0">
+              <a:spcBef>
+                <a:spcPct val="20000"/>
+              </a:spcBef>
+              <a:spcAft>
+                <a:spcPct val="0"/>
+              </a:spcAft>
+              <a:buChar char="»"/>
+              <a:defRPr sz="2000">
+                <a:solidFill>
+                  <a:schemeClr val="tx1"/>
+                </a:solidFill>
+                <a:latin typeface="Arial" panose="020B0604020202020204" pitchFamily="34" charset="0"/>
+              </a:defRPr>
+            </a:lvl6pPr>
+            <a:lvl7pPr marL="2971800" indent="-228600" eaLnBrk="0" fontAlgn="base" hangingPunct="0">
+              <a:spcBef>
+                <a:spcPct val="20000"/>
+              </a:spcBef>
+              <a:spcAft>
+                <a:spcPct val="0"/>
+              </a:spcAft>
+              <a:buChar char="»"/>
+              <a:defRPr sz="2000">
+                <a:solidFill>
+                  <a:schemeClr val="tx1"/>
+                </a:solidFill>
+                <a:latin typeface="Arial" panose="020B0604020202020204" pitchFamily="34" charset="0"/>
+              </a:defRPr>
+            </a:lvl7pPr>
+            <a:lvl8pPr marL="3429000" indent="-228600" eaLnBrk="0" fontAlgn="base" hangingPunct="0">
+              <a:spcBef>
+                <a:spcPct val="20000"/>
+              </a:spcBef>
+              <a:spcAft>
+                <a:spcPct val="0"/>
+              </a:spcAft>
+              <a:buChar char="»"/>
+              <a:defRPr sz="2000">
+                <a:solidFill>
+                  <a:schemeClr val="tx1"/>
+                </a:solidFill>
+                <a:latin typeface="Arial" panose="020B0604020202020204" pitchFamily="34" charset="0"/>
+              </a:defRPr>
+            </a:lvl8pPr>
+            <a:lvl9pPr marL="3886200" indent="-228600" eaLnBrk="0" fontAlgn="base" hangingPunct="0">
+              <a:spcBef>
+                <a:spcPct val="20000"/>
+              </a:spcBef>
+              <a:spcAft>
+                <a:spcPct val="0"/>
+              </a:spcAft>
+              <a:buChar char="»"/>
+              <a:defRPr sz="2000">
+                <a:solidFill>
+                  <a:schemeClr val="tx1"/>
+                </a:solidFill>
+                <a:latin typeface="Arial" panose="020B0604020202020204" pitchFamily="34" charset="0"/>
+              </a:defRPr>
+            </a:lvl9pPr>
+          </a:lstStyle>
+          <a:p>
+            <a:pPr algn="ctr" eaLnBrk="1" hangingPunct="1">
+              <a:spcBef>
+                <a:spcPct val="0"/>
+              </a:spcBef>
+              <a:buFontTx/>
+              <a:buNone/>
+            </a:pPr>
+            <a:r>
+              <a:rPr lang="en-US" altLang="en-US"/>
+              <a:t>Q positive</a:t>
+            </a:r>
+          </a:p>
+        </p:txBody>
+      </p:sp>
+      <p:sp>
+        <p:nvSpPr>
+          <p:cNvPr id="29703" name="Down Arrow 9">
+            <a:extLst>
+              <a:ext uri="{FF2B5EF4-FFF2-40B4-BE49-F238E27FC236}">
+                <a16:creationId xmlns:a16="http://schemas.microsoft.com/office/drawing/2014/main" id="{5D725AD3-70E6-D708-9F2E-2EFF59F55AAF}"/>
+              </a:ext>
+            </a:extLst>
+          </p:cNvPr>
+          <p:cNvSpPr>
+            <a:spLocks noChangeArrowheads="1"/>
+          </p:cNvSpPr>
+          <p:nvPr/>
+        </p:nvSpPr>
+        <p:spPr bwMode="auto">
+          <a:xfrm rot="5400000" flipV="1">
+            <a:off x="3331368" y="2793207"/>
+            <a:ext cx="957263" cy="857250"/>
+          </a:xfrm>
+          <a:prstGeom prst="downArrow">
+            <a:avLst>
+              <a:gd name="adj1" fmla="val 50000"/>
+              <a:gd name="adj2" fmla="val 50000"/>
+            </a:avLst>
+          </a:prstGeom>
+          <a:gradFill rotWithShape="1">
+            <a:gsLst>
+              <a:gs pos="0">
+                <a:srgbClr val="9E5710"/>
+              </a:gs>
+              <a:gs pos="50000">
+                <a:srgbClr val="E3801C"/>
+              </a:gs>
+              <a:gs pos="100000">
+                <a:srgbClr val="FF9924"/>
+              </a:gs>
+            </a:gsLst>
+            <a:lin ang="16200000" scaled="1"/>
+          </a:gradFill>
+          <a:ln w="9525" algn="ctr">
+            <a:solidFill>
+              <a:schemeClr val="tx1"/>
+            </a:solidFill>
+            <a:round/>
+            <a:headEnd/>
+            <a:tailEnd/>
+          </a:ln>
+        </p:spPr>
+        <p:txBody>
+          <a:bodyPr wrap="none" anchor="ctr"/>
+          <a:lstStyle>
+            <a:lvl1pPr>
+              <a:spcBef>
+                <a:spcPct val="20000"/>
+              </a:spcBef>
+              <a:buChar char="•"/>
+              <a:defRPr sz="3200">
+                <a:solidFill>
+                  <a:schemeClr val="tx1"/>
+                </a:solidFill>
+                <a:latin typeface="Arial" panose="020B0604020202020204" pitchFamily="34" charset="0"/>
+              </a:defRPr>
+            </a:lvl1pPr>
+            <a:lvl2pPr marL="742950" indent="-285750">
+              <a:spcBef>
+                <a:spcPct val="20000"/>
+              </a:spcBef>
+              <a:buChar char="–"/>
+              <a:defRPr sz="2800">
+                <a:solidFill>
+                  <a:schemeClr val="tx1"/>
+                </a:solidFill>
+                <a:latin typeface="Arial" panose="020B0604020202020204" pitchFamily="34" charset="0"/>
+              </a:defRPr>
+            </a:lvl2pPr>
+            <a:lvl3pPr marL="1143000" indent="-228600">
+              <a:spcBef>
+                <a:spcPct val="20000"/>
+              </a:spcBef>
+              <a:buChar char="•"/>
+              <a:defRPr sz="2400">
+                <a:solidFill>
+                  <a:schemeClr val="tx1"/>
+                </a:solidFill>
+                <a:latin typeface="Arial" panose="020B0604020202020204" pitchFamily="34" charset="0"/>
+              </a:defRPr>
+            </a:lvl3pPr>
+            <a:lvl4pPr marL="1600200" indent="-228600">
+              <a:spcBef>
+                <a:spcPct val="20000"/>
+              </a:spcBef>
+              <a:buChar char="–"/>
+              <a:defRPr sz="2000">
+                <a:solidFill>
+                  <a:schemeClr val="tx1"/>
+                </a:solidFill>
+                <a:latin typeface="Arial" panose="020B0604020202020204" pitchFamily="34" charset="0"/>
+              </a:defRPr>
+            </a:lvl4pPr>
+            <a:lvl5pPr marL="2057400" indent="-228600">
+              <a:spcBef>
+                <a:spcPct val="20000"/>
+              </a:spcBef>
+              <a:buChar char="»"/>
+              <a:defRPr sz="2000">
+                <a:solidFill>
+                  <a:schemeClr val="tx1"/>
+                </a:solidFill>
+                <a:latin typeface="Arial" panose="020B0604020202020204" pitchFamily="34" charset="0"/>
+              </a:defRPr>
+            </a:lvl5pPr>
+            <a:lvl6pPr marL="2514600" indent="-228600" eaLnBrk="0" fontAlgn="base" hangingPunct="0">
+              <a:spcBef>
+                <a:spcPct val="20000"/>
+              </a:spcBef>
+              <a:spcAft>
+                <a:spcPct val="0"/>
+              </a:spcAft>
+              <a:buChar char="»"/>
+              <a:defRPr sz="2000">
+                <a:solidFill>
+                  <a:schemeClr val="tx1"/>
+                </a:solidFill>
+                <a:latin typeface="Arial" panose="020B0604020202020204" pitchFamily="34" charset="0"/>
+              </a:defRPr>
+            </a:lvl6pPr>
+            <a:lvl7pPr marL="2971800" indent="-228600" eaLnBrk="0" fontAlgn="base" hangingPunct="0">
+              <a:spcBef>
+                <a:spcPct val="20000"/>
+              </a:spcBef>
+              <a:spcAft>
+                <a:spcPct val="0"/>
+              </a:spcAft>
+              <a:buChar char="»"/>
+              <a:defRPr sz="2000">
+                <a:solidFill>
+                  <a:schemeClr val="tx1"/>
+                </a:solidFill>
+                <a:latin typeface="Arial" panose="020B0604020202020204" pitchFamily="34" charset="0"/>
+              </a:defRPr>
+            </a:lvl7pPr>
+            <a:lvl8pPr marL="3429000" indent="-228600" eaLnBrk="0" fontAlgn="base" hangingPunct="0">
+              <a:spcBef>
+                <a:spcPct val="20000"/>
+              </a:spcBef>
+              <a:spcAft>
+                <a:spcPct val="0"/>
+              </a:spcAft>
+              <a:buChar char="»"/>
+              <a:defRPr sz="2000">
+                <a:solidFill>
+                  <a:schemeClr val="tx1"/>
+                </a:solidFill>
+                <a:latin typeface="Arial" panose="020B0604020202020204" pitchFamily="34" charset="0"/>
+              </a:defRPr>
+            </a:lvl8pPr>
+            <a:lvl9pPr marL="3886200" indent="-228600" eaLnBrk="0" fontAlgn="base" hangingPunct="0">
+              <a:spcBef>
+                <a:spcPct val="20000"/>
+              </a:spcBef>
+              <a:spcAft>
+                <a:spcPct val="0"/>
+              </a:spcAft>
+              <a:buChar char="»"/>
+              <a:defRPr sz="2000">
+                <a:solidFill>
+                  <a:schemeClr val="tx1"/>
+                </a:solidFill>
+                <a:latin typeface="Arial" panose="020B0604020202020204" pitchFamily="34" charset="0"/>
+              </a:defRPr>
+            </a:lvl9pPr>
+          </a:lstStyle>
+          <a:p>
+            <a:pPr algn="ctr" eaLnBrk="1" hangingPunct="1">
+              <a:spcBef>
+                <a:spcPct val="0"/>
+              </a:spcBef>
+              <a:buFontTx/>
+              <a:buNone/>
+            </a:pPr>
+            <a:endParaRPr lang="en-US" altLang="en-US" sz="1800"/>
+          </a:p>
+        </p:txBody>
+      </p:sp>
+      <p:sp>
+        <p:nvSpPr>
+          <p:cNvPr id="29704" name="TextBox 10">
+            <a:extLst>
+              <a:ext uri="{FF2B5EF4-FFF2-40B4-BE49-F238E27FC236}">
+                <a16:creationId xmlns:a16="http://schemas.microsoft.com/office/drawing/2014/main" id="{4394090C-335E-4B99-F7F4-9775A50CB1E1}"/>
+              </a:ext>
+            </a:extLst>
+          </p:cNvPr>
+          <p:cNvSpPr txBox="1">
+            <a:spLocks noChangeArrowheads="1"/>
+          </p:cNvSpPr>
+          <p:nvPr/>
+        </p:nvSpPr>
+        <p:spPr bwMode="auto">
+          <a:xfrm>
+            <a:off x="4349750" y="2954338"/>
+            <a:ext cx="2276475" cy="584200"/>
+          </a:xfrm>
+          <a:prstGeom prst="rect">
+            <a:avLst/>
+          </a:prstGeom>
+          <a:noFill/>
+          <a:ln>
+            <a:noFill/>
+          </a:ln>
+          <a:extLst>
+            <a:ext uri="{909E8E84-426E-40DD-AFC4-6F175D3DCCD1}">
+              <a14:hiddenFill xmlns:a14="http://schemas.microsoft.com/office/drawing/2010/main">
+                <a:solidFill>
+                  <a:srgbClr val="FFFFFF"/>
+                </a:solidFill>
+              </a14:hiddenFill>
+            </a:ext>
+            <a:ext uri="{91240B29-F687-4F45-9708-019B960494DF}">
+              <a14:hiddenLine xmlns:a14="http://schemas.microsoft.com/office/drawing/2010/main" w="9525">
+                <a:solidFill>
+                  <a:srgbClr val="000000"/>
+                </a:solidFill>
+                <a:miter lim="800000"/>
+                <a:headEnd/>
+                <a:tailEnd/>
+              </a14:hiddenLine>
+            </a:ext>
+          </a:extLst>
+        </p:spPr>
+        <p:txBody>
+          <a:bodyPr>
+            <a:spAutoFit/>
+          </a:bodyPr>
+          <a:lstStyle>
+            <a:lvl1pPr>
+              <a:spcBef>
+                <a:spcPct val="20000"/>
+              </a:spcBef>
+              <a:buChar char="•"/>
+              <a:defRPr sz="3200">
+                <a:solidFill>
+                  <a:schemeClr val="tx1"/>
+                </a:solidFill>
+                <a:latin typeface="Arial" panose="020B0604020202020204" pitchFamily="34" charset="0"/>
+              </a:defRPr>
+            </a:lvl1pPr>
+            <a:lvl2pPr marL="742950" indent="-285750">
+              <a:spcBef>
+                <a:spcPct val="20000"/>
+              </a:spcBef>
+              <a:buChar char="–"/>
+              <a:defRPr sz="2800">
+                <a:solidFill>
+                  <a:schemeClr val="tx1"/>
+                </a:solidFill>
+                <a:latin typeface="Arial" panose="020B0604020202020204" pitchFamily="34" charset="0"/>
+              </a:defRPr>
+            </a:lvl2pPr>
+            <a:lvl3pPr marL="1143000" indent="-228600">
+              <a:spcBef>
+                <a:spcPct val="20000"/>
+              </a:spcBef>
+              <a:buChar char="•"/>
+              <a:defRPr sz="2400">
+                <a:solidFill>
+                  <a:schemeClr val="tx1"/>
+                </a:solidFill>
+                <a:latin typeface="Arial" panose="020B0604020202020204" pitchFamily="34" charset="0"/>
+              </a:defRPr>
+            </a:lvl3pPr>
+            <a:lvl4pPr marL="1600200" indent="-228600">
+              <a:spcBef>
+                <a:spcPct val="20000"/>
+              </a:spcBef>
+              <a:buChar char="–"/>
+              <a:defRPr sz="2000">
+                <a:solidFill>
+                  <a:schemeClr val="tx1"/>
+                </a:solidFill>
+                <a:latin typeface="Arial" panose="020B0604020202020204" pitchFamily="34" charset="0"/>
+              </a:defRPr>
+            </a:lvl4pPr>
+            <a:lvl5pPr marL="2057400" indent="-228600">
+              <a:spcBef>
+                <a:spcPct val="20000"/>
+              </a:spcBef>
+              <a:buChar char="»"/>
+              <a:defRPr sz="2000">
+                <a:solidFill>
+                  <a:schemeClr val="tx1"/>
+                </a:solidFill>
+                <a:latin typeface="Arial" panose="020B0604020202020204" pitchFamily="34" charset="0"/>
+              </a:defRPr>
+            </a:lvl5pPr>
+            <a:lvl6pPr marL="2514600" indent="-228600" eaLnBrk="0" fontAlgn="base" hangingPunct="0">
+              <a:spcBef>
+                <a:spcPct val="20000"/>
+              </a:spcBef>
+              <a:spcAft>
+                <a:spcPct val="0"/>
+              </a:spcAft>
+              <a:buChar char="»"/>
+              <a:defRPr sz="2000">
+                <a:solidFill>
+                  <a:schemeClr val="tx1"/>
+                </a:solidFill>
+                <a:latin typeface="Arial" panose="020B0604020202020204" pitchFamily="34" charset="0"/>
+              </a:defRPr>
+            </a:lvl6pPr>
+            <a:lvl7pPr marL="2971800" indent="-228600" eaLnBrk="0" fontAlgn="base" hangingPunct="0">
+              <a:spcBef>
+                <a:spcPct val="20000"/>
+              </a:spcBef>
+              <a:spcAft>
+                <a:spcPct val="0"/>
+              </a:spcAft>
+              <a:buChar char="»"/>
+              <a:defRPr sz="2000">
+                <a:solidFill>
+                  <a:schemeClr val="tx1"/>
+                </a:solidFill>
+                <a:latin typeface="Arial" panose="020B0604020202020204" pitchFamily="34" charset="0"/>
+              </a:defRPr>
+            </a:lvl7pPr>
+            <a:lvl8pPr marL="3429000" indent="-228600" eaLnBrk="0" fontAlgn="base" hangingPunct="0">
+              <a:spcBef>
+                <a:spcPct val="20000"/>
+              </a:spcBef>
+              <a:spcAft>
+                <a:spcPct val="0"/>
+              </a:spcAft>
+              <a:buChar char="»"/>
+              <a:defRPr sz="2000">
+                <a:solidFill>
+                  <a:schemeClr val="tx1"/>
+                </a:solidFill>
+                <a:latin typeface="Arial" panose="020B0604020202020204" pitchFamily="34" charset="0"/>
+              </a:defRPr>
+            </a:lvl8pPr>
+            <a:lvl9pPr marL="3886200" indent="-228600" eaLnBrk="0" fontAlgn="base" hangingPunct="0">
+              <a:spcBef>
+                <a:spcPct val="20000"/>
+              </a:spcBef>
+              <a:spcAft>
+                <a:spcPct val="0"/>
+              </a:spcAft>
+              <a:buChar char="»"/>
+              <a:defRPr sz="2000">
+                <a:solidFill>
+                  <a:schemeClr val="tx1"/>
+                </a:solidFill>
+                <a:latin typeface="Arial" panose="020B0604020202020204" pitchFamily="34" charset="0"/>
+              </a:defRPr>
+            </a:lvl9pPr>
+          </a:lstStyle>
+          <a:p>
+            <a:pPr algn="ctr" eaLnBrk="1" hangingPunct="1">
+              <a:spcBef>
+                <a:spcPct val="0"/>
+              </a:spcBef>
+              <a:buFontTx/>
+              <a:buNone/>
+            </a:pPr>
+            <a:r>
+              <a:rPr lang="en-US" altLang="en-US"/>
+              <a:t>Q negative</a:t>
             </a:r>
           </a:p>
         </p:txBody>
@@ -9484,402 +11779,7 @@
 </p:sld>
 </file>
 
-<file path=ppt/slides/slide28.xml><?xml version="1.0" encoding="utf-8"?>
-<p:sld xmlns:a="http://schemas.openxmlformats.org/drawingml/2006/main" xmlns:r="http://schemas.openxmlformats.org/officeDocument/2006/relationships" xmlns:p="http://schemas.openxmlformats.org/presentationml/2006/main">
-  <p:cSld>
-    <p:spTree>
-      <p:nvGrpSpPr>
-        <p:cNvPr id="1" name=""/>
-        <p:cNvGrpSpPr/>
-        <p:nvPr/>
-      </p:nvGrpSpPr>
-      <p:grpSpPr>
-        <a:xfrm>
-          <a:off x="0" y="0"/>
-          <a:ext cx="0" cy="0"/>
-          <a:chOff x="0" y="0"/>
-          <a:chExt cx="0" cy="0"/>
-        </a:xfrm>
-      </p:grpSpPr>
-      <p:sp>
-        <p:nvSpPr>
-          <p:cNvPr id="2" name="Title 1"/>
-          <p:cNvSpPr>
-            <a:spLocks noGrp="1"/>
-          </p:cNvSpPr>
-          <p:nvPr>
-            <p:ph type="title"/>
-          </p:nvPr>
-        </p:nvSpPr>
-        <p:spPr/>
-        <p:txBody>
-          <a:bodyPr/>
-          <a:lstStyle/>
-          <a:p>
-            <a:r>
-              <a:rPr lang="en-US" dirty="0"/>
-              <a:t>Question 123.13.5</a:t>
-            </a:r>
-          </a:p>
-        </p:txBody>
-      </p:sp>
-      <p:sp>
-        <p:nvSpPr>
-          <p:cNvPr id="3" name="Content Placeholder 2"/>
-          <p:cNvSpPr>
-            <a:spLocks noGrp="1"/>
-          </p:cNvSpPr>
-          <p:nvPr>
-            <p:ph idx="1"/>
-          </p:nvPr>
-        </p:nvSpPr>
-        <p:spPr>
-          <a:xfrm>
-            <a:off x="174172" y="1280886"/>
-            <a:ext cx="5080000" cy="4525963"/>
-          </a:xfrm>
-        </p:spPr>
-        <p:txBody>
-          <a:bodyPr/>
-          <a:lstStyle/>
-          <a:p>
-            <a:pPr>
-              <a:buNone/>
-            </a:pPr>
-            <a:r>
-              <a:rPr lang="en-US" sz="2000" dirty="0"/>
-              <a:t>You go outside on a cold spring morning in Rexburg. You see a leaf in the snow</a:t>
-            </a:r>
-          </a:p>
-          <a:p>
-            <a:pPr>
-              <a:buNone/>
-            </a:pPr>
-            <a:r>
-              <a:rPr lang="en-US" sz="2000" dirty="0"/>
-              <a:t>The leaf seems to have sunk in the snow. What is the most likely reason for this?</a:t>
-            </a:r>
-          </a:p>
-          <a:p>
-            <a:pPr marL="457200" indent="-457200">
-              <a:buFont typeface="+mj-lt"/>
-              <a:buAutoNum type="alphaLcParenR"/>
-            </a:pPr>
-            <a:r>
-              <a:rPr lang="en-US" sz="2000" dirty="0"/>
-              <a:t>The leaf is very massive so the force of gravity pulls it through the snow</a:t>
-            </a:r>
-          </a:p>
-          <a:p>
-            <a:pPr marL="457200" indent="-457200">
-              <a:buFont typeface="+mj-lt"/>
-              <a:buAutoNum type="alphaLcParenR"/>
-            </a:pPr>
-            <a:r>
-              <a:rPr lang="en-US" sz="2000" dirty="0"/>
-              <a:t>The leaf has a different emissivity than the snow, so it absorbs more radiation from the sun, the temperature of the leaf rises and it melts the snow around it.</a:t>
-            </a:r>
-          </a:p>
-          <a:p>
-            <a:pPr marL="457200" indent="-457200">
-              <a:buFont typeface="+mj-lt"/>
-              <a:buAutoNum type="alphaLcParenR"/>
-            </a:pPr>
-            <a:r>
-              <a:rPr lang="en-US" sz="2000" dirty="0"/>
-              <a:t>There was a very carful dog that stepped on the leaf, smashing it into the snow.</a:t>
-            </a:r>
-          </a:p>
-        </p:txBody>
-      </p:sp>
-      <p:sp>
-        <p:nvSpPr>
-          <p:cNvPr id="4" name="Slide Number Placeholder 3"/>
-          <p:cNvSpPr>
-            <a:spLocks noGrp="1"/>
-          </p:cNvSpPr>
-          <p:nvPr>
-            <p:ph type="sldNum" sz="quarter" idx="12"/>
-          </p:nvPr>
-        </p:nvSpPr>
-        <p:spPr/>
-        <p:txBody>
-          <a:bodyPr/>
-          <a:lstStyle/>
-          <a:p>
-            <a:pPr>
-              <a:defRPr/>
-            </a:pPr>
-            <a:fld id="{4E87D1FB-7ED3-4D53-B026-4508F19EE3B8}" type="slidenum">
-              <a:rPr lang="en-US" smtClean="0"/>
-              <a:pPr>
-                <a:defRPr/>
-              </a:pPr>
-              <a:t>28</a:t>
-            </a:fld>
-            <a:endParaRPr lang="en-US"/>
-          </a:p>
-        </p:txBody>
-      </p:sp>
-      <p:pic>
-        <p:nvPicPr>
-          <p:cNvPr id="512002" name="Picture 2" descr="c:\Users\rtlines\Pictures\Leaf in Snow\100_8557.JPG"/>
-          <p:cNvPicPr>
-            <a:picLocks noChangeAspect="1" noChangeArrowheads="1"/>
-          </p:cNvPicPr>
-          <p:nvPr/>
-        </p:nvPicPr>
-        <p:blipFill>
-          <a:blip r:embed="rId2" cstate="print"/>
-          <a:srcRect l="33275" r="23791" b="22173"/>
-          <a:stretch>
-            <a:fillRect/>
-          </a:stretch>
-        </p:blipFill>
-        <p:spPr bwMode="auto">
-          <a:xfrm>
-            <a:off x="5152572" y="1394052"/>
-            <a:ext cx="3686628" cy="4455205"/>
-          </a:xfrm>
-          <a:prstGeom prst="rect">
-            <a:avLst/>
-          </a:prstGeom>
-          <a:noFill/>
-        </p:spPr>
-      </p:pic>
-    </p:spTree>
-    <p:extLst>
-      <p:ext uri="{BB962C8B-B14F-4D97-AF65-F5344CB8AC3E}">
-        <p14:creationId xmlns:p14="http://schemas.microsoft.com/office/powerpoint/2010/main" val="3526645629"/>
-      </p:ext>
-    </p:extLst>
-  </p:cSld>
-  <p:clrMapOvr>
-    <a:masterClrMapping/>
-  </p:clrMapOvr>
-</p:sld>
-</file>
-
-<file path=ppt/slides/slide29.xml><?xml version="1.0" encoding="utf-8"?>
-<p:sld xmlns:a="http://schemas.openxmlformats.org/drawingml/2006/main" xmlns:r="http://schemas.openxmlformats.org/officeDocument/2006/relationships" xmlns:p="http://schemas.openxmlformats.org/presentationml/2006/main">
-  <p:cSld>
-    <p:spTree>
-      <p:nvGrpSpPr>
-        <p:cNvPr id="1" name=""/>
-        <p:cNvGrpSpPr/>
-        <p:nvPr/>
-      </p:nvGrpSpPr>
-      <p:grpSpPr>
-        <a:xfrm>
-          <a:off x="0" y="0"/>
-          <a:ext cx="0" cy="0"/>
-          <a:chOff x="0" y="0"/>
-          <a:chExt cx="0" cy="0"/>
-        </a:xfrm>
-      </p:grpSpPr>
-      <p:sp>
-        <p:nvSpPr>
-          <p:cNvPr id="2" name="Title 1"/>
-          <p:cNvSpPr>
-            <a:spLocks noGrp="1"/>
-          </p:cNvSpPr>
-          <p:nvPr>
-            <p:ph type="title"/>
-          </p:nvPr>
-        </p:nvSpPr>
-        <p:spPr/>
-        <p:txBody>
-          <a:bodyPr/>
-          <a:lstStyle/>
-          <a:p>
-            <a:endParaRPr lang="en-US"/>
-          </a:p>
-        </p:txBody>
-      </p:sp>
-      <p:sp>
-        <p:nvSpPr>
-          <p:cNvPr id="3" name="Content Placeholder 2"/>
-          <p:cNvSpPr>
-            <a:spLocks noGrp="1"/>
-          </p:cNvSpPr>
-          <p:nvPr>
-            <p:ph idx="1"/>
-          </p:nvPr>
-        </p:nvSpPr>
-        <p:spPr/>
-        <p:txBody>
-          <a:bodyPr/>
-          <a:lstStyle/>
-          <a:p>
-            <a:endParaRPr lang="en-US" dirty="0"/>
-          </a:p>
-        </p:txBody>
-      </p:sp>
-      <p:pic>
-        <p:nvPicPr>
-          <p:cNvPr id="4" name="Picture 2" descr="c:\Users\rtlines\Pictures\Leaf in Snow\100_8557.JPG"/>
-          <p:cNvPicPr>
-            <a:picLocks noChangeAspect="1" noChangeArrowheads="1"/>
-          </p:cNvPicPr>
-          <p:nvPr/>
-        </p:nvPicPr>
-        <p:blipFill>
-          <a:blip r:embed="rId2" cstate="print"/>
-          <a:srcRect l="33275" t="3879" r="23791" b="22173"/>
-          <a:stretch>
-            <a:fillRect/>
-          </a:stretch>
-        </p:blipFill>
-        <p:spPr bwMode="auto">
-          <a:xfrm>
-            <a:off x="1143000" y="0"/>
-            <a:ext cx="5972563" cy="6858000"/>
-          </a:xfrm>
-          <a:prstGeom prst="rect">
-            <a:avLst/>
-          </a:prstGeom>
-          <a:noFill/>
-        </p:spPr>
-      </p:pic>
-    </p:spTree>
-  </p:cSld>
-  <p:clrMapOvr>
-    <a:masterClrMapping/>
-  </p:clrMapOvr>
-</p:sld>
-</file>
-
-<file path=ppt/slides/slide3.xml><?xml version="1.0" encoding="utf-8"?>
-<p:sld xmlns:a="http://schemas.openxmlformats.org/drawingml/2006/main" xmlns:r="http://schemas.openxmlformats.org/officeDocument/2006/relationships" xmlns:p="http://schemas.openxmlformats.org/presentationml/2006/main">
-  <p:cSld>
-    <p:spTree>
-      <p:nvGrpSpPr>
-        <p:cNvPr id="1" name=""/>
-        <p:cNvGrpSpPr/>
-        <p:nvPr/>
-      </p:nvGrpSpPr>
-      <p:grpSpPr>
-        <a:xfrm>
-          <a:off x="0" y="0"/>
-          <a:ext cx="0" cy="0"/>
-          <a:chOff x="0" y="0"/>
-          <a:chExt cx="0" cy="0"/>
-        </a:xfrm>
-      </p:grpSpPr>
-      <p:sp>
-        <p:nvSpPr>
-          <p:cNvPr id="27650" name="Rectangle 2"/>
-          <p:cNvSpPr>
-            <a:spLocks noGrp="1" noChangeArrowheads="1"/>
-          </p:cNvSpPr>
-          <p:nvPr>
-            <p:ph type="title"/>
-          </p:nvPr>
-        </p:nvSpPr>
-        <p:spPr/>
-        <p:txBody>
-          <a:bodyPr/>
-          <a:lstStyle/>
-          <a:p>
-            <a:pPr eaLnBrk="1" hangingPunct="1"/>
-            <a:r>
-              <a:rPr lang="en-US"/>
-              <a:t>Methods of Heat Transfer</a:t>
-            </a:r>
-          </a:p>
-        </p:txBody>
-      </p:sp>
-      <p:sp>
-        <p:nvSpPr>
-          <p:cNvPr id="27651" name="Rectangle 3"/>
-          <p:cNvSpPr>
-            <a:spLocks noGrp="1" noChangeArrowheads="1"/>
-          </p:cNvSpPr>
-          <p:nvPr>
-            <p:ph type="body" idx="1"/>
-          </p:nvPr>
-        </p:nvSpPr>
-        <p:spPr/>
-        <p:txBody>
-          <a:bodyPr/>
-          <a:lstStyle/>
-          <a:p>
-            <a:pPr eaLnBrk="1" hangingPunct="1">
-              <a:lnSpc>
-                <a:spcPct val="90000"/>
-              </a:lnSpc>
-            </a:pPr>
-            <a:r>
-              <a:rPr lang="en-US"/>
-              <a:t>Need to know the rate at which energy is transferred</a:t>
-            </a:r>
-          </a:p>
-          <a:p>
-            <a:pPr eaLnBrk="1" hangingPunct="1">
-              <a:lnSpc>
-                <a:spcPct val="90000"/>
-              </a:lnSpc>
-            </a:pPr>
-            <a:r>
-              <a:rPr lang="en-US"/>
-              <a:t>Need to know the mechanisms responsible for the transfer</a:t>
-            </a:r>
-          </a:p>
-          <a:p>
-            <a:pPr eaLnBrk="1" hangingPunct="1">
-              <a:lnSpc>
-                <a:spcPct val="90000"/>
-              </a:lnSpc>
-            </a:pPr>
-            <a:r>
-              <a:rPr lang="en-US"/>
-              <a:t>Methods include</a:t>
-            </a:r>
-          </a:p>
-          <a:p>
-            <a:pPr lvl="1" eaLnBrk="1" hangingPunct="1">
-              <a:lnSpc>
-                <a:spcPct val="90000"/>
-              </a:lnSpc>
-            </a:pPr>
-            <a:r>
-              <a:rPr lang="en-US"/>
-              <a:t>Conduction</a:t>
-            </a:r>
-          </a:p>
-          <a:p>
-            <a:pPr lvl="1" eaLnBrk="1" hangingPunct="1">
-              <a:lnSpc>
-                <a:spcPct val="90000"/>
-              </a:lnSpc>
-            </a:pPr>
-            <a:r>
-              <a:rPr lang="en-US"/>
-              <a:t>Convection</a:t>
-            </a:r>
-          </a:p>
-          <a:p>
-            <a:pPr lvl="1" eaLnBrk="1" hangingPunct="1">
-              <a:lnSpc>
-                <a:spcPct val="90000"/>
-              </a:lnSpc>
-            </a:pPr>
-            <a:r>
-              <a:rPr lang="en-US"/>
-              <a:t>Radiation</a:t>
-            </a:r>
-          </a:p>
-        </p:txBody>
-      </p:sp>
-    </p:spTree>
-  </p:cSld>
-  <p:clrMapOvr>
-    <a:masterClrMapping/>
-  </p:clrMapOvr>
-</p:sld>
-</file>
-
-<file path=ppt/slides/slide30.xml><?xml version="1.0" encoding="utf-8"?>
+<file path=ppt/slides/slide35.xml><?xml version="1.0" encoding="utf-8"?>
 <p:sld xmlns:a="http://schemas.openxmlformats.org/drawingml/2006/main" xmlns:r="http://schemas.openxmlformats.org/officeDocument/2006/relationships" xmlns:p="http://schemas.openxmlformats.org/presentationml/2006/main">
   <p:cSld>
     <p:spTree>
@@ -9988,7 +11888,7 @@
             <a:fld id="{18401771-ADE0-4A06-A602-A096DFCFD4F9}" type="slidenum">
               <a:rPr lang="en-US" smtClean="0"/>
               <a:pPr/>
-              <a:t>30</a:t>
+              <a:t>35</a:t>
             </a:fld>
             <a:endParaRPr lang="en-US"/>
           </a:p>
@@ -10023,7 +11923,7 @@
 </p:sld>
 </file>
 
-<file path=ppt/slides/slide31.xml><?xml version="1.0" encoding="utf-8"?>
+<file path=ppt/slides/slide36.xml><?xml version="1.0" encoding="utf-8"?>
 <p:sld xmlns:a="http://schemas.openxmlformats.org/drawingml/2006/main" xmlns:r="http://schemas.openxmlformats.org/officeDocument/2006/relationships" xmlns:p="http://schemas.openxmlformats.org/presentationml/2006/main">
   <p:cSld>
     <p:spTree>
@@ -10141,7 +12041,7 @@
             <a:fld id="{18401771-ADE0-4A06-A602-A096DFCFD4F9}" type="slidenum">
               <a:rPr lang="en-US" smtClean="0"/>
               <a:pPr/>
-              <a:t>31</a:t>
+              <a:t>36</a:t>
             </a:fld>
             <a:endParaRPr lang="en-US"/>
           </a:p>
@@ -10176,7 +12076,7 @@
 </p:sld>
 </file>
 
-<file path=ppt/slides/slide32.xml><?xml version="1.0" encoding="utf-8"?>
+<file path=ppt/slides/slide37.xml><?xml version="1.0" encoding="utf-8"?>
 <p:sld xmlns:a="http://schemas.openxmlformats.org/drawingml/2006/main" xmlns:r="http://schemas.openxmlformats.org/officeDocument/2006/relationships" xmlns:p="http://schemas.openxmlformats.org/presentationml/2006/main">
   <p:cSld>
     <p:spTree>
@@ -10303,7 +12203,7 @@
             <a:fld id="{18401771-ADE0-4A06-A602-A096DFCFD4F9}" type="slidenum">
               <a:rPr lang="en-US" smtClean="0"/>
               <a:pPr/>
-              <a:t>32</a:t>
+              <a:t>37</a:t>
             </a:fld>
             <a:endParaRPr lang="en-US"/>
           </a:p>
@@ -10338,86 +12238,7 @@
 </p:sld>
 </file>
 
-<file path=ppt/slides/slide33.xml><?xml version="1.0" encoding="utf-8"?>
-<p:sld xmlns:a="http://schemas.openxmlformats.org/drawingml/2006/main" xmlns:r="http://schemas.openxmlformats.org/officeDocument/2006/relationships" xmlns:p="http://schemas.openxmlformats.org/presentationml/2006/main">
-  <p:cSld>
-    <p:spTree>
-      <p:nvGrpSpPr>
-        <p:cNvPr id="1" name=""/>
-        <p:cNvGrpSpPr/>
-        <p:nvPr/>
-      </p:nvGrpSpPr>
-      <p:grpSpPr>
-        <a:xfrm>
-          <a:off x="0" y="0"/>
-          <a:ext cx="0" cy="0"/>
-          <a:chOff x="0" y="0"/>
-          <a:chExt cx="0" cy="0"/>
-        </a:xfrm>
-      </p:grpSpPr>
-      <p:sp>
-        <p:nvSpPr>
-          <p:cNvPr id="2" name="Title 1"/>
-          <p:cNvSpPr>
-            <a:spLocks noGrp="1"/>
-          </p:cNvSpPr>
-          <p:nvPr>
-            <p:ph type="title"/>
-          </p:nvPr>
-        </p:nvSpPr>
-        <p:spPr/>
-        <p:txBody>
-          <a:bodyPr/>
-          <a:lstStyle/>
-          <a:p>
-            <a:endParaRPr lang="en-US"/>
-          </a:p>
-        </p:txBody>
-      </p:sp>
-      <p:sp>
-        <p:nvSpPr>
-          <p:cNvPr id="3" name="Content Placeholder 2"/>
-          <p:cNvSpPr>
-            <a:spLocks noGrp="1"/>
-          </p:cNvSpPr>
-          <p:nvPr>
-            <p:ph idx="1"/>
-          </p:nvPr>
-        </p:nvSpPr>
-        <p:spPr/>
-        <p:txBody>
-          <a:bodyPr/>
-          <a:lstStyle/>
-          <a:p>
-            <a:endParaRPr lang="en-US"/>
-          </a:p>
-        </p:txBody>
-      </p:sp>
-      <p:graphicFrame>
-        <p:nvGraphicFramePr>
-          <p:cNvPr id="4" name="Chart 3"/>
-          <p:cNvGraphicFramePr/>
-          <p:nvPr/>
-        </p:nvGraphicFramePr>
-        <p:xfrm>
-          <a:off x="304800" y="1066800"/>
-          <a:ext cx="8305800" cy="5410200"/>
-        </p:xfrm>
-        <a:graphic>
-          <a:graphicData uri="http://schemas.openxmlformats.org/drawingml/2006/chart">
-            <c:chart xmlns:c="http://schemas.openxmlformats.org/drawingml/2006/chart" xmlns:r="http://schemas.openxmlformats.org/officeDocument/2006/relationships" r:id="rId2"/>
-          </a:graphicData>
-        </a:graphic>
-      </p:graphicFrame>
-    </p:spTree>
-  </p:cSld>
-  <p:clrMapOvr>
-    <a:masterClrMapping/>
-  </p:clrMapOvr>
-</p:sld>
-</file>
-
-<file path=ppt/slides/slide34.xml><?xml version="1.0" encoding="utf-8"?>
+<file path=ppt/slides/slide38.xml><?xml version="1.0" encoding="utf-8"?>
 <p:sld xmlns:a="http://schemas.openxmlformats.org/drawingml/2006/main" xmlns:r="http://schemas.openxmlformats.org/officeDocument/2006/relationships" xmlns:p="http://schemas.openxmlformats.org/presentationml/2006/main">
   <p:cSld>
     <p:spTree>
@@ -10622,7 +12443,7 @@
 </p:sld>
 </file>
 
-<file path=ppt/slides/slide35.xml><?xml version="1.0" encoding="utf-8"?>
+<file path=ppt/slides/slide39.xml><?xml version="1.0" encoding="utf-8"?>
 <p:sld xmlns:a="http://schemas.openxmlformats.org/drawingml/2006/main" xmlns:r="http://schemas.openxmlformats.org/officeDocument/2006/relationships" xmlns:p="http://schemas.openxmlformats.org/presentationml/2006/main">
   <p:cSld>
     <p:spTree>
@@ -10673,1025 +12494,6 @@
     <p:extLst>
       <p:ext uri="{BB962C8B-B14F-4D97-AF65-F5344CB8AC3E}">
         <p14:creationId xmlns:p14="http://schemas.microsoft.com/office/powerpoint/2010/main" val="3116191251"/>
-      </p:ext>
-    </p:extLst>
-  </p:cSld>
-  <p:clrMapOvr>
-    <a:masterClrMapping/>
-  </p:clrMapOvr>
-</p:sld>
-</file>
-
-<file path=ppt/slides/slide36.xml><?xml version="1.0" encoding="utf-8"?>
-<p:sld xmlns:a="http://schemas.openxmlformats.org/drawingml/2006/main" xmlns:r="http://schemas.openxmlformats.org/officeDocument/2006/relationships" xmlns:p="http://schemas.openxmlformats.org/presentationml/2006/main">
-  <p:cSld>
-    <p:spTree>
-      <p:nvGrpSpPr>
-        <p:cNvPr id="1" name=""/>
-        <p:cNvGrpSpPr/>
-        <p:nvPr/>
-      </p:nvGrpSpPr>
-      <p:grpSpPr>
-        <a:xfrm>
-          <a:off x="0" y="0"/>
-          <a:ext cx="0" cy="0"/>
-          <a:chOff x="0" y="0"/>
-          <a:chExt cx="0" cy="0"/>
-        </a:xfrm>
-      </p:grpSpPr>
-      <p:pic>
-        <p:nvPicPr>
-          <p:cNvPr id="5" name="Picture 4">
-            <a:extLst>
-              <a:ext uri="{FF2B5EF4-FFF2-40B4-BE49-F238E27FC236}">
-                <a16:creationId xmlns:a16="http://schemas.microsoft.com/office/drawing/2014/main" id="{937426DB-B236-9CBD-7181-41B94FC7E1F1}"/>
-              </a:ext>
-            </a:extLst>
-          </p:cNvPr>
-          <p:cNvPicPr>
-            <a:picLocks noChangeAspect="1"/>
-          </p:cNvPicPr>
-          <p:nvPr/>
-        </p:nvPicPr>
-        <p:blipFill>
-          <a:blip r:embed="rId2"/>
-          <a:stretch>
-            <a:fillRect/>
-          </a:stretch>
-        </p:blipFill>
-        <p:spPr>
-          <a:xfrm>
-            <a:off x="1295400" y="1219200"/>
-            <a:ext cx="6186101" cy="4114800"/>
-          </a:xfrm>
-          <a:prstGeom prst="rect">
-            <a:avLst/>
-          </a:prstGeom>
-        </p:spPr>
-      </p:pic>
-    </p:spTree>
-    <p:extLst>
-      <p:ext uri="{BB962C8B-B14F-4D97-AF65-F5344CB8AC3E}">
-        <p14:creationId xmlns:p14="http://schemas.microsoft.com/office/powerpoint/2010/main" val="2785678226"/>
-      </p:ext>
-    </p:extLst>
-  </p:cSld>
-  <p:clrMapOvr>
-    <a:masterClrMapping/>
-  </p:clrMapOvr>
-</p:sld>
-</file>
-
-<file path=ppt/slides/slide37.xml><?xml version="1.0" encoding="utf-8"?>
-<p:sld xmlns:a="http://schemas.openxmlformats.org/drawingml/2006/main" xmlns:r="http://schemas.openxmlformats.org/officeDocument/2006/relationships" xmlns:p="http://schemas.openxmlformats.org/presentationml/2006/main">
-  <p:cSld>
-    <p:spTree>
-      <p:nvGrpSpPr>
-        <p:cNvPr id="1" name=""/>
-        <p:cNvGrpSpPr/>
-        <p:nvPr/>
-      </p:nvGrpSpPr>
-      <p:grpSpPr>
-        <a:xfrm>
-          <a:off x="0" y="0"/>
-          <a:ext cx="0" cy="0"/>
-          <a:chOff x="0" y="0"/>
-          <a:chExt cx="0" cy="0"/>
-        </a:xfrm>
-      </p:grpSpPr>
-      <p:sp>
-        <p:nvSpPr>
-          <p:cNvPr id="159746" name="Rectangle 3"/>
-          <p:cNvSpPr>
-            <a:spLocks noGrp="1" noChangeArrowheads="1"/>
-          </p:cNvSpPr>
-          <p:nvPr>
-            <p:ph type="title"/>
-          </p:nvPr>
-        </p:nvSpPr>
-        <p:spPr>
-          <a:xfrm>
-            <a:off x="933450" y="0"/>
-            <a:ext cx="7294563" cy="838200"/>
-          </a:xfrm>
-          <a:noFill/>
-        </p:spPr>
-        <p:txBody>
-          <a:bodyPr lIns="90488" tIns="44450" rIns="90488" bIns="44450"/>
-          <a:lstStyle/>
-          <a:p>
-            <a:pPr eaLnBrk="1" hangingPunct="1">
-              <a:lnSpc>
-                <a:spcPct val="90000"/>
-              </a:lnSpc>
-            </a:pPr>
-            <a:r>
-              <a:rPr lang="en-US" sz="3200" dirty="0"/>
-              <a:t>Question123.9.7 </a:t>
-            </a:r>
-            <a:r>
-              <a:rPr lang="en-US" sz="3200" i="1" dirty="0">
-                <a:solidFill>
-                  <a:srgbClr val="000000"/>
-                </a:solidFill>
-              </a:rPr>
-              <a:t>	</a:t>
-            </a:r>
-            <a:r>
-              <a:rPr lang="en-US" sz="3200" dirty="0">
-                <a:solidFill>
-                  <a:schemeClr val="accent2"/>
-                </a:solidFill>
-              </a:rPr>
-              <a:t>Ideal Gas Law I</a:t>
-            </a:r>
-          </a:p>
-        </p:txBody>
-      </p:sp>
-      <p:sp>
-        <p:nvSpPr>
-          <p:cNvPr id="159747" name="Rectangle 4"/>
-          <p:cNvSpPr>
-            <a:spLocks noChangeArrowheads="1"/>
-          </p:cNvSpPr>
-          <p:nvPr/>
-        </p:nvSpPr>
-        <p:spPr bwMode="auto">
-          <a:xfrm>
-            <a:off x="5303838" y="1311275"/>
-            <a:ext cx="3840162" cy="2381250"/>
-          </a:xfrm>
-          <a:prstGeom prst="rect">
-            <a:avLst/>
-          </a:prstGeom>
-          <a:noFill/>
-          <a:ln w="9525">
-            <a:noFill/>
-            <a:miter lim="800000"/>
-            <a:headEnd/>
-            <a:tailEnd/>
-          </a:ln>
-        </p:spPr>
-        <p:txBody>
-          <a:bodyPr lIns="90488" tIns="44450" rIns="90488" bIns="44450"/>
-          <a:lstStyle/>
-          <a:p>
-            <a:pPr marL="401638" indent="-401638">
-              <a:lnSpc>
-                <a:spcPct val="130000"/>
-              </a:lnSpc>
-              <a:spcBef>
-                <a:spcPct val="20000"/>
-              </a:spcBef>
-            </a:pPr>
-            <a:r>
-              <a:rPr lang="en-US" sz="2400" b="1"/>
-              <a:t>1) cylinder A</a:t>
-            </a:r>
-          </a:p>
-          <a:p>
-            <a:pPr marL="401638" indent="-401638">
-              <a:lnSpc>
-                <a:spcPct val="130000"/>
-              </a:lnSpc>
-              <a:spcBef>
-                <a:spcPct val="20000"/>
-              </a:spcBef>
-            </a:pPr>
-            <a:r>
-              <a:rPr lang="en-US" sz="2400" b="1"/>
-              <a:t>2) cylinder B </a:t>
-            </a:r>
-          </a:p>
-          <a:p>
-            <a:pPr marL="401638" indent="-401638">
-              <a:lnSpc>
-                <a:spcPct val="130000"/>
-              </a:lnSpc>
-              <a:spcBef>
-                <a:spcPct val="20000"/>
-              </a:spcBef>
-            </a:pPr>
-            <a:r>
-              <a:rPr lang="en-US" sz="2400" b="1"/>
-              <a:t>3) both the same</a:t>
-            </a:r>
-          </a:p>
-          <a:p>
-            <a:pPr marL="401638" indent="-401638">
-              <a:lnSpc>
-                <a:spcPct val="130000"/>
-              </a:lnSpc>
-              <a:spcBef>
-                <a:spcPct val="20000"/>
-              </a:spcBef>
-            </a:pPr>
-            <a:r>
-              <a:rPr lang="en-US" sz="2400" b="1"/>
-              <a:t>4) it depends on temp. T</a:t>
-            </a:r>
-          </a:p>
-        </p:txBody>
-      </p:sp>
-      <p:sp>
-        <p:nvSpPr>
-          <p:cNvPr id="159748" name="Rectangle 5"/>
-          <p:cNvSpPr>
-            <a:spLocks noGrp="1" noChangeArrowheads="1"/>
-          </p:cNvSpPr>
-          <p:nvPr>
-            <p:ph type="body" idx="1"/>
-          </p:nvPr>
-        </p:nvSpPr>
-        <p:spPr>
-          <a:xfrm>
-            <a:off x="0" y="1117600"/>
-            <a:ext cx="5092700" cy="2714625"/>
-          </a:xfrm>
-          <a:noFill/>
-        </p:spPr>
-        <p:txBody>
-          <a:bodyPr lIns="90488" tIns="44450" rIns="90488" bIns="44450">
-            <a:normAutofit lnSpcReduction="10000"/>
-          </a:bodyPr>
-          <a:lstStyle/>
-          <a:p>
-            <a:pPr marL="401638" indent="-401638" eaLnBrk="1" hangingPunct="1">
-              <a:lnSpc>
-                <a:spcPct val="150000"/>
-              </a:lnSpc>
-              <a:spcBef>
-                <a:spcPct val="50000"/>
-              </a:spcBef>
-              <a:buFontTx/>
-              <a:buNone/>
-            </a:pPr>
-            <a:r>
-              <a:rPr lang="en-US" sz="2400" b="1"/>
-              <a:t>	Two identical cylinders at the same temperature contain the same gas.  If A contains three times as much gas as B, which cylinder has the higher pressure?</a:t>
-            </a:r>
-            <a:endParaRPr lang="en-US" sz="1800" b="1"/>
-          </a:p>
-        </p:txBody>
-      </p:sp>
-    </p:spTree>
-    <p:extLst>
-      <p:ext uri="{BB962C8B-B14F-4D97-AF65-F5344CB8AC3E}">
-        <p14:creationId xmlns:p14="http://schemas.microsoft.com/office/powerpoint/2010/main" val="429714220"/>
-      </p:ext>
-    </p:extLst>
-  </p:cSld>
-  <p:clrMapOvr>
-    <a:masterClrMapping/>
-  </p:clrMapOvr>
-</p:sld>
-</file>
-
-<file path=ppt/slides/slide38.xml><?xml version="1.0" encoding="utf-8"?>
-<p:sld xmlns:a="http://schemas.openxmlformats.org/drawingml/2006/main" xmlns:r="http://schemas.openxmlformats.org/officeDocument/2006/relationships" xmlns:p="http://schemas.openxmlformats.org/presentationml/2006/main">
-  <p:cSld>
-    <p:spTree>
-      <p:nvGrpSpPr>
-        <p:cNvPr id="1" name=""/>
-        <p:cNvGrpSpPr/>
-        <p:nvPr/>
-      </p:nvGrpSpPr>
-      <p:grpSpPr>
-        <a:xfrm>
-          <a:off x="0" y="0"/>
-          <a:ext cx="0" cy="0"/>
-          <a:chOff x="0" y="0"/>
-          <a:chExt cx="0" cy="0"/>
-        </a:xfrm>
-      </p:grpSpPr>
-      <p:sp>
-        <p:nvSpPr>
-          <p:cNvPr id="160770" name="AutoShape 2"/>
-          <p:cNvSpPr>
-            <a:spLocks noChangeArrowheads="1"/>
-          </p:cNvSpPr>
-          <p:nvPr/>
-        </p:nvSpPr>
-        <p:spPr bwMode="auto">
-          <a:xfrm>
-            <a:off x="1944688" y="3567113"/>
-            <a:ext cx="5440362" cy="2878137"/>
-          </a:xfrm>
-          <a:prstGeom prst="roundRect">
-            <a:avLst>
-              <a:gd name="adj" fmla="val 16667"/>
-            </a:avLst>
-          </a:prstGeom>
-          <a:solidFill>
-            <a:schemeClr val="accent1"/>
-          </a:solidFill>
-          <a:ln w="38100">
-            <a:solidFill>
-              <a:srgbClr val="000000"/>
-            </a:solidFill>
-            <a:round/>
-            <a:headEnd type="none" w="sm" len="sm"/>
-            <a:tailEnd type="none" w="sm" len="sm"/>
-          </a:ln>
-        </p:spPr>
-        <p:txBody>
-          <a:bodyPr wrap="none" anchor="ctr"/>
-          <a:lstStyle/>
-          <a:p>
-            <a:pPr algn="ctr" eaLnBrk="0" hangingPunct="0"/>
-            <a:endParaRPr lang="en-US" sz="2400">
-              <a:latin typeface="Times New Roman" pitchFamily="18" charset="0"/>
-            </a:endParaRPr>
-          </a:p>
-        </p:txBody>
-      </p:sp>
-      <p:sp>
-        <p:nvSpPr>
-          <p:cNvPr id="1146883" name="Rectangle 3"/>
-          <p:cNvSpPr>
-            <a:spLocks noChangeArrowheads="1"/>
-          </p:cNvSpPr>
-          <p:nvPr/>
-        </p:nvSpPr>
-        <p:spPr bwMode="auto">
-          <a:xfrm>
-            <a:off x="2201863" y="3568700"/>
-            <a:ext cx="5214937" cy="2532063"/>
-          </a:xfrm>
-          <a:prstGeom prst="rect">
-            <a:avLst/>
-          </a:prstGeom>
-          <a:noFill/>
-          <a:ln w="9525">
-            <a:noFill/>
-            <a:miter lim="800000"/>
-            <a:headEnd/>
-            <a:tailEnd/>
-          </a:ln>
-          <a:effectLst/>
-        </p:spPr>
-        <p:txBody>
-          <a:bodyPr lIns="92075" tIns="46038" rIns="92075" bIns="46038">
-            <a:spAutoFit/>
-          </a:bodyPr>
-          <a:lstStyle/>
-          <a:p>
-            <a:pPr marL="285750" indent="-285750" eaLnBrk="0" hangingPunct="0">
-              <a:lnSpc>
-                <a:spcPct val="140000"/>
-              </a:lnSpc>
-              <a:spcBef>
-                <a:spcPct val="50000"/>
-              </a:spcBef>
-              <a:defRPr/>
-            </a:pPr>
-            <a:r>
-              <a:rPr lang="en-US" sz="2000" b="1">
-                <a:solidFill>
-                  <a:schemeClr val="bg2"/>
-                </a:solidFill>
-              </a:rPr>
-              <a:t>Ideal gas law:   </a:t>
-            </a:r>
-            <a:r>
-              <a:rPr lang="en-US" sz="2000" i="1">
-                <a:solidFill>
-                  <a:srgbClr val="0066FF"/>
-                </a:solidFill>
-                <a:effectLst>
-                  <a:outerShdw blurRad="38100" dist="38100" dir="2700000" algn="tl">
-                    <a:srgbClr val="C0C0C0"/>
-                  </a:outerShdw>
-                </a:effectLst>
-                <a:latin typeface="Arial Black" pitchFamily="34" charset="0"/>
-              </a:rPr>
-              <a:t>PV</a:t>
-            </a:r>
-            <a:r>
-              <a:rPr lang="en-US" sz="2000">
-                <a:solidFill>
-                  <a:srgbClr val="0066FF"/>
-                </a:solidFill>
-                <a:effectLst>
-                  <a:outerShdw blurRad="38100" dist="38100" dir="2700000" algn="tl">
-                    <a:srgbClr val="C0C0C0"/>
-                  </a:outerShdw>
-                </a:effectLst>
-                <a:latin typeface="Arial Black" pitchFamily="34" charset="0"/>
-              </a:rPr>
-              <a:t>  =  </a:t>
-            </a:r>
-            <a:r>
-              <a:rPr lang="en-US" sz="2000" i="1">
-                <a:solidFill>
-                  <a:srgbClr val="0066FF"/>
-                </a:solidFill>
-                <a:effectLst>
-                  <a:outerShdw blurRad="38100" dist="38100" dir="2700000" algn="tl">
-                    <a:srgbClr val="C0C0C0"/>
-                  </a:outerShdw>
-                </a:effectLst>
-                <a:latin typeface="Arial Black" pitchFamily="34" charset="0"/>
-              </a:rPr>
-              <a:t>nRT</a:t>
-            </a:r>
-            <a:endParaRPr lang="en-US" sz="2000" b="1" i="1">
-              <a:solidFill>
-                <a:schemeClr val="bg2"/>
-              </a:solidFill>
-            </a:endParaRPr>
-          </a:p>
-          <a:p>
-            <a:pPr marL="285750" indent="-285750" eaLnBrk="0" hangingPunct="0">
-              <a:lnSpc>
-                <a:spcPct val="140000"/>
-              </a:lnSpc>
-              <a:spcBef>
-                <a:spcPct val="50000"/>
-              </a:spcBef>
-              <a:defRPr/>
-            </a:pPr>
-            <a:r>
-              <a:rPr lang="en-US" sz="2000" b="1">
-                <a:solidFill>
-                  <a:schemeClr val="bg2"/>
-                </a:solidFill>
-              </a:rPr>
-              <a:t>Solve for pressure:  </a:t>
-            </a:r>
-            <a:r>
-              <a:rPr lang="en-US" sz="2000" i="1">
-                <a:solidFill>
-                  <a:srgbClr val="0066FF"/>
-                </a:solidFill>
-                <a:effectLst>
-                  <a:outerShdw blurRad="38100" dist="38100" dir="2700000" algn="tl">
-                    <a:srgbClr val="C0C0C0"/>
-                  </a:outerShdw>
-                </a:effectLst>
-                <a:latin typeface="Arial Black" pitchFamily="34" charset="0"/>
-              </a:rPr>
-              <a:t>P</a:t>
-            </a:r>
-            <a:r>
-              <a:rPr lang="en-US" sz="2000">
-                <a:solidFill>
-                  <a:srgbClr val="0066FF"/>
-                </a:solidFill>
-                <a:effectLst>
-                  <a:outerShdw blurRad="38100" dist="38100" dir="2700000" algn="tl">
-                    <a:srgbClr val="C0C0C0"/>
-                  </a:outerShdw>
-                </a:effectLst>
-                <a:latin typeface="Arial Black" pitchFamily="34" charset="0"/>
-              </a:rPr>
-              <a:t>  =  </a:t>
-            </a:r>
-            <a:r>
-              <a:rPr lang="en-US" sz="2000" i="1">
-                <a:solidFill>
-                  <a:srgbClr val="0066FF"/>
-                </a:solidFill>
-                <a:effectLst>
-                  <a:outerShdw blurRad="38100" dist="38100" dir="2700000" algn="tl">
-                    <a:srgbClr val="C0C0C0"/>
-                  </a:outerShdw>
-                </a:effectLst>
-                <a:latin typeface="Arial Black" pitchFamily="34" charset="0"/>
-              </a:rPr>
-              <a:t>nRT / V</a:t>
-            </a:r>
-            <a:endParaRPr lang="en-US" sz="2000" b="1" i="1">
-              <a:solidFill>
-                <a:schemeClr val="bg2"/>
-              </a:solidFill>
-            </a:endParaRPr>
-          </a:p>
-          <a:p>
-            <a:pPr marL="285750" indent="-285750" eaLnBrk="0" hangingPunct="0">
-              <a:lnSpc>
-                <a:spcPct val="140000"/>
-              </a:lnSpc>
-              <a:spcBef>
-                <a:spcPct val="50000"/>
-              </a:spcBef>
-              <a:defRPr/>
-            </a:pPr>
-            <a:r>
-              <a:rPr lang="en-US" sz="2000" b="1">
-                <a:solidFill>
-                  <a:schemeClr val="bg2"/>
-                </a:solidFill>
-              </a:rPr>
-              <a:t>For constant </a:t>
-            </a:r>
-            <a:r>
-              <a:rPr lang="en-US" sz="2000" b="1" i="1">
-                <a:solidFill>
-                  <a:schemeClr val="bg2"/>
-                </a:solidFill>
-              </a:rPr>
-              <a:t>V</a:t>
-            </a:r>
-            <a:r>
-              <a:rPr lang="en-US" sz="2000" b="1">
-                <a:solidFill>
-                  <a:schemeClr val="bg2"/>
-                </a:solidFill>
-              </a:rPr>
-              <a:t> and </a:t>
-            </a:r>
-            <a:r>
-              <a:rPr lang="en-US" sz="2000" b="1" i="1">
-                <a:solidFill>
-                  <a:schemeClr val="bg2"/>
-                </a:solidFill>
-              </a:rPr>
-              <a:t>T</a:t>
-            </a:r>
-            <a:r>
-              <a:rPr lang="en-US" sz="2000" b="1">
-                <a:solidFill>
-                  <a:schemeClr val="bg2"/>
-                </a:solidFill>
-              </a:rPr>
-              <a:t>, the one with more gas  (</a:t>
-            </a:r>
-            <a:r>
-              <a:rPr lang="en-US" sz="2000" b="1">
-                <a:solidFill>
-                  <a:schemeClr val="bg1"/>
-                </a:solidFill>
-                <a:effectLst>
-                  <a:outerShdw blurRad="38100" dist="38100" dir="2700000" algn="tl">
-                    <a:srgbClr val="C0C0C0"/>
-                  </a:outerShdw>
-                </a:effectLst>
-              </a:rPr>
-              <a:t>the larger value of </a:t>
-            </a:r>
-            <a:r>
-              <a:rPr lang="en-US" sz="2000" b="1" i="1">
-                <a:solidFill>
-                  <a:schemeClr val="bg1"/>
-                </a:solidFill>
-                <a:effectLst>
-                  <a:outerShdw blurRad="38100" dist="38100" dir="2700000" algn="tl">
-                    <a:srgbClr val="C0C0C0"/>
-                  </a:outerShdw>
-                </a:effectLst>
-              </a:rPr>
-              <a:t>n</a:t>
-            </a:r>
-            <a:r>
-              <a:rPr lang="en-US" sz="2000" b="1">
-                <a:solidFill>
-                  <a:schemeClr val="bg2"/>
-                </a:solidFill>
-              </a:rPr>
-              <a:t>) has the higher pressure </a:t>
-            </a:r>
-            <a:r>
-              <a:rPr lang="en-US" sz="2000" b="1" i="1">
-                <a:solidFill>
-                  <a:schemeClr val="bg2"/>
-                </a:solidFill>
-              </a:rPr>
-              <a:t>P</a:t>
-            </a:r>
-            <a:r>
-              <a:rPr lang="en-US" sz="2000" b="1">
-                <a:solidFill>
-                  <a:schemeClr val="bg2"/>
-                </a:solidFill>
-              </a:rPr>
-              <a:t>.</a:t>
-            </a:r>
-            <a:endParaRPr lang="en-US" sz="2200" b="1">
-              <a:solidFill>
-                <a:schemeClr val="bg2"/>
-              </a:solidFill>
-            </a:endParaRPr>
-          </a:p>
-        </p:txBody>
-      </p:sp>
-      <p:sp>
-        <p:nvSpPr>
-          <p:cNvPr id="160772" name="Rectangle 5"/>
-          <p:cNvSpPr>
-            <a:spLocks noGrp="1" noChangeArrowheads="1"/>
-          </p:cNvSpPr>
-          <p:nvPr>
-            <p:ph type="title"/>
-          </p:nvPr>
-        </p:nvSpPr>
-        <p:spPr>
-          <a:xfrm>
-            <a:off x="933450" y="0"/>
-            <a:ext cx="7294563" cy="838200"/>
-          </a:xfrm>
-          <a:noFill/>
-        </p:spPr>
-        <p:txBody>
-          <a:bodyPr lIns="90488" tIns="44450" rIns="90488" bIns="44450"/>
-          <a:lstStyle/>
-          <a:p>
-            <a:pPr eaLnBrk="1" hangingPunct="1">
-              <a:lnSpc>
-                <a:spcPct val="90000"/>
-              </a:lnSpc>
-            </a:pPr>
-            <a:r>
-              <a:rPr lang="en-US" sz="3200" dirty="0"/>
-              <a:t>Question123.9.5</a:t>
-            </a:r>
-            <a:r>
-              <a:rPr lang="en-US" sz="3200" i="1" dirty="0">
-                <a:solidFill>
-                  <a:srgbClr val="000000"/>
-                </a:solidFill>
-              </a:rPr>
-              <a:t>	</a:t>
-            </a:r>
-            <a:r>
-              <a:rPr lang="en-US" sz="3200" dirty="0">
-                <a:solidFill>
-                  <a:schemeClr val="accent2"/>
-                </a:solidFill>
-              </a:rPr>
-              <a:t>Ideal Gas Law I</a:t>
-            </a:r>
-          </a:p>
-        </p:txBody>
-      </p:sp>
-      <p:sp>
-        <p:nvSpPr>
-          <p:cNvPr id="160773" name="Oval 6"/>
-          <p:cNvSpPr>
-            <a:spLocks noChangeArrowheads="1"/>
-          </p:cNvSpPr>
-          <p:nvPr/>
-        </p:nvSpPr>
-        <p:spPr bwMode="auto">
-          <a:xfrm>
-            <a:off x="5167313" y="1147763"/>
-            <a:ext cx="2236787" cy="641350"/>
-          </a:xfrm>
-          <a:prstGeom prst="ellipse">
-            <a:avLst/>
-          </a:prstGeom>
-          <a:noFill/>
-          <a:ln w="38100">
-            <a:solidFill>
-              <a:schemeClr val="accent1"/>
-            </a:solidFill>
-            <a:round/>
-            <a:headEnd/>
-            <a:tailEnd/>
-          </a:ln>
-        </p:spPr>
-        <p:txBody>
-          <a:bodyPr anchor="ctr">
-            <a:spAutoFit/>
-          </a:bodyPr>
-          <a:lstStyle/>
-          <a:p>
-            <a:endParaRPr lang="en-US"/>
-          </a:p>
-        </p:txBody>
-      </p:sp>
-      <p:sp>
-        <p:nvSpPr>
-          <p:cNvPr id="160774" name="Rectangle 7"/>
-          <p:cNvSpPr>
-            <a:spLocks noChangeArrowheads="1"/>
-          </p:cNvSpPr>
-          <p:nvPr/>
-        </p:nvSpPr>
-        <p:spPr bwMode="auto">
-          <a:xfrm>
-            <a:off x="5303838" y="1211263"/>
-            <a:ext cx="3551237" cy="2381250"/>
-          </a:xfrm>
-          <a:prstGeom prst="rect">
-            <a:avLst/>
-          </a:prstGeom>
-          <a:noFill/>
-          <a:ln w="9525">
-            <a:noFill/>
-            <a:miter lim="800000"/>
-            <a:headEnd/>
-            <a:tailEnd/>
-          </a:ln>
-        </p:spPr>
-        <p:txBody>
-          <a:bodyPr lIns="90488" tIns="44450" rIns="90488" bIns="44450"/>
-          <a:lstStyle/>
-          <a:p>
-            <a:pPr marL="401638" indent="-401638">
-              <a:lnSpc>
-                <a:spcPct val="130000"/>
-              </a:lnSpc>
-              <a:spcBef>
-                <a:spcPct val="20000"/>
-              </a:spcBef>
-            </a:pPr>
-            <a:r>
-              <a:rPr lang="en-US" sz="2000" b="1"/>
-              <a:t>1) cylinder A</a:t>
-            </a:r>
-          </a:p>
-          <a:p>
-            <a:pPr marL="401638" indent="-401638">
-              <a:lnSpc>
-                <a:spcPct val="130000"/>
-              </a:lnSpc>
-              <a:spcBef>
-                <a:spcPct val="20000"/>
-              </a:spcBef>
-            </a:pPr>
-            <a:r>
-              <a:rPr lang="en-US" sz="2000" b="1"/>
-              <a:t>2) cylinder B </a:t>
-            </a:r>
-          </a:p>
-          <a:p>
-            <a:pPr marL="401638" indent="-401638">
-              <a:lnSpc>
-                <a:spcPct val="130000"/>
-              </a:lnSpc>
-              <a:spcBef>
-                <a:spcPct val="20000"/>
-              </a:spcBef>
-            </a:pPr>
-            <a:r>
-              <a:rPr lang="en-US" sz="2000" b="1"/>
-              <a:t>3) both the same</a:t>
-            </a:r>
-          </a:p>
-          <a:p>
-            <a:pPr marL="401638" indent="-401638">
-              <a:lnSpc>
-                <a:spcPct val="130000"/>
-              </a:lnSpc>
-              <a:spcBef>
-                <a:spcPct val="20000"/>
-              </a:spcBef>
-            </a:pPr>
-            <a:r>
-              <a:rPr lang="en-US" sz="2000" b="1"/>
-              <a:t>4) it depends on temp. </a:t>
-            </a:r>
-            <a:r>
-              <a:rPr lang="en-US" sz="2000" b="1" i="1"/>
-              <a:t>T</a:t>
-            </a:r>
-          </a:p>
-        </p:txBody>
-      </p:sp>
-      <p:sp>
-        <p:nvSpPr>
-          <p:cNvPr id="160775" name="Rectangle 8"/>
-          <p:cNvSpPr>
-            <a:spLocks noGrp="1" noChangeArrowheads="1"/>
-          </p:cNvSpPr>
-          <p:nvPr>
-            <p:ph type="body" idx="1"/>
-          </p:nvPr>
-        </p:nvSpPr>
-        <p:spPr>
-          <a:xfrm>
-            <a:off x="0" y="1089025"/>
-            <a:ext cx="5092700" cy="2643188"/>
-          </a:xfrm>
-          <a:noFill/>
-        </p:spPr>
-        <p:txBody>
-          <a:bodyPr lIns="90488" tIns="44450" rIns="90488" bIns="44450"/>
-          <a:lstStyle/>
-          <a:p>
-            <a:pPr marL="401638" indent="-401638" eaLnBrk="1" hangingPunct="1">
-              <a:lnSpc>
-                <a:spcPct val="150000"/>
-              </a:lnSpc>
-              <a:spcBef>
-                <a:spcPct val="50000"/>
-              </a:spcBef>
-              <a:buFontTx/>
-              <a:buNone/>
-            </a:pPr>
-            <a:r>
-              <a:rPr lang="en-US" sz="2000" b="1"/>
-              <a:t>	Two identical cylinders at the same temperature contain the same gas.  If A contains three times as much gas as B, which cylinder has the higher pressure?</a:t>
-            </a:r>
-            <a:endParaRPr lang="en-US" sz="1600" b="1"/>
-          </a:p>
-        </p:txBody>
-      </p:sp>
-    </p:spTree>
-    <p:extLst>
-      <p:ext uri="{BB962C8B-B14F-4D97-AF65-F5344CB8AC3E}">
-        <p14:creationId xmlns:p14="http://schemas.microsoft.com/office/powerpoint/2010/main" val="2185010735"/>
-      </p:ext>
-    </p:extLst>
-  </p:cSld>
-  <p:clrMapOvr>
-    <a:masterClrMapping/>
-  </p:clrMapOvr>
-</p:sld>
-</file>
-
-<file path=ppt/slides/slide39.xml><?xml version="1.0" encoding="utf-8"?>
-<p:sld xmlns:a="http://schemas.openxmlformats.org/drawingml/2006/main" xmlns:r="http://schemas.openxmlformats.org/officeDocument/2006/relationships" xmlns:p="http://schemas.openxmlformats.org/presentationml/2006/main">
-  <p:cSld>
-    <p:spTree>
-      <p:nvGrpSpPr>
-        <p:cNvPr id="1" name=""/>
-        <p:cNvGrpSpPr/>
-        <p:nvPr/>
-      </p:nvGrpSpPr>
-      <p:grpSpPr>
-        <a:xfrm>
-          <a:off x="0" y="0"/>
-          <a:ext cx="0" cy="0"/>
-          <a:chOff x="0" y="0"/>
-          <a:chExt cx="0" cy="0"/>
-        </a:xfrm>
-      </p:grpSpPr>
-      <p:sp>
-        <p:nvSpPr>
-          <p:cNvPr id="161794" name="Rectangle 3"/>
-          <p:cNvSpPr>
-            <a:spLocks noGrp="1" noChangeArrowheads="1"/>
-          </p:cNvSpPr>
-          <p:nvPr>
-            <p:ph type="title"/>
-          </p:nvPr>
-        </p:nvSpPr>
-        <p:spPr>
-          <a:xfrm>
-            <a:off x="933450" y="0"/>
-            <a:ext cx="7294563" cy="838200"/>
-          </a:xfrm>
-          <a:noFill/>
-        </p:spPr>
-        <p:txBody>
-          <a:bodyPr lIns="90488" tIns="44450" rIns="90488" bIns="44450"/>
-          <a:lstStyle/>
-          <a:p>
-            <a:pPr eaLnBrk="1" hangingPunct="1">
-              <a:lnSpc>
-                <a:spcPct val="90000"/>
-              </a:lnSpc>
-            </a:pPr>
-            <a:r>
-              <a:rPr lang="en-US" sz="3200" dirty="0"/>
-              <a:t>Question123.9.8 </a:t>
-            </a:r>
-            <a:r>
-              <a:rPr lang="en-US" sz="3200" i="1" dirty="0">
-                <a:solidFill>
-                  <a:srgbClr val="000000"/>
-                </a:solidFill>
-              </a:rPr>
-              <a:t>	</a:t>
-            </a:r>
-            <a:r>
-              <a:rPr lang="en-US" sz="3200" dirty="0">
-                <a:solidFill>
-                  <a:schemeClr val="accent2"/>
-                </a:solidFill>
-              </a:rPr>
-              <a:t>Ideal Gas Law II</a:t>
-            </a:r>
-          </a:p>
-        </p:txBody>
-      </p:sp>
-      <p:sp>
-        <p:nvSpPr>
-          <p:cNvPr id="161795" name="Rectangle 4"/>
-          <p:cNvSpPr>
-            <a:spLocks noChangeArrowheads="1"/>
-          </p:cNvSpPr>
-          <p:nvPr/>
-        </p:nvSpPr>
-        <p:spPr bwMode="auto">
-          <a:xfrm>
-            <a:off x="5303838" y="1082675"/>
-            <a:ext cx="3840162" cy="2381250"/>
-          </a:xfrm>
-          <a:prstGeom prst="rect">
-            <a:avLst/>
-          </a:prstGeom>
-          <a:noFill/>
-          <a:ln w="9525">
-            <a:noFill/>
-            <a:miter lim="800000"/>
-            <a:headEnd/>
-            <a:tailEnd/>
-          </a:ln>
-        </p:spPr>
-        <p:txBody>
-          <a:bodyPr lIns="90488" tIns="44450" rIns="90488" bIns="44450"/>
-          <a:lstStyle/>
-          <a:p>
-            <a:pPr marL="401638" indent="-401638">
-              <a:lnSpc>
-                <a:spcPct val="130000"/>
-              </a:lnSpc>
-              <a:spcBef>
-                <a:spcPct val="20000"/>
-              </a:spcBef>
-            </a:pPr>
-            <a:r>
-              <a:rPr lang="en-US" sz="2000" b="1"/>
-              <a:t>1) cylinder A</a:t>
-            </a:r>
-          </a:p>
-          <a:p>
-            <a:pPr marL="401638" indent="-401638">
-              <a:lnSpc>
-                <a:spcPct val="130000"/>
-              </a:lnSpc>
-              <a:spcBef>
-                <a:spcPct val="20000"/>
-              </a:spcBef>
-            </a:pPr>
-            <a:r>
-              <a:rPr lang="en-US" sz="2000" b="1"/>
-              <a:t>2) cylinder B </a:t>
-            </a:r>
-          </a:p>
-          <a:p>
-            <a:pPr marL="401638" indent="-401638">
-              <a:lnSpc>
-                <a:spcPct val="130000"/>
-              </a:lnSpc>
-              <a:spcBef>
-                <a:spcPct val="20000"/>
-              </a:spcBef>
-            </a:pPr>
-            <a:r>
-              <a:rPr lang="en-US" sz="2000" b="1"/>
-              <a:t>3) both the same</a:t>
-            </a:r>
-          </a:p>
-          <a:p>
-            <a:pPr marL="401638" indent="-401638">
-              <a:lnSpc>
-                <a:spcPct val="130000"/>
-              </a:lnSpc>
-              <a:spcBef>
-                <a:spcPct val="20000"/>
-              </a:spcBef>
-            </a:pPr>
-            <a:r>
-              <a:rPr lang="en-US" sz="2000" b="1"/>
-              <a:t>4) it depends on the pressure P</a:t>
-            </a:r>
-          </a:p>
-        </p:txBody>
-      </p:sp>
-      <p:sp>
-        <p:nvSpPr>
-          <p:cNvPr id="161796" name="Rectangle 5"/>
-          <p:cNvSpPr>
-            <a:spLocks noGrp="1" noChangeArrowheads="1"/>
-          </p:cNvSpPr>
-          <p:nvPr>
-            <p:ph type="body" idx="1"/>
-          </p:nvPr>
-        </p:nvSpPr>
-        <p:spPr>
-          <a:xfrm>
-            <a:off x="0" y="1071563"/>
-            <a:ext cx="5092700" cy="2643187"/>
-          </a:xfrm>
-          <a:noFill/>
-        </p:spPr>
-        <p:txBody>
-          <a:bodyPr lIns="90488" tIns="44450" rIns="90488" bIns="44450"/>
-          <a:lstStyle/>
-          <a:p>
-            <a:pPr marL="401638" indent="-401638" eaLnBrk="1" hangingPunct="1">
-              <a:lnSpc>
-                <a:spcPct val="139000"/>
-              </a:lnSpc>
-              <a:buFontTx/>
-              <a:buNone/>
-            </a:pPr>
-            <a:r>
-              <a:rPr lang="en-US" sz="2400" b="1"/>
-              <a:t>	Two identical cylinders at the same pressure contain the same gas.  If A contains three times as much gas as B, which cylinder has the higher temperature?</a:t>
-            </a:r>
-            <a:endParaRPr lang="en-US" sz="1800" b="1"/>
-          </a:p>
-        </p:txBody>
-      </p:sp>
-    </p:spTree>
-    <p:extLst>
-      <p:ext uri="{BB962C8B-B14F-4D97-AF65-F5344CB8AC3E}">
-        <p14:creationId xmlns:p14="http://schemas.microsoft.com/office/powerpoint/2010/main" val="56680486"/>
       </p:ext>
     </p:extLst>
   </p:cSld>
@@ -11864,6 +12666,1025 @@
           <a:chExt cx="0" cy="0"/>
         </a:xfrm>
       </p:grpSpPr>
+      <p:pic>
+        <p:nvPicPr>
+          <p:cNvPr id="5" name="Picture 4">
+            <a:extLst>
+              <a:ext uri="{FF2B5EF4-FFF2-40B4-BE49-F238E27FC236}">
+                <a16:creationId xmlns:a16="http://schemas.microsoft.com/office/drawing/2014/main" id="{937426DB-B236-9CBD-7181-41B94FC7E1F1}"/>
+              </a:ext>
+            </a:extLst>
+          </p:cNvPr>
+          <p:cNvPicPr>
+            <a:picLocks noChangeAspect="1"/>
+          </p:cNvPicPr>
+          <p:nvPr/>
+        </p:nvPicPr>
+        <p:blipFill>
+          <a:blip r:embed="rId2"/>
+          <a:stretch>
+            <a:fillRect/>
+          </a:stretch>
+        </p:blipFill>
+        <p:spPr>
+          <a:xfrm>
+            <a:off x="1295400" y="1219200"/>
+            <a:ext cx="6186101" cy="4114800"/>
+          </a:xfrm>
+          <a:prstGeom prst="rect">
+            <a:avLst/>
+          </a:prstGeom>
+        </p:spPr>
+      </p:pic>
+    </p:spTree>
+    <p:extLst>
+      <p:ext uri="{BB962C8B-B14F-4D97-AF65-F5344CB8AC3E}">
+        <p14:creationId xmlns:p14="http://schemas.microsoft.com/office/powerpoint/2010/main" val="2785678226"/>
+      </p:ext>
+    </p:extLst>
+  </p:cSld>
+  <p:clrMapOvr>
+    <a:masterClrMapping/>
+  </p:clrMapOvr>
+</p:sld>
+</file>
+
+<file path=ppt/slides/slide41.xml><?xml version="1.0" encoding="utf-8"?>
+<p:sld xmlns:a="http://schemas.openxmlformats.org/drawingml/2006/main" xmlns:r="http://schemas.openxmlformats.org/officeDocument/2006/relationships" xmlns:p="http://schemas.openxmlformats.org/presentationml/2006/main">
+  <p:cSld>
+    <p:spTree>
+      <p:nvGrpSpPr>
+        <p:cNvPr id="1" name=""/>
+        <p:cNvGrpSpPr/>
+        <p:nvPr/>
+      </p:nvGrpSpPr>
+      <p:grpSpPr>
+        <a:xfrm>
+          <a:off x="0" y="0"/>
+          <a:ext cx="0" cy="0"/>
+          <a:chOff x="0" y="0"/>
+          <a:chExt cx="0" cy="0"/>
+        </a:xfrm>
+      </p:grpSpPr>
+      <p:sp>
+        <p:nvSpPr>
+          <p:cNvPr id="159746" name="Rectangle 3"/>
+          <p:cNvSpPr>
+            <a:spLocks noGrp="1" noChangeArrowheads="1"/>
+          </p:cNvSpPr>
+          <p:nvPr>
+            <p:ph type="title"/>
+          </p:nvPr>
+        </p:nvSpPr>
+        <p:spPr>
+          <a:xfrm>
+            <a:off x="933450" y="0"/>
+            <a:ext cx="7294563" cy="838200"/>
+          </a:xfrm>
+          <a:noFill/>
+        </p:spPr>
+        <p:txBody>
+          <a:bodyPr lIns="90488" tIns="44450" rIns="90488" bIns="44450"/>
+          <a:lstStyle/>
+          <a:p>
+            <a:pPr eaLnBrk="1" hangingPunct="1">
+              <a:lnSpc>
+                <a:spcPct val="90000"/>
+              </a:lnSpc>
+            </a:pPr>
+            <a:r>
+              <a:rPr lang="en-US" sz="3200" dirty="0"/>
+              <a:t>Question123.9.7 </a:t>
+            </a:r>
+            <a:r>
+              <a:rPr lang="en-US" sz="3200" i="1" dirty="0">
+                <a:solidFill>
+                  <a:srgbClr val="000000"/>
+                </a:solidFill>
+              </a:rPr>
+              <a:t>	</a:t>
+            </a:r>
+            <a:r>
+              <a:rPr lang="en-US" sz="3200" dirty="0">
+                <a:solidFill>
+                  <a:schemeClr val="accent2"/>
+                </a:solidFill>
+              </a:rPr>
+              <a:t>Ideal Gas Law I</a:t>
+            </a:r>
+          </a:p>
+        </p:txBody>
+      </p:sp>
+      <p:sp>
+        <p:nvSpPr>
+          <p:cNvPr id="159747" name="Rectangle 4"/>
+          <p:cNvSpPr>
+            <a:spLocks noChangeArrowheads="1"/>
+          </p:cNvSpPr>
+          <p:nvPr/>
+        </p:nvSpPr>
+        <p:spPr bwMode="auto">
+          <a:xfrm>
+            <a:off x="5303838" y="1311275"/>
+            <a:ext cx="3840162" cy="2381250"/>
+          </a:xfrm>
+          <a:prstGeom prst="rect">
+            <a:avLst/>
+          </a:prstGeom>
+          <a:noFill/>
+          <a:ln w="9525">
+            <a:noFill/>
+            <a:miter lim="800000"/>
+            <a:headEnd/>
+            <a:tailEnd/>
+          </a:ln>
+        </p:spPr>
+        <p:txBody>
+          <a:bodyPr lIns="90488" tIns="44450" rIns="90488" bIns="44450"/>
+          <a:lstStyle/>
+          <a:p>
+            <a:pPr marL="401638" indent="-401638">
+              <a:lnSpc>
+                <a:spcPct val="130000"/>
+              </a:lnSpc>
+              <a:spcBef>
+                <a:spcPct val="20000"/>
+              </a:spcBef>
+            </a:pPr>
+            <a:r>
+              <a:rPr lang="en-US" sz="2400" b="1"/>
+              <a:t>1) cylinder A</a:t>
+            </a:r>
+          </a:p>
+          <a:p>
+            <a:pPr marL="401638" indent="-401638">
+              <a:lnSpc>
+                <a:spcPct val="130000"/>
+              </a:lnSpc>
+              <a:spcBef>
+                <a:spcPct val="20000"/>
+              </a:spcBef>
+            </a:pPr>
+            <a:r>
+              <a:rPr lang="en-US" sz="2400" b="1"/>
+              <a:t>2) cylinder B </a:t>
+            </a:r>
+          </a:p>
+          <a:p>
+            <a:pPr marL="401638" indent="-401638">
+              <a:lnSpc>
+                <a:spcPct val="130000"/>
+              </a:lnSpc>
+              <a:spcBef>
+                <a:spcPct val="20000"/>
+              </a:spcBef>
+            </a:pPr>
+            <a:r>
+              <a:rPr lang="en-US" sz="2400" b="1"/>
+              <a:t>3) both the same</a:t>
+            </a:r>
+          </a:p>
+          <a:p>
+            <a:pPr marL="401638" indent="-401638">
+              <a:lnSpc>
+                <a:spcPct val="130000"/>
+              </a:lnSpc>
+              <a:spcBef>
+                <a:spcPct val="20000"/>
+              </a:spcBef>
+            </a:pPr>
+            <a:r>
+              <a:rPr lang="en-US" sz="2400" b="1"/>
+              <a:t>4) it depends on temp. T</a:t>
+            </a:r>
+          </a:p>
+        </p:txBody>
+      </p:sp>
+      <p:sp>
+        <p:nvSpPr>
+          <p:cNvPr id="159748" name="Rectangle 5"/>
+          <p:cNvSpPr>
+            <a:spLocks noGrp="1" noChangeArrowheads="1"/>
+          </p:cNvSpPr>
+          <p:nvPr>
+            <p:ph type="body" idx="1"/>
+          </p:nvPr>
+        </p:nvSpPr>
+        <p:spPr>
+          <a:xfrm>
+            <a:off x="0" y="1117600"/>
+            <a:ext cx="5092700" cy="2714625"/>
+          </a:xfrm>
+          <a:noFill/>
+        </p:spPr>
+        <p:txBody>
+          <a:bodyPr lIns="90488" tIns="44450" rIns="90488" bIns="44450">
+            <a:normAutofit lnSpcReduction="10000"/>
+          </a:bodyPr>
+          <a:lstStyle/>
+          <a:p>
+            <a:pPr marL="401638" indent="-401638" eaLnBrk="1" hangingPunct="1">
+              <a:lnSpc>
+                <a:spcPct val="150000"/>
+              </a:lnSpc>
+              <a:spcBef>
+                <a:spcPct val="50000"/>
+              </a:spcBef>
+              <a:buFontTx/>
+              <a:buNone/>
+            </a:pPr>
+            <a:r>
+              <a:rPr lang="en-US" sz="2400" b="1"/>
+              <a:t>	Two identical cylinders at the same temperature contain the same gas.  If A contains three times as much gas as B, which cylinder has the higher pressure?</a:t>
+            </a:r>
+            <a:endParaRPr lang="en-US" sz="1800" b="1"/>
+          </a:p>
+        </p:txBody>
+      </p:sp>
+    </p:spTree>
+    <p:extLst>
+      <p:ext uri="{BB962C8B-B14F-4D97-AF65-F5344CB8AC3E}">
+        <p14:creationId xmlns:p14="http://schemas.microsoft.com/office/powerpoint/2010/main" val="429714220"/>
+      </p:ext>
+    </p:extLst>
+  </p:cSld>
+  <p:clrMapOvr>
+    <a:masterClrMapping/>
+  </p:clrMapOvr>
+</p:sld>
+</file>
+
+<file path=ppt/slides/slide42.xml><?xml version="1.0" encoding="utf-8"?>
+<p:sld xmlns:a="http://schemas.openxmlformats.org/drawingml/2006/main" xmlns:r="http://schemas.openxmlformats.org/officeDocument/2006/relationships" xmlns:p="http://schemas.openxmlformats.org/presentationml/2006/main">
+  <p:cSld>
+    <p:spTree>
+      <p:nvGrpSpPr>
+        <p:cNvPr id="1" name=""/>
+        <p:cNvGrpSpPr/>
+        <p:nvPr/>
+      </p:nvGrpSpPr>
+      <p:grpSpPr>
+        <a:xfrm>
+          <a:off x="0" y="0"/>
+          <a:ext cx="0" cy="0"/>
+          <a:chOff x="0" y="0"/>
+          <a:chExt cx="0" cy="0"/>
+        </a:xfrm>
+      </p:grpSpPr>
+      <p:sp>
+        <p:nvSpPr>
+          <p:cNvPr id="160770" name="AutoShape 2"/>
+          <p:cNvSpPr>
+            <a:spLocks noChangeArrowheads="1"/>
+          </p:cNvSpPr>
+          <p:nvPr/>
+        </p:nvSpPr>
+        <p:spPr bwMode="auto">
+          <a:xfrm>
+            <a:off x="1944688" y="3567113"/>
+            <a:ext cx="5440362" cy="2878137"/>
+          </a:xfrm>
+          <a:prstGeom prst="roundRect">
+            <a:avLst>
+              <a:gd name="adj" fmla="val 16667"/>
+            </a:avLst>
+          </a:prstGeom>
+          <a:solidFill>
+            <a:schemeClr val="accent1"/>
+          </a:solidFill>
+          <a:ln w="38100">
+            <a:solidFill>
+              <a:srgbClr val="000000"/>
+            </a:solidFill>
+            <a:round/>
+            <a:headEnd type="none" w="sm" len="sm"/>
+            <a:tailEnd type="none" w="sm" len="sm"/>
+          </a:ln>
+        </p:spPr>
+        <p:txBody>
+          <a:bodyPr wrap="none" anchor="ctr"/>
+          <a:lstStyle/>
+          <a:p>
+            <a:pPr algn="ctr" eaLnBrk="0" hangingPunct="0"/>
+            <a:endParaRPr lang="en-US" sz="2400">
+              <a:latin typeface="Times New Roman" pitchFamily="18" charset="0"/>
+            </a:endParaRPr>
+          </a:p>
+        </p:txBody>
+      </p:sp>
+      <p:sp>
+        <p:nvSpPr>
+          <p:cNvPr id="1146883" name="Rectangle 3"/>
+          <p:cNvSpPr>
+            <a:spLocks noChangeArrowheads="1"/>
+          </p:cNvSpPr>
+          <p:nvPr/>
+        </p:nvSpPr>
+        <p:spPr bwMode="auto">
+          <a:xfrm>
+            <a:off x="2201863" y="3568700"/>
+            <a:ext cx="5214937" cy="2532063"/>
+          </a:xfrm>
+          <a:prstGeom prst="rect">
+            <a:avLst/>
+          </a:prstGeom>
+          <a:noFill/>
+          <a:ln w="9525">
+            <a:noFill/>
+            <a:miter lim="800000"/>
+            <a:headEnd/>
+            <a:tailEnd/>
+          </a:ln>
+          <a:effectLst/>
+        </p:spPr>
+        <p:txBody>
+          <a:bodyPr lIns="92075" tIns="46038" rIns="92075" bIns="46038">
+            <a:spAutoFit/>
+          </a:bodyPr>
+          <a:lstStyle/>
+          <a:p>
+            <a:pPr marL="285750" indent="-285750" eaLnBrk="0" hangingPunct="0">
+              <a:lnSpc>
+                <a:spcPct val="140000"/>
+              </a:lnSpc>
+              <a:spcBef>
+                <a:spcPct val="50000"/>
+              </a:spcBef>
+              <a:defRPr/>
+            </a:pPr>
+            <a:r>
+              <a:rPr lang="en-US" sz="2000" b="1">
+                <a:solidFill>
+                  <a:schemeClr val="bg2"/>
+                </a:solidFill>
+              </a:rPr>
+              <a:t>Ideal gas law:   </a:t>
+            </a:r>
+            <a:r>
+              <a:rPr lang="en-US" sz="2000" i="1">
+                <a:solidFill>
+                  <a:srgbClr val="0066FF"/>
+                </a:solidFill>
+                <a:effectLst>
+                  <a:outerShdw blurRad="38100" dist="38100" dir="2700000" algn="tl">
+                    <a:srgbClr val="C0C0C0"/>
+                  </a:outerShdw>
+                </a:effectLst>
+                <a:latin typeface="Arial Black" pitchFamily="34" charset="0"/>
+              </a:rPr>
+              <a:t>PV</a:t>
+            </a:r>
+            <a:r>
+              <a:rPr lang="en-US" sz="2000">
+                <a:solidFill>
+                  <a:srgbClr val="0066FF"/>
+                </a:solidFill>
+                <a:effectLst>
+                  <a:outerShdw blurRad="38100" dist="38100" dir="2700000" algn="tl">
+                    <a:srgbClr val="C0C0C0"/>
+                  </a:outerShdw>
+                </a:effectLst>
+                <a:latin typeface="Arial Black" pitchFamily="34" charset="0"/>
+              </a:rPr>
+              <a:t>  =  </a:t>
+            </a:r>
+            <a:r>
+              <a:rPr lang="en-US" sz="2000" i="1">
+                <a:solidFill>
+                  <a:srgbClr val="0066FF"/>
+                </a:solidFill>
+                <a:effectLst>
+                  <a:outerShdw blurRad="38100" dist="38100" dir="2700000" algn="tl">
+                    <a:srgbClr val="C0C0C0"/>
+                  </a:outerShdw>
+                </a:effectLst>
+                <a:latin typeface="Arial Black" pitchFamily="34" charset="0"/>
+              </a:rPr>
+              <a:t>nRT</a:t>
+            </a:r>
+            <a:endParaRPr lang="en-US" sz="2000" b="1" i="1">
+              <a:solidFill>
+                <a:schemeClr val="bg2"/>
+              </a:solidFill>
+            </a:endParaRPr>
+          </a:p>
+          <a:p>
+            <a:pPr marL="285750" indent="-285750" eaLnBrk="0" hangingPunct="0">
+              <a:lnSpc>
+                <a:spcPct val="140000"/>
+              </a:lnSpc>
+              <a:spcBef>
+                <a:spcPct val="50000"/>
+              </a:spcBef>
+              <a:defRPr/>
+            </a:pPr>
+            <a:r>
+              <a:rPr lang="en-US" sz="2000" b="1">
+                <a:solidFill>
+                  <a:schemeClr val="bg2"/>
+                </a:solidFill>
+              </a:rPr>
+              <a:t>Solve for pressure:  </a:t>
+            </a:r>
+            <a:r>
+              <a:rPr lang="en-US" sz="2000" i="1">
+                <a:solidFill>
+                  <a:srgbClr val="0066FF"/>
+                </a:solidFill>
+                <a:effectLst>
+                  <a:outerShdw blurRad="38100" dist="38100" dir="2700000" algn="tl">
+                    <a:srgbClr val="C0C0C0"/>
+                  </a:outerShdw>
+                </a:effectLst>
+                <a:latin typeface="Arial Black" pitchFamily="34" charset="0"/>
+              </a:rPr>
+              <a:t>P</a:t>
+            </a:r>
+            <a:r>
+              <a:rPr lang="en-US" sz="2000">
+                <a:solidFill>
+                  <a:srgbClr val="0066FF"/>
+                </a:solidFill>
+                <a:effectLst>
+                  <a:outerShdw blurRad="38100" dist="38100" dir="2700000" algn="tl">
+                    <a:srgbClr val="C0C0C0"/>
+                  </a:outerShdw>
+                </a:effectLst>
+                <a:latin typeface="Arial Black" pitchFamily="34" charset="0"/>
+              </a:rPr>
+              <a:t>  =  </a:t>
+            </a:r>
+            <a:r>
+              <a:rPr lang="en-US" sz="2000" i="1">
+                <a:solidFill>
+                  <a:srgbClr val="0066FF"/>
+                </a:solidFill>
+                <a:effectLst>
+                  <a:outerShdw blurRad="38100" dist="38100" dir="2700000" algn="tl">
+                    <a:srgbClr val="C0C0C0"/>
+                  </a:outerShdw>
+                </a:effectLst>
+                <a:latin typeface="Arial Black" pitchFamily="34" charset="0"/>
+              </a:rPr>
+              <a:t>nRT / V</a:t>
+            </a:r>
+            <a:endParaRPr lang="en-US" sz="2000" b="1" i="1">
+              <a:solidFill>
+                <a:schemeClr val="bg2"/>
+              </a:solidFill>
+            </a:endParaRPr>
+          </a:p>
+          <a:p>
+            <a:pPr marL="285750" indent="-285750" eaLnBrk="0" hangingPunct="0">
+              <a:lnSpc>
+                <a:spcPct val="140000"/>
+              </a:lnSpc>
+              <a:spcBef>
+                <a:spcPct val="50000"/>
+              </a:spcBef>
+              <a:defRPr/>
+            </a:pPr>
+            <a:r>
+              <a:rPr lang="en-US" sz="2000" b="1">
+                <a:solidFill>
+                  <a:schemeClr val="bg2"/>
+                </a:solidFill>
+              </a:rPr>
+              <a:t>For constant </a:t>
+            </a:r>
+            <a:r>
+              <a:rPr lang="en-US" sz="2000" b="1" i="1">
+                <a:solidFill>
+                  <a:schemeClr val="bg2"/>
+                </a:solidFill>
+              </a:rPr>
+              <a:t>V</a:t>
+            </a:r>
+            <a:r>
+              <a:rPr lang="en-US" sz="2000" b="1">
+                <a:solidFill>
+                  <a:schemeClr val="bg2"/>
+                </a:solidFill>
+              </a:rPr>
+              <a:t> and </a:t>
+            </a:r>
+            <a:r>
+              <a:rPr lang="en-US" sz="2000" b="1" i="1">
+                <a:solidFill>
+                  <a:schemeClr val="bg2"/>
+                </a:solidFill>
+              </a:rPr>
+              <a:t>T</a:t>
+            </a:r>
+            <a:r>
+              <a:rPr lang="en-US" sz="2000" b="1">
+                <a:solidFill>
+                  <a:schemeClr val="bg2"/>
+                </a:solidFill>
+              </a:rPr>
+              <a:t>, the one with more gas  (</a:t>
+            </a:r>
+            <a:r>
+              <a:rPr lang="en-US" sz="2000" b="1">
+                <a:solidFill>
+                  <a:schemeClr val="bg1"/>
+                </a:solidFill>
+                <a:effectLst>
+                  <a:outerShdw blurRad="38100" dist="38100" dir="2700000" algn="tl">
+                    <a:srgbClr val="C0C0C0"/>
+                  </a:outerShdw>
+                </a:effectLst>
+              </a:rPr>
+              <a:t>the larger value of </a:t>
+            </a:r>
+            <a:r>
+              <a:rPr lang="en-US" sz="2000" b="1" i="1">
+                <a:solidFill>
+                  <a:schemeClr val="bg1"/>
+                </a:solidFill>
+                <a:effectLst>
+                  <a:outerShdw blurRad="38100" dist="38100" dir="2700000" algn="tl">
+                    <a:srgbClr val="C0C0C0"/>
+                  </a:outerShdw>
+                </a:effectLst>
+              </a:rPr>
+              <a:t>n</a:t>
+            </a:r>
+            <a:r>
+              <a:rPr lang="en-US" sz="2000" b="1">
+                <a:solidFill>
+                  <a:schemeClr val="bg2"/>
+                </a:solidFill>
+              </a:rPr>
+              <a:t>) has the higher pressure </a:t>
+            </a:r>
+            <a:r>
+              <a:rPr lang="en-US" sz="2000" b="1" i="1">
+                <a:solidFill>
+                  <a:schemeClr val="bg2"/>
+                </a:solidFill>
+              </a:rPr>
+              <a:t>P</a:t>
+            </a:r>
+            <a:r>
+              <a:rPr lang="en-US" sz="2000" b="1">
+                <a:solidFill>
+                  <a:schemeClr val="bg2"/>
+                </a:solidFill>
+              </a:rPr>
+              <a:t>.</a:t>
+            </a:r>
+            <a:endParaRPr lang="en-US" sz="2200" b="1">
+              <a:solidFill>
+                <a:schemeClr val="bg2"/>
+              </a:solidFill>
+            </a:endParaRPr>
+          </a:p>
+        </p:txBody>
+      </p:sp>
+      <p:sp>
+        <p:nvSpPr>
+          <p:cNvPr id="160772" name="Rectangle 5"/>
+          <p:cNvSpPr>
+            <a:spLocks noGrp="1" noChangeArrowheads="1"/>
+          </p:cNvSpPr>
+          <p:nvPr>
+            <p:ph type="title"/>
+          </p:nvPr>
+        </p:nvSpPr>
+        <p:spPr>
+          <a:xfrm>
+            <a:off x="933450" y="0"/>
+            <a:ext cx="7294563" cy="838200"/>
+          </a:xfrm>
+          <a:noFill/>
+        </p:spPr>
+        <p:txBody>
+          <a:bodyPr lIns="90488" tIns="44450" rIns="90488" bIns="44450"/>
+          <a:lstStyle/>
+          <a:p>
+            <a:pPr eaLnBrk="1" hangingPunct="1">
+              <a:lnSpc>
+                <a:spcPct val="90000"/>
+              </a:lnSpc>
+            </a:pPr>
+            <a:r>
+              <a:rPr lang="en-US" sz="3200" dirty="0"/>
+              <a:t>Question123.9.5</a:t>
+            </a:r>
+            <a:r>
+              <a:rPr lang="en-US" sz="3200" i="1" dirty="0">
+                <a:solidFill>
+                  <a:srgbClr val="000000"/>
+                </a:solidFill>
+              </a:rPr>
+              <a:t>	</a:t>
+            </a:r>
+            <a:r>
+              <a:rPr lang="en-US" sz="3200" dirty="0">
+                <a:solidFill>
+                  <a:schemeClr val="accent2"/>
+                </a:solidFill>
+              </a:rPr>
+              <a:t>Ideal Gas Law I</a:t>
+            </a:r>
+          </a:p>
+        </p:txBody>
+      </p:sp>
+      <p:sp>
+        <p:nvSpPr>
+          <p:cNvPr id="160773" name="Oval 6"/>
+          <p:cNvSpPr>
+            <a:spLocks noChangeArrowheads="1"/>
+          </p:cNvSpPr>
+          <p:nvPr/>
+        </p:nvSpPr>
+        <p:spPr bwMode="auto">
+          <a:xfrm>
+            <a:off x="5167313" y="1147763"/>
+            <a:ext cx="2236787" cy="641350"/>
+          </a:xfrm>
+          <a:prstGeom prst="ellipse">
+            <a:avLst/>
+          </a:prstGeom>
+          <a:noFill/>
+          <a:ln w="38100">
+            <a:solidFill>
+              <a:schemeClr val="accent1"/>
+            </a:solidFill>
+            <a:round/>
+            <a:headEnd/>
+            <a:tailEnd/>
+          </a:ln>
+        </p:spPr>
+        <p:txBody>
+          <a:bodyPr anchor="ctr">
+            <a:spAutoFit/>
+          </a:bodyPr>
+          <a:lstStyle/>
+          <a:p>
+            <a:endParaRPr lang="en-US"/>
+          </a:p>
+        </p:txBody>
+      </p:sp>
+      <p:sp>
+        <p:nvSpPr>
+          <p:cNvPr id="160774" name="Rectangle 7"/>
+          <p:cNvSpPr>
+            <a:spLocks noChangeArrowheads="1"/>
+          </p:cNvSpPr>
+          <p:nvPr/>
+        </p:nvSpPr>
+        <p:spPr bwMode="auto">
+          <a:xfrm>
+            <a:off x="5303838" y="1211263"/>
+            <a:ext cx="3551237" cy="2381250"/>
+          </a:xfrm>
+          <a:prstGeom prst="rect">
+            <a:avLst/>
+          </a:prstGeom>
+          <a:noFill/>
+          <a:ln w="9525">
+            <a:noFill/>
+            <a:miter lim="800000"/>
+            <a:headEnd/>
+            <a:tailEnd/>
+          </a:ln>
+        </p:spPr>
+        <p:txBody>
+          <a:bodyPr lIns="90488" tIns="44450" rIns="90488" bIns="44450"/>
+          <a:lstStyle/>
+          <a:p>
+            <a:pPr marL="401638" indent="-401638">
+              <a:lnSpc>
+                <a:spcPct val="130000"/>
+              </a:lnSpc>
+              <a:spcBef>
+                <a:spcPct val="20000"/>
+              </a:spcBef>
+            </a:pPr>
+            <a:r>
+              <a:rPr lang="en-US" sz="2000" b="1"/>
+              <a:t>1) cylinder A</a:t>
+            </a:r>
+          </a:p>
+          <a:p>
+            <a:pPr marL="401638" indent="-401638">
+              <a:lnSpc>
+                <a:spcPct val="130000"/>
+              </a:lnSpc>
+              <a:spcBef>
+                <a:spcPct val="20000"/>
+              </a:spcBef>
+            </a:pPr>
+            <a:r>
+              <a:rPr lang="en-US" sz="2000" b="1"/>
+              <a:t>2) cylinder B </a:t>
+            </a:r>
+          </a:p>
+          <a:p>
+            <a:pPr marL="401638" indent="-401638">
+              <a:lnSpc>
+                <a:spcPct val="130000"/>
+              </a:lnSpc>
+              <a:spcBef>
+                <a:spcPct val="20000"/>
+              </a:spcBef>
+            </a:pPr>
+            <a:r>
+              <a:rPr lang="en-US" sz="2000" b="1"/>
+              <a:t>3) both the same</a:t>
+            </a:r>
+          </a:p>
+          <a:p>
+            <a:pPr marL="401638" indent="-401638">
+              <a:lnSpc>
+                <a:spcPct val="130000"/>
+              </a:lnSpc>
+              <a:spcBef>
+                <a:spcPct val="20000"/>
+              </a:spcBef>
+            </a:pPr>
+            <a:r>
+              <a:rPr lang="en-US" sz="2000" b="1"/>
+              <a:t>4) it depends on temp. </a:t>
+            </a:r>
+            <a:r>
+              <a:rPr lang="en-US" sz="2000" b="1" i="1"/>
+              <a:t>T</a:t>
+            </a:r>
+          </a:p>
+        </p:txBody>
+      </p:sp>
+      <p:sp>
+        <p:nvSpPr>
+          <p:cNvPr id="160775" name="Rectangle 8"/>
+          <p:cNvSpPr>
+            <a:spLocks noGrp="1" noChangeArrowheads="1"/>
+          </p:cNvSpPr>
+          <p:nvPr>
+            <p:ph type="body" idx="1"/>
+          </p:nvPr>
+        </p:nvSpPr>
+        <p:spPr>
+          <a:xfrm>
+            <a:off x="0" y="1089025"/>
+            <a:ext cx="5092700" cy="2643188"/>
+          </a:xfrm>
+          <a:noFill/>
+        </p:spPr>
+        <p:txBody>
+          <a:bodyPr lIns="90488" tIns="44450" rIns="90488" bIns="44450"/>
+          <a:lstStyle/>
+          <a:p>
+            <a:pPr marL="401638" indent="-401638" eaLnBrk="1" hangingPunct="1">
+              <a:lnSpc>
+                <a:spcPct val="150000"/>
+              </a:lnSpc>
+              <a:spcBef>
+                <a:spcPct val="50000"/>
+              </a:spcBef>
+              <a:buFontTx/>
+              <a:buNone/>
+            </a:pPr>
+            <a:r>
+              <a:rPr lang="en-US" sz="2000" b="1"/>
+              <a:t>	Two identical cylinders at the same temperature contain the same gas.  If A contains three times as much gas as B, which cylinder has the higher pressure?</a:t>
+            </a:r>
+            <a:endParaRPr lang="en-US" sz="1600" b="1"/>
+          </a:p>
+        </p:txBody>
+      </p:sp>
+    </p:spTree>
+    <p:extLst>
+      <p:ext uri="{BB962C8B-B14F-4D97-AF65-F5344CB8AC3E}">
+        <p14:creationId xmlns:p14="http://schemas.microsoft.com/office/powerpoint/2010/main" val="2185010735"/>
+      </p:ext>
+    </p:extLst>
+  </p:cSld>
+  <p:clrMapOvr>
+    <a:masterClrMapping/>
+  </p:clrMapOvr>
+</p:sld>
+</file>
+
+<file path=ppt/slides/slide43.xml><?xml version="1.0" encoding="utf-8"?>
+<p:sld xmlns:a="http://schemas.openxmlformats.org/drawingml/2006/main" xmlns:r="http://schemas.openxmlformats.org/officeDocument/2006/relationships" xmlns:p="http://schemas.openxmlformats.org/presentationml/2006/main">
+  <p:cSld>
+    <p:spTree>
+      <p:nvGrpSpPr>
+        <p:cNvPr id="1" name=""/>
+        <p:cNvGrpSpPr/>
+        <p:nvPr/>
+      </p:nvGrpSpPr>
+      <p:grpSpPr>
+        <a:xfrm>
+          <a:off x="0" y="0"/>
+          <a:ext cx="0" cy="0"/>
+          <a:chOff x="0" y="0"/>
+          <a:chExt cx="0" cy="0"/>
+        </a:xfrm>
+      </p:grpSpPr>
+      <p:sp>
+        <p:nvSpPr>
+          <p:cNvPr id="161794" name="Rectangle 3"/>
+          <p:cNvSpPr>
+            <a:spLocks noGrp="1" noChangeArrowheads="1"/>
+          </p:cNvSpPr>
+          <p:nvPr>
+            <p:ph type="title"/>
+          </p:nvPr>
+        </p:nvSpPr>
+        <p:spPr>
+          <a:xfrm>
+            <a:off x="933450" y="0"/>
+            <a:ext cx="7294563" cy="838200"/>
+          </a:xfrm>
+          <a:noFill/>
+        </p:spPr>
+        <p:txBody>
+          <a:bodyPr lIns="90488" tIns="44450" rIns="90488" bIns="44450"/>
+          <a:lstStyle/>
+          <a:p>
+            <a:pPr eaLnBrk="1" hangingPunct="1">
+              <a:lnSpc>
+                <a:spcPct val="90000"/>
+              </a:lnSpc>
+            </a:pPr>
+            <a:r>
+              <a:rPr lang="en-US" sz="3200" dirty="0"/>
+              <a:t>Question123.9.8 </a:t>
+            </a:r>
+            <a:r>
+              <a:rPr lang="en-US" sz="3200" i="1" dirty="0">
+                <a:solidFill>
+                  <a:srgbClr val="000000"/>
+                </a:solidFill>
+              </a:rPr>
+              <a:t>	</a:t>
+            </a:r>
+            <a:r>
+              <a:rPr lang="en-US" sz="3200" dirty="0">
+                <a:solidFill>
+                  <a:schemeClr val="accent2"/>
+                </a:solidFill>
+              </a:rPr>
+              <a:t>Ideal Gas Law II</a:t>
+            </a:r>
+          </a:p>
+        </p:txBody>
+      </p:sp>
+      <p:sp>
+        <p:nvSpPr>
+          <p:cNvPr id="161795" name="Rectangle 4"/>
+          <p:cNvSpPr>
+            <a:spLocks noChangeArrowheads="1"/>
+          </p:cNvSpPr>
+          <p:nvPr/>
+        </p:nvSpPr>
+        <p:spPr bwMode="auto">
+          <a:xfrm>
+            <a:off x="5303838" y="1082675"/>
+            <a:ext cx="3840162" cy="2381250"/>
+          </a:xfrm>
+          <a:prstGeom prst="rect">
+            <a:avLst/>
+          </a:prstGeom>
+          <a:noFill/>
+          <a:ln w="9525">
+            <a:noFill/>
+            <a:miter lim="800000"/>
+            <a:headEnd/>
+            <a:tailEnd/>
+          </a:ln>
+        </p:spPr>
+        <p:txBody>
+          <a:bodyPr lIns="90488" tIns="44450" rIns="90488" bIns="44450"/>
+          <a:lstStyle/>
+          <a:p>
+            <a:pPr marL="401638" indent="-401638">
+              <a:lnSpc>
+                <a:spcPct val="130000"/>
+              </a:lnSpc>
+              <a:spcBef>
+                <a:spcPct val="20000"/>
+              </a:spcBef>
+            </a:pPr>
+            <a:r>
+              <a:rPr lang="en-US" sz="2000" b="1"/>
+              <a:t>1) cylinder A</a:t>
+            </a:r>
+          </a:p>
+          <a:p>
+            <a:pPr marL="401638" indent="-401638">
+              <a:lnSpc>
+                <a:spcPct val="130000"/>
+              </a:lnSpc>
+              <a:spcBef>
+                <a:spcPct val="20000"/>
+              </a:spcBef>
+            </a:pPr>
+            <a:r>
+              <a:rPr lang="en-US" sz="2000" b="1"/>
+              <a:t>2) cylinder B </a:t>
+            </a:r>
+          </a:p>
+          <a:p>
+            <a:pPr marL="401638" indent="-401638">
+              <a:lnSpc>
+                <a:spcPct val="130000"/>
+              </a:lnSpc>
+              <a:spcBef>
+                <a:spcPct val="20000"/>
+              </a:spcBef>
+            </a:pPr>
+            <a:r>
+              <a:rPr lang="en-US" sz="2000" b="1"/>
+              <a:t>3) both the same</a:t>
+            </a:r>
+          </a:p>
+          <a:p>
+            <a:pPr marL="401638" indent="-401638">
+              <a:lnSpc>
+                <a:spcPct val="130000"/>
+              </a:lnSpc>
+              <a:spcBef>
+                <a:spcPct val="20000"/>
+              </a:spcBef>
+            </a:pPr>
+            <a:r>
+              <a:rPr lang="en-US" sz="2000" b="1"/>
+              <a:t>4) it depends on the pressure P</a:t>
+            </a:r>
+          </a:p>
+        </p:txBody>
+      </p:sp>
+      <p:sp>
+        <p:nvSpPr>
+          <p:cNvPr id="161796" name="Rectangle 5"/>
+          <p:cNvSpPr>
+            <a:spLocks noGrp="1" noChangeArrowheads="1"/>
+          </p:cNvSpPr>
+          <p:nvPr>
+            <p:ph type="body" idx="1"/>
+          </p:nvPr>
+        </p:nvSpPr>
+        <p:spPr>
+          <a:xfrm>
+            <a:off x="0" y="1071563"/>
+            <a:ext cx="5092700" cy="2643187"/>
+          </a:xfrm>
+          <a:noFill/>
+        </p:spPr>
+        <p:txBody>
+          <a:bodyPr lIns="90488" tIns="44450" rIns="90488" bIns="44450"/>
+          <a:lstStyle/>
+          <a:p>
+            <a:pPr marL="401638" indent="-401638" eaLnBrk="1" hangingPunct="1">
+              <a:lnSpc>
+                <a:spcPct val="139000"/>
+              </a:lnSpc>
+              <a:buFontTx/>
+              <a:buNone/>
+            </a:pPr>
+            <a:r>
+              <a:rPr lang="en-US" sz="2400" b="1"/>
+              <a:t>	Two identical cylinders at the same pressure contain the same gas.  If A contains three times as much gas as B, which cylinder has the higher temperature?</a:t>
+            </a:r>
+            <a:endParaRPr lang="en-US" sz="1800" b="1"/>
+          </a:p>
+        </p:txBody>
+      </p:sp>
+    </p:spTree>
+    <p:extLst>
+      <p:ext uri="{BB962C8B-B14F-4D97-AF65-F5344CB8AC3E}">
+        <p14:creationId xmlns:p14="http://schemas.microsoft.com/office/powerpoint/2010/main" val="56680486"/>
+      </p:ext>
+    </p:extLst>
+  </p:cSld>
+  <p:clrMapOvr>
+    <a:masterClrMapping/>
+  </p:clrMapOvr>
+</p:sld>
+</file>
+
+<file path=ppt/slides/slide44.xml><?xml version="1.0" encoding="utf-8"?>
+<p:sld xmlns:a="http://schemas.openxmlformats.org/drawingml/2006/main" xmlns:r="http://schemas.openxmlformats.org/officeDocument/2006/relationships" xmlns:p="http://schemas.openxmlformats.org/presentationml/2006/main">
+  <p:cSld>
+    <p:spTree>
+      <p:nvGrpSpPr>
+        <p:cNvPr id="1" name=""/>
+        <p:cNvGrpSpPr/>
+        <p:nvPr/>
+      </p:nvGrpSpPr>
+      <p:grpSpPr>
+        <a:xfrm>
+          <a:off x="0" y="0"/>
+          <a:ext cx="0" cy="0"/>
+          <a:chOff x="0" y="0"/>
+          <a:chExt cx="0" cy="0"/>
+        </a:xfrm>
+      </p:grpSpPr>
       <p:sp>
         <p:nvSpPr>
           <p:cNvPr id="162818" name="AutoShape 2"/>
@@ -12389,7 +14210,7 @@
 </p:sld>
 </file>
 
-<file path=ppt/slides/slide41.xml><?xml version="1.0" encoding="utf-8"?>
+<file path=ppt/slides/slide45.xml><?xml version="1.0" encoding="utf-8"?>
 <p:sld xmlns:a="http://schemas.openxmlformats.org/drawingml/2006/main" xmlns:r="http://schemas.openxmlformats.org/officeDocument/2006/relationships" xmlns:p="http://schemas.openxmlformats.org/presentationml/2006/main">
   <p:cSld>
     <p:spTree>
@@ -12760,7 +14581,7 @@
 </p:sld>
 </file>
 
-<file path=ppt/slides/slide42.xml><?xml version="1.0" encoding="utf-8"?>
+<file path=ppt/slides/slide46.xml><?xml version="1.0" encoding="utf-8"?>
 <p:sld xmlns:a="http://schemas.openxmlformats.org/drawingml/2006/main" xmlns:r="http://schemas.openxmlformats.org/officeDocument/2006/relationships" xmlns:p="http://schemas.openxmlformats.org/presentationml/2006/main">
   <p:cSld>
     <p:spTree>
@@ -13365,7 +15186,7 @@
 </p:sld>
 </file>
 
-<file path=ppt/slides/slide43.xml><?xml version="1.0" encoding="utf-8"?>
+<file path=ppt/slides/slide47.xml><?xml version="1.0" encoding="utf-8"?>
 <p:sld xmlns:a="http://schemas.openxmlformats.org/drawingml/2006/main" xmlns:r="http://schemas.openxmlformats.org/officeDocument/2006/relationships" xmlns:p="http://schemas.openxmlformats.org/presentationml/2006/main">
   <p:cSld>
     <p:spTree>
@@ -13584,7 +15405,7 @@
 </p:sld>
 </file>
 
-<file path=ppt/slides/slide44.xml><?xml version="1.0" encoding="utf-8"?>
+<file path=ppt/slides/slide48.xml><?xml version="1.0" encoding="utf-8"?>
 <p:sld xmlns:a="http://schemas.openxmlformats.org/drawingml/2006/main" xmlns:r="http://schemas.openxmlformats.org/officeDocument/2006/relationships" xmlns:p="http://schemas.openxmlformats.org/presentationml/2006/main">
   <p:cSld>
     <p:spTree>
@@ -13999,7 +15820,7 @@
 </p:sld>
 </file>
 
-<file path=ppt/slides/slide45.xml><?xml version="1.0" encoding="utf-8"?>
+<file path=ppt/slides/slide49.xml><?xml version="1.0" encoding="utf-8"?>
 <p:sld xmlns:a="http://schemas.openxmlformats.org/drawingml/2006/main" xmlns:r="http://schemas.openxmlformats.org/officeDocument/2006/relationships" xmlns:p="http://schemas.openxmlformats.org/presentationml/2006/main">
   <p:cSld>
     <p:spTree>
@@ -14254,7 +16075,200 @@
 </p:sld>
 </file>
 
-<file path=ppt/slides/slide46.xml><?xml version="1.0" encoding="utf-8"?>
+<file path=ppt/slides/slide5.xml><?xml version="1.0" encoding="utf-8"?>
+<p:sld xmlns:a="http://schemas.openxmlformats.org/drawingml/2006/main" xmlns:r="http://schemas.openxmlformats.org/officeDocument/2006/relationships" xmlns:p="http://schemas.openxmlformats.org/presentationml/2006/main">
+  <p:cSld>
+    <p:spTree>
+      <p:nvGrpSpPr>
+        <p:cNvPr id="1" name=""/>
+        <p:cNvGrpSpPr/>
+        <p:nvPr/>
+      </p:nvGrpSpPr>
+      <p:grpSpPr>
+        <a:xfrm>
+          <a:off x="0" y="0"/>
+          <a:ext cx="0" cy="0"/>
+          <a:chOff x="0" y="0"/>
+          <a:chExt cx="0" cy="0"/>
+        </a:xfrm>
+      </p:grpSpPr>
+      <p:sp>
+        <p:nvSpPr>
+          <p:cNvPr id="29698" name="Rectangle 2"/>
+          <p:cNvSpPr>
+            <a:spLocks noGrp="1" noChangeArrowheads="1"/>
+          </p:cNvSpPr>
+          <p:nvPr>
+            <p:ph type="title"/>
+          </p:nvPr>
+        </p:nvSpPr>
+        <p:spPr/>
+        <p:txBody>
+          <a:bodyPr/>
+          <a:lstStyle/>
+          <a:p>
+            <a:pPr eaLnBrk="1" hangingPunct="1"/>
+            <a:r>
+              <a:rPr lang="en-US"/>
+              <a:t>Conduction example</a:t>
+            </a:r>
+          </a:p>
+        </p:txBody>
+      </p:sp>
+      <p:sp>
+        <p:nvSpPr>
+          <p:cNvPr id="29699" name="Rectangle 3"/>
+          <p:cNvSpPr>
+            <a:spLocks noGrp="1" noChangeArrowheads="1"/>
+          </p:cNvSpPr>
+          <p:nvPr>
+            <p:ph type="body" sz="half" idx="1"/>
+          </p:nvPr>
+        </p:nvSpPr>
+        <p:spPr>
+          <a:xfrm>
+            <a:off x="152400" y="1789113"/>
+            <a:ext cx="4459288" cy="4114800"/>
+          </a:xfrm>
+        </p:spPr>
+        <p:txBody>
+          <a:bodyPr/>
+          <a:lstStyle/>
+          <a:p>
+            <a:pPr eaLnBrk="1" hangingPunct="1">
+              <a:lnSpc>
+                <a:spcPct val="90000"/>
+              </a:lnSpc>
+            </a:pPr>
+            <a:r>
+              <a:rPr lang="en-US" sz="2400"/>
+              <a:t>The molecules vibrate about their equilibrium positions</a:t>
+            </a:r>
+          </a:p>
+          <a:p>
+            <a:pPr eaLnBrk="1" hangingPunct="1">
+              <a:lnSpc>
+                <a:spcPct val="90000"/>
+              </a:lnSpc>
+            </a:pPr>
+            <a:r>
+              <a:rPr lang="en-US" sz="2400"/>
+              <a:t>Particles near the stove coil vibrate with larger amplitudes</a:t>
+            </a:r>
+          </a:p>
+          <a:p>
+            <a:pPr eaLnBrk="1" hangingPunct="1">
+              <a:lnSpc>
+                <a:spcPct val="90000"/>
+              </a:lnSpc>
+            </a:pPr>
+            <a:r>
+              <a:rPr lang="en-US" sz="2400"/>
+              <a:t>These collide with adjacent molecules and transfer some energy</a:t>
+            </a:r>
+          </a:p>
+          <a:p>
+            <a:pPr eaLnBrk="1" hangingPunct="1">
+              <a:lnSpc>
+                <a:spcPct val="90000"/>
+              </a:lnSpc>
+            </a:pPr>
+            <a:r>
+              <a:rPr lang="en-US" sz="2400"/>
+              <a:t>Eventually, the energy travels entirely through the pan and its handle</a:t>
+            </a:r>
+          </a:p>
+          <a:p>
+            <a:pPr eaLnBrk="1" hangingPunct="1">
+              <a:lnSpc>
+                <a:spcPct val="90000"/>
+              </a:lnSpc>
+            </a:pPr>
+            <a:endParaRPr lang="en-US" sz="2400"/>
+          </a:p>
+        </p:txBody>
+      </p:sp>
+      <p:sp>
+        <p:nvSpPr>
+          <p:cNvPr id="3" name="Online Image Placeholder 2">
+            <a:extLst>
+              <a:ext uri="{FF2B5EF4-FFF2-40B4-BE49-F238E27FC236}">
+                <a16:creationId xmlns:a16="http://schemas.microsoft.com/office/drawing/2014/main" id="{2CC9C444-06D0-76B1-7BA7-2BA427740A4C}"/>
+              </a:ext>
+            </a:extLst>
+          </p:cNvPr>
+          <p:cNvSpPr>
+            <a:spLocks noGrp="1"/>
+          </p:cNvSpPr>
+          <p:nvPr>
+            <p:ph type="clipArt" sz="half" idx="2"/>
+          </p:nvPr>
+        </p:nvSpPr>
+        <p:spPr/>
+        <p:txBody>
+          <a:bodyPr/>
+          <a:lstStyle/>
+          <a:p>
+            <a:endParaRPr lang="en-US"/>
+          </a:p>
+        </p:txBody>
+      </p:sp>
+      <p:pic>
+        <p:nvPicPr>
+          <p:cNvPr id="2050" name="Picture 2">
+            <a:extLst>
+              <a:ext uri="{FF2B5EF4-FFF2-40B4-BE49-F238E27FC236}">
+                <a16:creationId xmlns:a16="http://schemas.microsoft.com/office/drawing/2014/main" id="{492380C8-87EE-D09A-0AA9-B43EA1CF4C8A}"/>
+              </a:ext>
+            </a:extLst>
+          </p:cNvPr>
+          <p:cNvPicPr>
+            <a:picLocks noChangeAspect="1" noChangeArrowheads="1"/>
+          </p:cNvPicPr>
+          <p:nvPr/>
+        </p:nvPicPr>
+        <p:blipFill>
+          <a:blip r:embed="rId2">
+            <a:extLst>
+              <a:ext uri="{28A0092B-C50C-407E-A947-70E740481C1C}">
+                <a14:useLocalDpi xmlns:a14="http://schemas.microsoft.com/office/drawing/2010/main" val="0"/>
+              </a:ext>
+            </a:extLst>
+          </a:blip>
+          <a:srcRect/>
+          <a:stretch>
+            <a:fillRect/>
+          </a:stretch>
+        </p:blipFill>
+        <p:spPr bwMode="auto">
+          <a:xfrm>
+            <a:off x="4838700" y="1524000"/>
+            <a:ext cx="3657600" cy="4871923"/>
+          </a:xfrm>
+          <a:prstGeom prst="rect">
+            <a:avLst/>
+          </a:prstGeom>
+          <a:noFill/>
+          <a:extLst>
+            <a:ext uri="{909E8E84-426E-40DD-AFC4-6F175D3DCCD1}">
+              <a14:hiddenFill xmlns:a14="http://schemas.microsoft.com/office/drawing/2010/main">
+                <a:solidFill>
+                  <a:srgbClr val="FFFFFF"/>
+                </a:solidFill>
+              </a14:hiddenFill>
+            </a:ext>
+          </a:extLst>
+        </p:spPr>
+      </p:pic>
+    </p:spTree>
+  </p:cSld>
+  <p:clrMapOvr>
+    <a:masterClrMapping/>
+  </p:clrMapOvr>
+</p:sld>
+</file>
+
+<file path=ppt/slides/slide50.xml><?xml version="1.0" encoding="utf-8"?>
 <p:sld xmlns:a="http://schemas.openxmlformats.org/drawingml/2006/main" xmlns:r="http://schemas.openxmlformats.org/officeDocument/2006/relationships" xmlns:p="http://schemas.openxmlformats.org/presentationml/2006/main">
   <p:cSld>
     <p:spTree>
@@ -15180,7 +17194,7 @@
 </p:sld>
 </file>
 
-<file path=ppt/slides/slide47.xml><?xml version="1.0" encoding="utf-8"?>
+<file path=ppt/slides/slide51.xml><?xml version="1.0" encoding="utf-8"?>
 <p:sld xmlns:a="http://schemas.openxmlformats.org/drawingml/2006/main" xmlns:r="http://schemas.openxmlformats.org/officeDocument/2006/relationships" xmlns:p="http://schemas.openxmlformats.org/presentationml/2006/main">
   <p:cSld>
     <p:spTree>
@@ -15217,7 +17231,7 @@
             <a:fld id="{FD623F5D-5AF1-4B92-9E10-02055B579764}" type="slidenum">
               <a:rPr lang="en-US" smtClean="0"/>
               <a:pPr/>
-              <a:t>47</a:t>
+              <a:t>51</a:t>
             </a:fld>
             <a:endParaRPr lang="en-US"/>
           </a:p>
@@ -15325,7 +17339,233 @@
 </p:sld>
 </file>
 
-<file path=ppt/slides/slide48.xml><?xml version="1.0" encoding="utf-8"?>
+<file path=ppt/slides/slide52.xml><?xml version="1.0" encoding="utf-8"?>
+<p:sld xmlns:a="http://schemas.openxmlformats.org/drawingml/2006/main" xmlns:r="http://schemas.openxmlformats.org/officeDocument/2006/relationships" xmlns:p="http://schemas.openxmlformats.org/presentationml/2006/main">
+  <p:cSld>
+    <p:spTree>
+      <p:nvGrpSpPr>
+        <p:cNvPr id="1" name="">
+          <a:extLst>
+            <a:ext uri="{FF2B5EF4-FFF2-40B4-BE49-F238E27FC236}">
+              <a16:creationId xmlns:a16="http://schemas.microsoft.com/office/drawing/2014/main" id="{4EF7E5AA-CD8A-3B04-DE85-DAEE673D6FE5}"/>
+            </a:ext>
+          </a:extLst>
+        </p:cNvPr>
+        <p:cNvGrpSpPr/>
+        <p:nvPr/>
+      </p:nvGrpSpPr>
+      <p:grpSpPr>
+        <a:xfrm>
+          <a:off x="0" y="0"/>
+          <a:ext cx="0" cy="0"/>
+          <a:chOff x="0" y="0"/>
+          <a:chExt cx="0" cy="0"/>
+        </a:xfrm>
+      </p:grpSpPr>
+      <p:pic>
+        <p:nvPicPr>
+          <p:cNvPr id="5" name="Picture 4">
+            <a:extLst>
+              <a:ext uri="{FF2B5EF4-FFF2-40B4-BE49-F238E27FC236}">
+                <a16:creationId xmlns:a16="http://schemas.microsoft.com/office/drawing/2014/main" id="{3568ACAE-F1B7-EBD1-6703-F7AAE8E64662}"/>
+              </a:ext>
+            </a:extLst>
+          </p:cNvPr>
+          <p:cNvPicPr>
+            <a:picLocks noChangeAspect="1"/>
+          </p:cNvPicPr>
+          <p:nvPr/>
+        </p:nvPicPr>
+        <p:blipFill>
+          <a:blip r:embed="rId2"/>
+          <a:stretch>
+            <a:fillRect/>
+          </a:stretch>
+        </p:blipFill>
+        <p:spPr>
+          <a:xfrm>
+            <a:off x="0" y="1466850"/>
+            <a:ext cx="4553658" cy="3028950"/>
+          </a:xfrm>
+          <a:prstGeom prst="rect">
+            <a:avLst/>
+          </a:prstGeom>
+        </p:spPr>
+      </p:pic>
+      <p:pic>
+        <p:nvPicPr>
+          <p:cNvPr id="2" name="Picture 1">
+            <a:extLst>
+              <a:ext uri="{FF2B5EF4-FFF2-40B4-BE49-F238E27FC236}">
+                <a16:creationId xmlns:a16="http://schemas.microsoft.com/office/drawing/2014/main" id="{BE6A1B23-2511-3B38-738A-7C0FE99F73E5}"/>
+              </a:ext>
+            </a:extLst>
+          </p:cNvPr>
+          <p:cNvPicPr>
+            <a:picLocks noChangeAspect="1"/>
+          </p:cNvPicPr>
+          <p:nvPr/>
+        </p:nvPicPr>
+        <p:blipFill>
+          <a:blip r:embed="rId3"/>
+          <a:stretch>
+            <a:fillRect/>
+          </a:stretch>
+        </p:blipFill>
+        <p:spPr>
+          <a:xfrm>
+            <a:off x="4553658" y="1466850"/>
+            <a:ext cx="4553658" cy="3028950"/>
+          </a:xfrm>
+          <a:prstGeom prst="rect">
+            <a:avLst/>
+          </a:prstGeom>
+        </p:spPr>
+      </p:pic>
+      <p:sp>
+        <p:nvSpPr>
+          <p:cNvPr id="3" name="TextBox 2">
+            <a:extLst>
+              <a:ext uri="{FF2B5EF4-FFF2-40B4-BE49-F238E27FC236}">
+                <a16:creationId xmlns:a16="http://schemas.microsoft.com/office/drawing/2014/main" id="{811AED89-54DE-36A0-11FA-DD94290D13BA}"/>
+              </a:ext>
+            </a:extLst>
+          </p:cNvPr>
+          <p:cNvSpPr txBox="1"/>
+          <p:nvPr/>
+        </p:nvSpPr>
+        <p:spPr>
+          <a:xfrm>
+            <a:off x="1219200" y="685800"/>
+            <a:ext cx="2277162" cy="369332"/>
+          </a:xfrm>
+          <a:prstGeom prst="rect">
+            <a:avLst/>
+          </a:prstGeom>
+          <a:noFill/>
+        </p:spPr>
+        <p:txBody>
+          <a:bodyPr wrap="none" rtlCol="0">
+            <a:spAutoFit/>
+          </a:bodyPr>
+          <a:lstStyle/>
+          <a:p>
+            <a:r>
+              <a:rPr lang="en-US" dirty="0"/>
+              <a:t>Constant Temperature</a:t>
+            </a:r>
+          </a:p>
+        </p:txBody>
+      </p:sp>
+      <p:sp>
+        <p:nvSpPr>
+          <p:cNvPr id="4" name="TextBox 3">
+            <a:extLst>
+              <a:ext uri="{FF2B5EF4-FFF2-40B4-BE49-F238E27FC236}">
+                <a16:creationId xmlns:a16="http://schemas.microsoft.com/office/drawing/2014/main" id="{22964DDF-B3B6-2C2B-61DB-ED7E38B71B1F}"/>
+              </a:ext>
+            </a:extLst>
+          </p:cNvPr>
+          <p:cNvSpPr txBox="1"/>
+          <p:nvPr/>
+        </p:nvSpPr>
+        <p:spPr>
+          <a:xfrm>
+            <a:off x="6324600" y="680228"/>
+            <a:ext cx="1878335" cy="369332"/>
+          </a:xfrm>
+          <a:prstGeom prst="rect">
+            <a:avLst/>
+          </a:prstGeom>
+          <a:noFill/>
+        </p:spPr>
+        <p:txBody>
+          <a:bodyPr wrap="none" rtlCol="0">
+            <a:spAutoFit/>
+          </a:bodyPr>
+          <a:lstStyle/>
+          <a:p>
+            <a:r>
+              <a:rPr lang="en-US" dirty="0"/>
+              <a:t>Constant Pressure</a:t>
+            </a:r>
+          </a:p>
+        </p:txBody>
+      </p:sp>
+    </p:spTree>
+    <p:extLst>
+      <p:ext uri="{BB962C8B-B14F-4D97-AF65-F5344CB8AC3E}">
+        <p14:creationId xmlns:p14="http://schemas.microsoft.com/office/powerpoint/2010/main" val="809896653"/>
+      </p:ext>
+    </p:extLst>
+  </p:cSld>
+  <p:clrMapOvr>
+    <a:masterClrMapping/>
+  </p:clrMapOvr>
+</p:sld>
+</file>
+
+<file path=ppt/slides/slide53.xml><?xml version="1.0" encoding="utf-8"?>
+<p:sld xmlns:a="http://schemas.openxmlformats.org/drawingml/2006/main" xmlns:r="http://schemas.openxmlformats.org/officeDocument/2006/relationships" xmlns:p="http://schemas.openxmlformats.org/presentationml/2006/main">
+  <p:cSld>
+    <p:spTree>
+      <p:nvGrpSpPr>
+        <p:cNvPr id="1" name=""/>
+        <p:cNvGrpSpPr/>
+        <p:nvPr/>
+      </p:nvGrpSpPr>
+      <p:grpSpPr>
+        <a:xfrm>
+          <a:off x="0" y="0"/>
+          <a:ext cx="0" cy="0"/>
+          <a:chOff x="0" y="0"/>
+          <a:chExt cx="0" cy="0"/>
+        </a:xfrm>
+      </p:grpSpPr>
+      <p:pic>
+        <p:nvPicPr>
+          <p:cNvPr id="5" name="Picture 4">
+            <a:extLst>
+              <a:ext uri="{FF2B5EF4-FFF2-40B4-BE49-F238E27FC236}">
+                <a16:creationId xmlns:a16="http://schemas.microsoft.com/office/drawing/2014/main" id="{3C99C0E4-FA7F-AFA9-2839-D7AB8090D955}"/>
+              </a:ext>
+            </a:extLst>
+          </p:cNvPr>
+          <p:cNvPicPr>
+            <a:picLocks noChangeAspect="1"/>
+          </p:cNvPicPr>
+          <p:nvPr/>
+        </p:nvPicPr>
+        <p:blipFill>
+          <a:blip r:embed="rId2"/>
+          <a:stretch>
+            <a:fillRect/>
+          </a:stretch>
+        </p:blipFill>
+        <p:spPr>
+          <a:xfrm>
+            <a:off x="685800" y="1066800"/>
+            <a:ext cx="7560790" cy="5029200"/>
+          </a:xfrm>
+          <a:prstGeom prst="rect">
+            <a:avLst/>
+          </a:prstGeom>
+        </p:spPr>
+      </p:pic>
+    </p:spTree>
+    <p:extLst>
+      <p:ext uri="{BB962C8B-B14F-4D97-AF65-F5344CB8AC3E}">
+        <p14:creationId xmlns:p14="http://schemas.microsoft.com/office/powerpoint/2010/main" val="1891487831"/>
+      </p:ext>
+    </p:extLst>
+  </p:cSld>
+  <p:clrMapOvr>
+    <a:masterClrMapping/>
+  </p:clrMapOvr>
+</p:sld>
+</file>
+
+<file path=ppt/slides/slide54.xml><?xml version="1.0" encoding="utf-8"?>
 <p:sld xmlns:a="http://schemas.openxmlformats.org/drawingml/2006/main" xmlns:r="http://schemas.openxmlformats.org/officeDocument/2006/relationships" xmlns:p="http://schemas.openxmlformats.org/presentationml/2006/main">
   <p:cSld>
     <p:spTree>
@@ -15629,7 +17869,7 @@
 </p:sld>
 </file>
 
-<file path=ppt/slides/slide49.xml><?xml version="1.0" encoding="utf-8"?>
+<file path=ppt/slides/slide55.xml><?xml version="1.0" encoding="utf-8"?>
 <p:sld xmlns:a="http://schemas.openxmlformats.org/drawingml/2006/main" xmlns:r="http://schemas.openxmlformats.org/officeDocument/2006/relationships" xmlns:p="http://schemas.openxmlformats.org/presentationml/2006/main">
   <p:cSld>
     <p:spTree>
@@ -15712,7 +17952,7 @@
 </p:sld>
 </file>
 
-<file path=ppt/slides/slide5.xml><?xml version="1.0" encoding="utf-8"?>
+<file path=ppt/slides/slide56.xml><?xml version="1.0" encoding="utf-8"?>
 <p:sld xmlns:a="http://schemas.openxmlformats.org/drawingml/2006/main" xmlns:r="http://schemas.openxmlformats.org/officeDocument/2006/relationships" xmlns:p="http://schemas.openxmlformats.org/presentationml/2006/main">
   <p:cSld>
     <p:spTree>
@@ -15731,9 +17971,9 @@
       </p:grpSpPr>
       <p:sp>
         <p:nvSpPr>
-          <p:cNvPr id="29698" name="Rectangle 2"/>
+          <p:cNvPr id="2" name="Title 1"/>
           <p:cNvSpPr>
-            <a:spLocks noGrp="1" noChangeArrowheads="1"/>
+            <a:spLocks noGrp="1"/>
           </p:cNvSpPr>
           <p:nvPr>
             <p:ph type="title"/>
@@ -15744,101 +17984,18 @@
           <a:bodyPr/>
           <a:lstStyle/>
           <a:p>
-            <a:pPr eaLnBrk="1" hangingPunct="1"/>
-            <a:r>
-              <a:rPr lang="en-US"/>
-              <a:t>Conduction example</a:t>
-            </a:r>
+            <a:endParaRPr lang="en-US"/>
           </a:p>
         </p:txBody>
       </p:sp>
       <p:sp>
         <p:nvSpPr>
-          <p:cNvPr id="29699" name="Rectangle 3"/>
-          <p:cNvSpPr>
-            <a:spLocks noGrp="1" noChangeArrowheads="1"/>
-          </p:cNvSpPr>
-          <p:nvPr>
-            <p:ph type="body" sz="half" idx="1"/>
-          </p:nvPr>
-        </p:nvSpPr>
-        <p:spPr>
-          <a:xfrm>
-            <a:off x="152400" y="1789113"/>
-            <a:ext cx="4459288" cy="4114800"/>
-          </a:xfrm>
-        </p:spPr>
-        <p:txBody>
-          <a:bodyPr/>
-          <a:lstStyle/>
-          <a:p>
-            <a:pPr eaLnBrk="1" hangingPunct="1">
-              <a:lnSpc>
-                <a:spcPct val="90000"/>
-              </a:lnSpc>
-            </a:pPr>
-            <a:r>
-              <a:rPr lang="en-US" sz="2400"/>
-              <a:t>The molecules vibrate about their equilibrium positions</a:t>
-            </a:r>
-          </a:p>
-          <a:p>
-            <a:pPr eaLnBrk="1" hangingPunct="1">
-              <a:lnSpc>
-                <a:spcPct val="90000"/>
-              </a:lnSpc>
-            </a:pPr>
-            <a:r>
-              <a:rPr lang="en-US" sz="2400"/>
-              <a:t>Particles near the stove coil vibrate with larger amplitudes</a:t>
-            </a:r>
-          </a:p>
-          <a:p>
-            <a:pPr eaLnBrk="1" hangingPunct="1">
-              <a:lnSpc>
-                <a:spcPct val="90000"/>
-              </a:lnSpc>
-            </a:pPr>
-            <a:r>
-              <a:rPr lang="en-US" sz="2400"/>
-              <a:t>These collide with adjacent molecules and transfer some energy</a:t>
-            </a:r>
-          </a:p>
-          <a:p>
-            <a:pPr eaLnBrk="1" hangingPunct="1">
-              <a:lnSpc>
-                <a:spcPct val="90000"/>
-              </a:lnSpc>
-            </a:pPr>
-            <a:r>
-              <a:rPr lang="en-US" sz="2400"/>
-              <a:t>Eventually, the energy travels entirely through the pan and its handle</a:t>
-            </a:r>
-          </a:p>
-          <a:p>
-            <a:pPr eaLnBrk="1" hangingPunct="1">
-              <a:lnSpc>
-                <a:spcPct val="90000"/>
-              </a:lnSpc>
-            </a:pPr>
-            <a:endParaRPr lang="en-US" sz="2400"/>
-          </a:p>
-        </p:txBody>
-      </p:sp>
-      <p:sp>
-        <p:nvSpPr>
-          <p:cNvPr id="3" name="Online Image Placeholder 2">
-            <a:extLst>
-              <a:ext uri="{FF2B5EF4-FFF2-40B4-BE49-F238E27FC236}">
-                <a16:creationId xmlns:a16="http://schemas.microsoft.com/office/drawing/2014/main" id="{2CC9C444-06D0-76B1-7BA7-2BA427740A4C}"/>
-              </a:ext>
-            </a:extLst>
-          </p:cNvPr>
+          <p:cNvPr id="3" name="Content Placeholder 2"/>
           <p:cNvSpPr>
             <a:spLocks noGrp="1"/>
           </p:cNvSpPr>
           <p:nvPr>
-            <p:ph type="clipArt" sz="half" idx="2"/>
+            <p:ph idx="1"/>
           </p:nvPr>
         </p:nvSpPr>
         <p:spPr/>
@@ -15846,55 +18003,34 @@
           <a:bodyPr/>
           <a:lstStyle/>
           <a:p>
-            <a:endParaRPr lang="en-US"/>
+            <a:endParaRPr lang="en-US" dirty="0"/>
           </a:p>
         </p:txBody>
       </p:sp>
       <p:pic>
         <p:nvPicPr>
-          <p:cNvPr id="2050" name="Picture 2">
-            <a:extLst>
-              <a:ext uri="{FF2B5EF4-FFF2-40B4-BE49-F238E27FC236}">
-                <a16:creationId xmlns:a16="http://schemas.microsoft.com/office/drawing/2014/main" id="{492380C8-87EE-D09A-0AA9-B43EA1CF4C8A}"/>
-              </a:ext>
-            </a:extLst>
-          </p:cNvPr>
+          <p:cNvPr id="4" name="Picture 2" descr="c:\Users\rtlines\Pictures\Leaf in Snow\100_8557.JPG"/>
           <p:cNvPicPr>
             <a:picLocks noChangeAspect="1" noChangeArrowheads="1"/>
           </p:cNvPicPr>
           <p:nvPr/>
         </p:nvPicPr>
         <p:blipFill>
-          <a:blip r:embed="rId2">
-            <a:extLst>
-              <a:ext uri="{28A0092B-C50C-407E-A947-70E740481C1C}">
-                <a14:useLocalDpi xmlns:a14="http://schemas.microsoft.com/office/drawing/2010/main" val="0"/>
-              </a:ext>
-            </a:extLst>
-          </a:blip>
-          <a:srcRect/>
+          <a:blip r:embed="rId2" cstate="print"/>
+          <a:srcRect l="33275" t="3879" r="23791" b="22173"/>
           <a:stretch>
             <a:fillRect/>
           </a:stretch>
         </p:blipFill>
         <p:spPr bwMode="auto">
           <a:xfrm>
-            <a:off x="4838700" y="1524000"/>
-            <a:ext cx="3657600" cy="4871923"/>
+            <a:off x="1143000" y="0"/>
+            <a:ext cx="5972563" cy="6858000"/>
           </a:xfrm>
           <a:prstGeom prst="rect">
             <a:avLst/>
           </a:prstGeom>
           <a:noFill/>
-          <a:extLst>
-            <a:ext uri="{909E8E84-426E-40DD-AFC4-6F175D3DCCD1}">
-              <a14:hiddenFill xmlns:a14="http://schemas.microsoft.com/office/drawing/2010/main">
-                <a:solidFill>
-                  <a:srgbClr val="FFFFFF"/>
-                </a:solidFill>
-              </a14:hiddenFill>
-            </a:ext>
-          </a:extLst>
         </p:spPr>
       </p:pic>
     </p:spTree>
@@ -15905,7 +18041,86 @@
 </p:sld>
 </file>
 
-<file path=ppt/slides/slide50.xml><?xml version="1.0" encoding="utf-8"?>
+<file path=ppt/slides/slide57.xml><?xml version="1.0" encoding="utf-8"?>
+<p:sld xmlns:a="http://schemas.openxmlformats.org/drawingml/2006/main" xmlns:r="http://schemas.openxmlformats.org/officeDocument/2006/relationships" xmlns:p="http://schemas.openxmlformats.org/presentationml/2006/main">
+  <p:cSld>
+    <p:spTree>
+      <p:nvGrpSpPr>
+        <p:cNvPr id="1" name=""/>
+        <p:cNvGrpSpPr/>
+        <p:nvPr/>
+      </p:nvGrpSpPr>
+      <p:grpSpPr>
+        <a:xfrm>
+          <a:off x="0" y="0"/>
+          <a:ext cx="0" cy="0"/>
+          <a:chOff x="0" y="0"/>
+          <a:chExt cx="0" cy="0"/>
+        </a:xfrm>
+      </p:grpSpPr>
+      <p:sp>
+        <p:nvSpPr>
+          <p:cNvPr id="2" name="Title 1"/>
+          <p:cNvSpPr>
+            <a:spLocks noGrp="1"/>
+          </p:cNvSpPr>
+          <p:nvPr>
+            <p:ph type="title"/>
+          </p:nvPr>
+        </p:nvSpPr>
+        <p:spPr/>
+        <p:txBody>
+          <a:bodyPr/>
+          <a:lstStyle/>
+          <a:p>
+            <a:endParaRPr lang="en-US"/>
+          </a:p>
+        </p:txBody>
+      </p:sp>
+      <p:sp>
+        <p:nvSpPr>
+          <p:cNvPr id="3" name="Content Placeholder 2"/>
+          <p:cNvSpPr>
+            <a:spLocks noGrp="1"/>
+          </p:cNvSpPr>
+          <p:nvPr>
+            <p:ph idx="1"/>
+          </p:nvPr>
+        </p:nvSpPr>
+        <p:spPr/>
+        <p:txBody>
+          <a:bodyPr/>
+          <a:lstStyle/>
+          <a:p>
+            <a:endParaRPr lang="en-US"/>
+          </a:p>
+        </p:txBody>
+      </p:sp>
+      <p:graphicFrame>
+        <p:nvGraphicFramePr>
+          <p:cNvPr id="4" name="Chart 3"/>
+          <p:cNvGraphicFramePr/>
+          <p:nvPr/>
+        </p:nvGraphicFramePr>
+        <p:xfrm>
+          <a:off x="304800" y="1066800"/>
+          <a:ext cx="8305800" cy="5410200"/>
+        </p:xfrm>
+        <a:graphic>
+          <a:graphicData uri="http://schemas.openxmlformats.org/drawingml/2006/chart">
+            <c:chart xmlns:c="http://schemas.openxmlformats.org/drawingml/2006/chart" xmlns:r="http://schemas.openxmlformats.org/officeDocument/2006/relationships" r:id="rId2"/>
+          </a:graphicData>
+        </a:graphic>
+      </p:graphicFrame>
+    </p:spTree>
+  </p:cSld>
+  <p:clrMapOvr>
+    <a:masterClrMapping/>
+  </p:clrMapOvr>
+</p:sld>
+</file>
+
+<file path=ppt/slides/slide58.xml><?xml version="1.0" encoding="utf-8"?>
 <p:sld xmlns:a="http://schemas.openxmlformats.org/drawingml/2006/main" xmlns:r="http://schemas.openxmlformats.org/officeDocument/2006/relationships" xmlns:p="http://schemas.openxmlformats.org/presentationml/2006/main">
   <p:cSld>
     <p:spTree>
@@ -15942,7 +18157,7 @@
             <a:fld id="{AF8A1169-9EBA-46E2-9B98-508A50930152}" type="slidenum">
               <a:rPr lang="en-US" smtClean="0"/>
               <a:pPr/>
-              <a:t>50</a:t>
+              <a:t>58</a:t>
             </a:fld>
             <a:endParaRPr lang="en-US"/>
           </a:p>
@@ -16409,7 +18624,7 @@
 </p:sld>
 </file>
 
-<file path=ppt/slides/slide51.xml><?xml version="1.0" encoding="utf-8"?>
+<file path=ppt/slides/slide59.xml><?xml version="1.0" encoding="utf-8"?>
 <p:sld xmlns:a="http://schemas.openxmlformats.org/drawingml/2006/main" xmlns:r="http://schemas.openxmlformats.org/officeDocument/2006/relationships" xmlns:p="http://schemas.openxmlformats.org/presentationml/2006/main">
   <p:cSld>
     <p:spTree>
@@ -16534,7 +18749,7 @@
             <a:fld id="{44AF3AA2-562C-4E7D-A401-97604B9354FA}" type="slidenum">
               <a:rPr lang="en-US" smtClean="0"/>
               <a:pPr/>
-              <a:t>51</a:t>
+              <a:t>59</a:t>
             </a:fld>
             <a:endParaRPr lang="en-US"/>
           </a:p>
@@ -16553,7 +18768,153 @@
 </p:sld>
 </file>
 
-<file path=ppt/slides/slide52.xml><?xml version="1.0" encoding="utf-8"?>
+<file path=ppt/slides/slide6.xml><?xml version="1.0" encoding="utf-8"?>
+<p:sld xmlns:a="http://schemas.openxmlformats.org/drawingml/2006/main" xmlns:r="http://schemas.openxmlformats.org/officeDocument/2006/relationships" xmlns:p="http://schemas.openxmlformats.org/presentationml/2006/main">
+  <p:cSld>
+    <p:spTree>
+      <p:nvGrpSpPr>
+        <p:cNvPr id="1" name=""/>
+        <p:cNvGrpSpPr/>
+        <p:nvPr/>
+      </p:nvGrpSpPr>
+      <p:grpSpPr>
+        <a:xfrm>
+          <a:off x="0" y="0"/>
+          <a:ext cx="0" cy="0"/>
+          <a:chOff x="0" y="0"/>
+          <a:chExt cx="0" cy="0"/>
+        </a:xfrm>
+      </p:grpSpPr>
+      <p:sp>
+        <p:nvSpPr>
+          <p:cNvPr id="30722" name="Rectangle 2"/>
+          <p:cNvSpPr>
+            <a:spLocks noGrp="1" noChangeArrowheads="1"/>
+          </p:cNvSpPr>
+          <p:nvPr>
+            <p:ph type="title"/>
+          </p:nvPr>
+        </p:nvSpPr>
+        <p:spPr/>
+        <p:txBody>
+          <a:bodyPr/>
+          <a:lstStyle/>
+          <a:p>
+            <a:pPr eaLnBrk="1" hangingPunct="1"/>
+            <a:r>
+              <a:rPr lang="en-US"/>
+              <a:t>Conduction, cont.</a:t>
+            </a:r>
+          </a:p>
+        </p:txBody>
+      </p:sp>
+      <p:sp>
+        <p:nvSpPr>
+          <p:cNvPr id="30723" name="Rectangle 3"/>
+          <p:cNvSpPr>
+            <a:spLocks noGrp="1" noChangeArrowheads="1"/>
+          </p:cNvSpPr>
+          <p:nvPr>
+            <p:ph type="body" idx="1"/>
+          </p:nvPr>
+        </p:nvSpPr>
+        <p:spPr>
+          <a:xfrm>
+            <a:off x="292608" y="1600200"/>
+            <a:ext cx="4267200" cy="4525963"/>
+          </a:xfrm>
+        </p:spPr>
+        <p:txBody>
+          <a:bodyPr>
+            <a:normAutofit fontScale="92500" lnSpcReduction="20000"/>
+          </a:bodyPr>
+          <a:lstStyle/>
+          <a:p>
+            <a:pPr eaLnBrk="1" hangingPunct="1"/>
+            <a:r>
+              <a:rPr lang="en-US" sz="2800" dirty="0"/>
+              <a:t>In general, metals are good conductors</a:t>
+            </a:r>
+          </a:p>
+          <a:p>
+            <a:pPr lvl="1" eaLnBrk="1" hangingPunct="1"/>
+            <a:r>
+              <a:rPr lang="en-US" sz="2400" dirty="0"/>
+              <a:t>They contain large numbers of electrons that are relatively free to move through the metal</a:t>
+            </a:r>
+          </a:p>
+          <a:p>
+            <a:pPr lvl="1" eaLnBrk="1" hangingPunct="1"/>
+            <a:r>
+              <a:rPr lang="en-US" sz="2400" dirty="0"/>
+              <a:t>They can transport energy from one region to another</a:t>
+            </a:r>
+          </a:p>
+          <a:p>
+            <a:pPr eaLnBrk="1" hangingPunct="1"/>
+            <a:r>
+              <a:rPr lang="en-US" sz="2800" dirty="0"/>
+              <a:t>Conduction can occur only if there is a difference in temperature between two parts of the conducting medium</a:t>
+            </a:r>
+          </a:p>
+        </p:txBody>
+      </p:sp>
+      <p:pic>
+        <p:nvPicPr>
+          <p:cNvPr id="2" name="Picture 2">
+            <a:extLst>
+              <a:ext uri="{FF2B5EF4-FFF2-40B4-BE49-F238E27FC236}">
+                <a16:creationId xmlns:a16="http://schemas.microsoft.com/office/drawing/2014/main" id="{8D93CAD3-5F86-BB13-87F3-311ED2E6EF90}"/>
+              </a:ext>
+            </a:extLst>
+          </p:cNvPr>
+          <p:cNvPicPr>
+            <a:picLocks noChangeAspect="1" noChangeArrowheads="1"/>
+          </p:cNvPicPr>
+          <p:nvPr/>
+        </p:nvPicPr>
+        <p:blipFill>
+          <a:blip r:embed="rId2">
+            <a:extLst>
+              <a:ext uri="{28A0092B-C50C-407E-A947-70E740481C1C}">
+                <a14:useLocalDpi xmlns:a14="http://schemas.microsoft.com/office/drawing/2010/main" val="0"/>
+              </a:ext>
+            </a:extLst>
+          </a:blip>
+          <a:srcRect/>
+          <a:stretch>
+            <a:fillRect/>
+          </a:stretch>
+        </p:blipFill>
+        <p:spPr bwMode="auto">
+          <a:xfrm>
+            <a:off x="4838700" y="1524000"/>
+            <a:ext cx="3657600" cy="4871923"/>
+          </a:xfrm>
+          <a:prstGeom prst="rect">
+            <a:avLst/>
+          </a:prstGeom>
+          <a:noFill/>
+          <a:extLst>
+            <a:ext uri="{909E8E84-426E-40DD-AFC4-6F175D3DCCD1}">
+              <a14:hiddenFill xmlns:a14="http://schemas.microsoft.com/office/drawing/2010/main">
+                <a:solidFill>
+                  <a:srgbClr val="FFFFFF"/>
+                </a:solidFill>
+              </a14:hiddenFill>
+            </a:ext>
+          </a:extLst>
+        </p:spPr>
+      </p:pic>
+    </p:spTree>
+  </p:cSld>
+  <p:clrMapOvr>
+    <a:masterClrMapping/>
+  </p:clrMapOvr>
+</p:sld>
+</file>
+
+<file path=ppt/slides/slide60.xml><?xml version="1.0" encoding="utf-8"?>
 <p:sld xmlns:a="http://schemas.openxmlformats.org/drawingml/2006/main" xmlns:r="http://schemas.openxmlformats.org/officeDocument/2006/relationships" xmlns:p="http://schemas.openxmlformats.org/presentationml/2006/main">
   <p:cSld>
     <p:spTree>
@@ -16590,7 +18951,7 @@
             <a:fld id="{99587A51-97ED-46F4-8A20-2B1A2605E50B}" type="slidenum">
               <a:rPr lang="en-US" smtClean="0"/>
               <a:pPr/>
-              <a:t>52</a:t>
+              <a:t>60</a:t>
             </a:fld>
             <a:endParaRPr lang="en-US"/>
           </a:p>
@@ -16713,7 +19074,7 @@
 </p:sld>
 </file>
 
-<file path=ppt/slides/slide53.xml><?xml version="1.0" encoding="utf-8"?>
+<file path=ppt/slides/slide61.xml><?xml version="1.0" encoding="utf-8"?>
 <p:sld xmlns:a="http://schemas.openxmlformats.org/drawingml/2006/main" xmlns:r="http://schemas.openxmlformats.org/officeDocument/2006/relationships" xmlns:p="http://schemas.openxmlformats.org/presentationml/2006/main">
   <p:cSld>
     <p:spTree>
@@ -16838,7 +19199,7 @@
             <a:fld id="{657D97E8-0885-427D-90F2-6B75E49ABF8F}" type="slidenum">
               <a:rPr lang="en-US" smtClean="0"/>
               <a:pPr/>
-              <a:t>53</a:t>
+              <a:t>61</a:t>
             </a:fld>
             <a:endParaRPr lang="en-US"/>
           </a:p>
@@ -16857,7 +19218,7 @@
 </p:sld>
 </file>
 
-<file path=ppt/slides/slide54.xml><?xml version="1.0" encoding="utf-8"?>
+<file path=ppt/slides/slide62.xml><?xml version="1.0" encoding="utf-8"?>
 <p:sld xmlns:a="http://schemas.openxmlformats.org/drawingml/2006/main" xmlns:r="http://schemas.openxmlformats.org/officeDocument/2006/relationships" xmlns:p="http://schemas.openxmlformats.org/presentationml/2006/main">
   <p:cSld>
     <p:spTree>
@@ -17298,7 +19659,7 @@
 </p:sld>
 </file>
 
-<file path=ppt/slides/slide55.xml><?xml version="1.0" encoding="utf-8"?>
+<file path=ppt/slides/slide63.xml><?xml version="1.0" encoding="utf-8"?>
 <p:sld xmlns:a="http://schemas.openxmlformats.org/drawingml/2006/main" xmlns:r="http://schemas.openxmlformats.org/officeDocument/2006/relationships" xmlns:p="http://schemas.openxmlformats.org/presentationml/2006/main">
   <p:cSld>
     <p:spTree>
@@ -18110,7 +20471,7 @@
 </p:sld>
 </file>
 
-<file path=ppt/slides/slide56.xml><?xml version="1.0" encoding="utf-8"?>
+<file path=ppt/slides/slide64.xml><?xml version="1.0" encoding="utf-8"?>
 <p:sld xmlns:a="http://schemas.openxmlformats.org/drawingml/2006/main" xmlns:r="http://schemas.openxmlformats.org/officeDocument/2006/relationships" xmlns:p="http://schemas.openxmlformats.org/presentationml/2006/main">
   <p:cSld>
     <p:spTree>
@@ -19265,7 +21626,7 @@
 </p:sld>
 </file>
 
-<file path=ppt/slides/slide57.xml><?xml version="1.0" encoding="utf-8"?>
+<file path=ppt/slides/slide65.xml><?xml version="1.0" encoding="utf-8"?>
 <p:sld xmlns:a="http://schemas.openxmlformats.org/drawingml/2006/main" xmlns:r="http://schemas.openxmlformats.org/officeDocument/2006/relationships" xmlns:p="http://schemas.openxmlformats.org/presentationml/2006/main">
   <p:cSld>
     <p:spTree>
@@ -19388,7 +21749,7 @@
 </p:sld>
 </file>
 
-<file path=ppt/slides/slide58.xml><?xml version="1.0" encoding="utf-8"?>
+<file path=ppt/slides/slide66.xml><?xml version="1.0" encoding="utf-8"?>
 <p:sld xmlns:a="http://schemas.openxmlformats.org/drawingml/2006/main" xmlns:r="http://schemas.openxmlformats.org/officeDocument/2006/relationships" xmlns:p="http://schemas.openxmlformats.org/presentationml/2006/main">
   <p:cSld>
     <p:spTree>
@@ -21638,7 +23999,7 @@
 </p:sld>
 </file>
 
-<file path=ppt/slides/slide59.xml><?xml version="1.0" encoding="utf-8"?>
+<file path=ppt/slides/slide67.xml><?xml version="1.0" encoding="utf-8"?>
 <p:sld xmlns:a="http://schemas.openxmlformats.org/drawingml/2006/main" xmlns:r="http://schemas.openxmlformats.org/officeDocument/2006/relationships" xmlns:p="http://schemas.openxmlformats.org/presentationml/2006/main">
   <p:cSld>
     <p:spTree>
@@ -30755,153 +33116,7 @@
 </p:sld>
 </file>
 
-<file path=ppt/slides/slide6.xml><?xml version="1.0" encoding="utf-8"?>
-<p:sld xmlns:a="http://schemas.openxmlformats.org/drawingml/2006/main" xmlns:r="http://schemas.openxmlformats.org/officeDocument/2006/relationships" xmlns:p="http://schemas.openxmlformats.org/presentationml/2006/main">
-  <p:cSld>
-    <p:spTree>
-      <p:nvGrpSpPr>
-        <p:cNvPr id="1" name=""/>
-        <p:cNvGrpSpPr/>
-        <p:nvPr/>
-      </p:nvGrpSpPr>
-      <p:grpSpPr>
-        <a:xfrm>
-          <a:off x="0" y="0"/>
-          <a:ext cx="0" cy="0"/>
-          <a:chOff x="0" y="0"/>
-          <a:chExt cx="0" cy="0"/>
-        </a:xfrm>
-      </p:grpSpPr>
-      <p:sp>
-        <p:nvSpPr>
-          <p:cNvPr id="30722" name="Rectangle 2"/>
-          <p:cNvSpPr>
-            <a:spLocks noGrp="1" noChangeArrowheads="1"/>
-          </p:cNvSpPr>
-          <p:nvPr>
-            <p:ph type="title"/>
-          </p:nvPr>
-        </p:nvSpPr>
-        <p:spPr/>
-        <p:txBody>
-          <a:bodyPr/>
-          <a:lstStyle/>
-          <a:p>
-            <a:pPr eaLnBrk="1" hangingPunct="1"/>
-            <a:r>
-              <a:rPr lang="en-US"/>
-              <a:t>Conduction, cont.</a:t>
-            </a:r>
-          </a:p>
-        </p:txBody>
-      </p:sp>
-      <p:sp>
-        <p:nvSpPr>
-          <p:cNvPr id="30723" name="Rectangle 3"/>
-          <p:cNvSpPr>
-            <a:spLocks noGrp="1" noChangeArrowheads="1"/>
-          </p:cNvSpPr>
-          <p:nvPr>
-            <p:ph type="body" idx="1"/>
-          </p:nvPr>
-        </p:nvSpPr>
-        <p:spPr>
-          <a:xfrm>
-            <a:off x="292608" y="1600200"/>
-            <a:ext cx="4267200" cy="4525963"/>
-          </a:xfrm>
-        </p:spPr>
-        <p:txBody>
-          <a:bodyPr>
-            <a:normAutofit fontScale="92500" lnSpcReduction="20000"/>
-          </a:bodyPr>
-          <a:lstStyle/>
-          <a:p>
-            <a:pPr eaLnBrk="1" hangingPunct="1"/>
-            <a:r>
-              <a:rPr lang="en-US" sz="2800" dirty="0"/>
-              <a:t>In general, metals are good conductors</a:t>
-            </a:r>
-          </a:p>
-          <a:p>
-            <a:pPr lvl="1" eaLnBrk="1" hangingPunct="1"/>
-            <a:r>
-              <a:rPr lang="en-US" sz="2400" dirty="0"/>
-              <a:t>They contain large numbers of electrons that are relatively free to move through the metal</a:t>
-            </a:r>
-          </a:p>
-          <a:p>
-            <a:pPr lvl="1" eaLnBrk="1" hangingPunct="1"/>
-            <a:r>
-              <a:rPr lang="en-US" sz="2400" dirty="0"/>
-              <a:t>They can transport energy from one region to another</a:t>
-            </a:r>
-          </a:p>
-          <a:p>
-            <a:pPr eaLnBrk="1" hangingPunct="1"/>
-            <a:r>
-              <a:rPr lang="en-US" sz="2800" dirty="0"/>
-              <a:t>Conduction can occur only if there is a difference in temperature between two parts of the conducting medium</a:t>
-            </a:r>
-          </a:p>
-        </p:txBody>
-      </p:sp>
-      <p:pic>
-        <p:nvPicPr>
-          <p:cNvPr id="2" name="Picture 2">
-            <a:extLst>
-              <a:ext uri="{FF2B5EF4-FFF2-40B4-BE49-F238E27FC236}">
-                <a16:creationId xmlns:a16="http://schemas.microsoft.com/office/drawing/2014/main" id="{8D93CAD3-5F86-BB13-87F3-311ED2E6EF90}"/>
-              </a:ext>
-            </a:extLst>
-          </p:cNvPr>
-          <p:cNvPicPr>
-            <a:picLocks noChangeAspect="1" noChangeArrowheads="1"/>
-          </p:cNvPicPr>
-          <p:nvPr/>
-        </p:nvPicPr>
-        <p:blipFill>
-          <a:blip r:embed="rId2">
-            <a:extLst>
-              <a:ext uri="{28A0092B-C50C-407E-A947-70E740481C1C}">
-                <a14:useLocalDpi xmlns:a14="http://schemas.microsoft.com/office/drawing/2010/main" val="0"/>
-              </a:ext>
-            </a:extLst>
-          </a:blip>
-          <a:srcRect/>
-          <a:stretch>
-            <a:fillRect/>
-          </a:stretch>
-        </p:blipFill>
-        <p:spPr bwMode="auto">
-          <a:xfrm>
-            <a:off x="4838700" y="1524000"/>
-            <a:ext cx="3657600" cy="4871923"/>
-          </a:xfrm>
-          <a:prstGeom prst="rect">
-            <a:avLst/>
-          </a:prstGeom>
-          <a:noFill/>
-          <a:extLst>
-            <a:ext uri="{909E8E84-426E-40DD-AFC4-6F175D3DCCD1}">
-              <a14:hiddenFill xmlns:a14="http://schemas.microsoft.com/office/drawing/2010/main">
-                <a:solidFill>
-                  <a:srgbClr val="FFFFFF"/>
-                </a:solidFill>
-              </a14:hiddenFill>
-            </a:ext>
-          </a:extLst>
-        </p:spPr>
-      </p:pic>
-    </p:spTree>
-  </p:cSld>
-  <p:clrMapOvr>
-    <a:masterClrMapping/>
-  </p:clrMapOvr>
-</p:sld>
-</file>
-
-<file path=ppt/slides/slide60.xml><?xml version="1.0" encoding="utf-8"?>
+<file path=ppt/slides/slide68.xml><?xml version="1.0" encoding="utf-8"?>
 <p:sld xmlns:a="http://schemas.openxmlformats.org/drawingml/2006/main" xmlns:r="http://schemas.openxmlformats.org/officeDocument/2006/relationships" xmlns:p="http://schemas.openxmlformats.org/presentationml/2006/main">
   <p:cSld>
     <p:spTree>
@@ -31018,7 +33233,7 @@
 </p:sld>
 </file>
 
-<file path=ppt/slides/slide61.xml><?xml version="1.0" encoding="utf-8"?>
+<file path=ppt/slides/slide69.xml><?xml version="1.0" encoding="utf-8"?>
 <p:sld xmlns:a="http://schemas.openxmlformats.org/drawingml/2006/main" xmlns:r="http://schemas.openxmlformats.org/officeDocument/2006/relationships" xmlns:p="http://schemas.openxmlformats.org/presentationml/2006/main">
   <p:cSld>
     <p:spTree>
